--- a/Artificial Intelligence.pptx
+++ b/Artificial Intelligence.pptx
@@ -23,9 +23,10 @@
     <p:sldId id="272" r:id="rId17"/>
     <p:sldId id="275" r:id="rId18"/>
     <p:sldId id="277" r:id="rId19"/>
-    <p:sldId id="278" r:id="rId20"/>
-    <p:sldId id="271" r:id="rId21"/>
-    <p:sldId id="261" r:id="rId22"/>
+    <p:sldId id="279" r:id="rId20"/>
+    <p:sldId id="278" r:id="rId21"/>
+    <p:sldId id="271" r:id="rId22"/>
+    <p:sldId id="261" r:id="rId23"/>
   </p:sldIdLst>
   <p:sldSz cx="12192000" cy="6858000"/>
   <p:notesSz cx="6858000" cy="9144000"/>
@@ -12111,12 +12112,8 @@
           <a:p>
             <a:pPr algn="l"/>
             <a:r>
-              <a:rPr lang="zh-CN" altLang="en-US" sz="4000" dirty="0" smtClean="0"/>
-              <a:t>卷积神经网络</a:t>
-            </a:r>
-            <a:r>
-              <a:rPr lang="en-US" altLang="zh-CN" sz="4000" dirty="0" smtClean="0"/>
-              <a:t>(Convolutional neural network)</a:t>
+              <a:rPr lang="en-US" altLang="zh-CN" sz="4000" dirty="0" err="1" smtClean="0"/>
+              <a:t>AlexNet</a:t>
             </a:r>
             <a:endParaRPr lang="en-US" sz="4000" dirty="0" smtClean="0"/>
           </a:p>
@@ -12331,79 +12328,6 @@
           </a:fontRef>
         </p:style>
       </p:cxnSp>
-      <p:sp>
-        <p:nvSpPr>
-          <p:cNvPr id="12" name="TextBox 11"/>
-          <p:cNvSpPr txBox="1"/>
-          <p:nvPr/>
-        </p:nvSpPr>
-        <p:spPr>
-          <a:xfrm>
-            <a:off x="5273040" y="5143301"/>
-            <a:ext cx="6170023" cy="369332"/>
-          </a:xfrm>
-          <a:prstGeom prst="rect">
-            <a:avLst/>
-          </a:prstGeom>
-          <a:noFill/>
-        </p:spPr>
-        <p:txBody>
-          <a:bodyPr wrap="square" rtlCol="0">
-            <a:spAutoFit/>
-          </a:bodyPr>
-          <a:lstStyle/>
-          <a:p>
-            <a:r>
-              <a:rPr lang="en-US" dirty="0" smtClean="0"/>
-              <a:t>Ref: </a:t>
-            </a:r>
-            <a:r>
-              <a:rPr lang="en-US" dirty="0">
-                <a:hlinkClick r:id="rId3"/>
-              </a:rPr>
-              <a:t>https://</a:t>
-            </a:r>
-            <a:r>
-              <a:rPr lang="en-US" dirty="0" smtClean="0">
-                <a:hlinkClick r:id="rId3"/>
-              </a:rPr>
-              <a:t>zhuanlan.zhihu.com/p/36281721</a:t>
-            </a:r>
-            <a:endParaRPr lang="en-US" dirty="0" smtClean="0"/>
-          </a:p>
-        </p:txBody>
-      </p:sp>
-      <p:sp>
-        <p:nvSpPr>
-          <p:cNvPr id="13" name="Rectangle 12"/>
-          <p:cNvSpPr/>
-          <p:nvPr/>
-        </p:nvSpPr>
-        <p:spPr>
-          <a:xfrm>
-            <a:off x="5273040" y="5571198"/>
-            <a:ext cx="6096000" cy="923330"/>
-          </a:xfrm>
-          <a:prstGeom prst="rect">
-            <a:avLst/>
-          </a:prstGeom>
-        </p:spPr>
-        <p:txBody>
-          <a:bodyPr>
-            <a:spAutoFit/>
-          </a:bodyPr>
-          <a:lstStyle/>
-          <a:p>
-            <a:r>
-              <a:rPr lang="en-US" dirty="0">
-                <a:hlinkClick r:id="rId4"/>
-              </a:rPr>
-              <a:t>https://stats.stackexchange.com/questions/383727/whats-the-difference-between-a-dense-layer-and-an-output-layer-in-a-cnn</a:t>
-            </a:r>
-            <a:endParaRPr lang="en-US" dirty="0"/>
-          </a:p>
-        </p:txBody>
-      </p:sp>
     </p:spTree>
     <p:extLst>
       <p:ext uri="{BB962C8B-B14F-4D97-AF65-F5344CB8AC3E}">
@@ -12465,12 +12389,8 @@
           <a:p>
             <a:pPr algn="l"/>
             <a:r>
-              <a:rPr lang="zh-CN" altLang="en-US" sz="4000" dirty="0" smtClean="0"/>
-              <a:t>激活函数</a:t>
-            </a:r>
-            <a:r>
-              <a:rPr lang="en-US" altLang="zh-CN" sz="4000" dirty="0" smtClean="0"/>
-              <a:t>(activation function)</a:t>
+              <a:rPr lang="en-US" altLang="zh-CN" sz="4000" dirty="0" err="1" smtClean="0"/>
+              <a:t>AlexNet</a:t>
             </a:r>
             <a:endParaRPr lang="en-US" sz="4000" dirty="0" smtClean="0"/>
           </a:p>
@@ -12478,14 +12398,14 @@
       </p:sp>
       <p:sp>
         <p:nvSpPr>
-          <p:cNvPr id="3" name="TextBox 2"/>
+          <p:cNvPr id="12" name="TextBox 11"/>
           <p:cNvSpPr txBox="1"/>
           <p:nvPr/>
         </p:nvSpPr>
         <p:spPr>
           <a:xfrm>
-            <a:off x="1045029" y="2749731"/>
-            <a:ext cx="5381897" cy="1477328"/>
+            <a:off x="944880" y="1834044"/>
+            <a:ext cx="7929154" cy="1754326"/>
           </a:xfrm>
           <a:prstGeom prst="rect">
             <a:avLst/>
@@ -12498,15 +12418,36 @@
           </a:bodyPr>
           <a:lstStyle/>
           <a:p>
+            <a:r>
+              <a:rPr lang="en-US" dirty="0" smtClean="0"/>
+              <a:t>Ref: </a:t>
+            </a:r>
+            <a:endParaRPr lang="en-US" dirty="0" smtClean="0"/>
+          </a:p>
+          <a:p>
             <a:pPr marL="285750" indent="-285750">
               <a:buFont typeface="Arial" panose="020B0604020202020204" pitchFamily="34" charset="0"/>
               <a:buChar char="•"/>
             </a:pPr>
             <a:r>
-              <a:rPr lang="en-US" dirty="0" err="1" smtClean="0"/>
-              <a:t>Relu</a:t>
-            </a:r>
-            <a:endParaRPr lang="en-US" dirty="0" smtClean="0"/>
+              <a:rPr lang="en-US" dirty="0" smtClean="0">
+                <a:hlinkClick r:id="rId2"/>
+              </a:rPr>
+              <a:t>https</a:t>
+            </a:r>
+            <a:r>
+              <a:rPr lang="en-US" dirty="0">
+                <a:hlinkClick r:id="rId2"/>
+              </a:rPr>
+              <a:t>://</a:t>
+            </a:r>
+            <a:r>
+              <a:rPr lang="en-US" dirty="0" smtClean="0">
+                <a:hlinkClick r:id="rId2"/>
+              </a:rPr>
+              <a:t>zhuanlan.zhihu.com/p/36281721</a:t>
+            </a:r>
+            <a:endParaRPr lang="en-US" dirty="0"/>
           </a:p>
           <a:p>
             <a:pPr marL="285750" indent="-285750">
@@ -12514,8 +12455,22 @@
               <a:buChar char="•"/>
             </a:pPr>
             <a:r>
-              <a:rPr lang="en-US" dirty="0" err="1" smtClean="0"/>
-              <a:t>Softmax</a:t>
+              <a:rPr lang="en-US" dirty="0" smtClean="0">
+                <a:hlinkClick r:id="rId3"/>
+              </a:rPr>
+              <a:t>https</a:t>
+            </a:r>
+            <a:r>
+              <a:rPr lang="en-US" dirty="0">
+                <a:hlinkClick r:id="rId3"/>
+              </a:rPr>
+              <a:t>://</a:t>
+            </a:r>
+            <a:r>
+              <a:rPr lang="en-US" dirty="0" smtClean="0">
+                <a:hlinkClick r:id="rId3"/>
+              </a:rPr>
+              <a:t>stats.stackexchange.com/questions/383727/whats-the-difference-between-a-dense-layer-and-an-output-layer-in-a-cnn</a:t>
             </a:r>
             <a:endParaRPr lang="en-US" dirty="0" smtClean="0"/>
           </a:p>
@@ -12525,74 +12480,28 @@
               <a:buChar char="•"/>
             </a:pPr>
             <a:r>
-              <a:rPr lang="en-US" dirty="0" err="1" smtClean="0"/>
-              <a:t>Lrn</a:t>
-            </a:r>
+              <a:rPr lang="en-US" dirty="0" smtClean="0">
+                <a:hlinkClick r:id="rId4"/>
+              </a:rPr>
+              <a:t>https</a:t>
+            </a:r>
+            <a:r>
+              <a:rPr lang="en-US" dirty="0">
+                <a:hlinkClick r:id="rId4"/>
+              </a:rPr>
+              <a:t>://zhuanlan.zhihu.com/p/27222043</a:t>
+            </a:r>
+            <a:endParaRPr lang="en-US" dirty="0"/>
+          </a:p>
+          <a:p>
             <a:endParaRPr lang="en-US" dirty="0" smtClean="0"/>
-          </a:p>
-          <a:p>
-            <a:pPr marL="285750" indent="-285750">
-              <a:buFont typeface="Arial" panose="020B0604020202020204" pitchFamily="34" charset="0"/>
-              <a:buChar char="•"/>
-            </a:pPr>
-            <a:r>
-              <a:rPr lang="en-US" dirty="0" smtClean="0"/>
-              <a:t>Sigmoid</a:t>
-            </a:r>
-          </a:p>
-          <a:p>
-            <a:pPr marL="285750" indent="-285750">
-              <a:buFont typeface="Arial" panose="020B0604020202020204" pitchFamily="34" charset="0"/>
-              <a:buChar char="•"/>
-            </a:pPr>
-            <a:r>
-              <a:rPr lang="en-US" dirty="0" err="1" smtClean="0"/>
-              <a:t>Tanh</a:t>
-            </a:r>
-            <a:endParaRPr lang="en-US" dirty="0" smtClean="0"/>
-          </a:p>
-        </p:txBody>
-      </p:sp>
-      <p:sp>
-        <p:nvSpPr>
-          <p:cNvPr id="6" name="TextBox 5"/>
-          <p:cNvSpPr txBox="1"/>
-          <p:nvPr/>
-        </p:nvSpPr>
-        <p:spPr>
-          <a:xfrm>
-            <a:off x="1045029" y="4963885"/>
-            <a:ext cx="5556068" cy="369332"/>
-          </a:xfrm>
-          <a:prstGeom prst="rect">
-            <a:avLst/>
-          </a:prstGeom>
-          <a:noFill/>
-        </p:spPr>
-        <p:txBody>
-          <a:bodyPr wrap="square" rtlCol="0">
-            <a:spAutoFit/>
-          </a:bodyPr>
-          <a:lstStyle/>
-          <a:p>
-            <a:r>
-              <a:rPr lang="en-US" altLang="zh-CN" dirty="0" smtClean="0"/>
-              <a:t>Ref: </a:t>
-            </a:r>
-            <a:r>
-              <a:rPr lang="en-US" dirty="0">
-                <a:hlinkClick r:id="rId2"/>
-              </a:rPr>
-              <a:t>https://en.wikipedia.org/wiki/Activation_function</a:t>
-            </a:r>
-            <a:endParaRPr lang="en-US" dirty="0"/>
           </a:p>
         </p:txBody>
       </p:sp>
     </p:spTree>
     <p:extLst>
       <p:ext uri="{BB962C8B-B14F-4D97-AF65-F5344CB8AC3E}">
-        <p14:creationId xmlns:p14="http://schemas.microsoft.com/office/powerpoint/2010/main" val="2940046170"/>
+        <p14:creationId xmlns:p14="http://schemas.microsoft.com/office/powerpoint/2010/main" val="3882259418"/>
       </p:ext>
     </p:extLst>
   </p:cSld>
@@ -12781,6 +12690,191 @@
         </p:spPr>
         <p:txBody>
           <a:bodyPr>
+            <a:noAutofit/>
+          </a:bodyPr>
+          <a:lstStyle/>
+          <a:p>
+            <a:pPr algn="l"/>
+            <a:r>
+              <a:rPr lang="zh-CN" altLang="en-US" sz="4000" dirty="0" smtClean="0"/>
+              <a:t>激活函数</a:t>
+            </a:r>
+            <a:r>
+              <a:rPr lang="en-US" altLang="zh-CN" sz="4000" dirty="0" smtClean="0"/>
+              <a:t>(activation function)</a:t>
+            </a:r>
+            <a:endParaRPr lang="en-US" sz="4000" dirty="0" smtClean="0"/>
+          </a:p>
+        </p:txBody>
+      </p:sp>
+      <p:sp>
+        <p:nvSpPr>
+          <p:cNvPr id="3" name="TextBox 2"/>
+          <p:cNvSpPr txBox="1"/>
+          <p:nvPr/>
+        </p:nvSpPr>
+        <p:spPr>
+          <a:xfrm>
+            <a:off x="1045029" y="2749731"/>
+            <a:ext cx="5381897" cy="1477328"/>
+          </a:xfrm>
+          <a:prstGeom prst="rect">
+            <a:avLst/>
+          </a:prstGeom>
+          <a:noFill/>
+        </p:spPr>
+        <p:txBody>
+          <a:bodyPr wrap="square" rtlCol="0">
+            <a:spAutoFit/>
+          </a:bodyPr>
+          <a:lstStyle/>
+          <a:p>
+            <a:pPr marL="285750" indent="-285750">
+              <a:buFont typeface="Arial" panose="020B0604020202020204" pitchFamily="34" charset="0"/>
+              <a:buChar char="•"/>
+            </a:pPr>
+            <a:r>
+              <a:rPr lang="en-US" dirty="0" err="1" smtClean="0"/>
+              <a:t>Relu</a:t>
+            </a:r>
+            <a:endParaRPr lang="en-US" dirty="0" smtClean="0"/>
+          </a:p>
+          <a:p>
+            <a:pPr marL="285750" indent="-285750">
+              <a:buFont typeface="Arial" panose="020B0604020202020204" pitchFamily="34" charset="0"/>
+              <a:buChar char="•"/>
+            </a:pPr>
+            <a:r>
+              <a:rPr lang="en-US" dirty="0" err="1" smtClean="0"/>
+              <a:t>Softmax</a:t>
+            </a:r>
+            <a:endParaRPr lang="en-US" dirty="0" smtClean="0"/>
+          </a:p>
+          <a:p>
+            <a:pPr marL="285750" indent="-285750">
+              <a:buFont typeface="Arial" panose="020B0604020202020204" pitchFamily="34" charset="0"/>
+              <a:buChar char="•"/>
+            </a:pPr>
+            <a:r>
+              <a:rPr lang="en-US" dirty="0" err="1" smtClean="0"/>
+              <a:t>Lrn</a:t>
+            </a:r>
+            <a:endParaRPr lang="en-US" dirty="0" smtClean="0"/>
+          </a:p>
+          <a:p>
+            <a:pPr marL="285750" indent="-285750">
+              <a:buFont typeface="Arial" panose="020B0604020202020204" pitchFamily="34" charset="0"/>
+              <a:buChar char="•"/>
+            </a:pPr>
+            <a:r>
+              <a:rPr lang="en-US" dirty="0" smtClean="0"/>
+              <a:t>Sigmoid</a:t>
+            </a:r>
+          </a:p>
+          <a:p>
+            <a:pPr marL="285750" indent="-285750">
+              <a:buFont typeface="Arial" panose="020B0604020202020204" pitchFamily="34" charset="0"/>
+              <a:buChar char="•"/>
+            </a:pPr>
+            <a:r>
+              <a:rPr lang="en-US" dirty="0" err="1" smtClean="0"/>
+              <a:t>Tanh</a:t>
+            </a:r>
+            <a:endParaRPr lang="en-US" dirty="0" smtClean="0"/>
+          </a:p>
+        </p:txBody>
+      </p:sp>
+      <p:sp>
+        <p:nvSpPr>
+          <p:cNvPr id="6" name="TextBox 5"/>
+          <p:cNvSpPr txBox="1"/>
+          <p:nvPr/>
+        </p:nvSpPr>
+        <p:spPr>
+          <a:xfrm>
+            <a:off x="1045029" y="4963885"/>
+            <a:ext cx="5556068" cy="369332"/>
+          </a:xfrm>
+          <a:prstGeom prst="rect">
+            <a:avLst/>
+          </a:prstGeom>
+          <a:noFill/>
+        </p:spPr>
+        <p:txBody>
+          <a:bodyPr wrap="square" rtlCol="0">
+            <a:spAutoFit/>
+          </a:bodyPr>
+          <a:lstStyle/>
+          <a:p>
+            <a:r>
+              <a:rPr lang="en-US" altLang="zh-CN" dirty="0" smtClean="0"/>
+              <a:t>Ref: </a:t>
+            </a:r>
+            <a:r>
+              <a:rPr lang="en-US" dirty="0">
+                <a:hlinkClick r:id="rId2"/>
+              </a:rPr>
+              <a:t>https://en.wikipedia.org/wiki/Activation_function</a:t>
+            </a:r>
+            <a:endParaRPr lang="en-US" dirty="0"/>
+          </a:p>
+        </p:txBody>
+      </p:sp>
+    </p:spTree>
+    <p:extLst>
+      <p:ext uri="{BB962C8B-B14F-4D97-AF65-F5344CB8AC3E}">
+        <p14:creationId xmlns:p14="http://schemas.microsoft.com/office/powerpoint/2010/main" val="2940046170"/>
+      </p:ext>
+    </p:extLst>
+  </p:cSld>
+  <p:clrMapOvr>
+    <a:masterClrMapping/>
+  </p:clrMapOvr>
+  <p:timing>
+    <p:tnLst>
+      <p:par>
+        <p:cTn id="1" dur="indefinite" restart="never" nodeType="tmRoot"/>
+      </p:par>
+    </p:tnLst>
+  </p:timing>
+</p:sld>
+</file>
+
+<file path=ppt/slides/slide21.xml><?xml version="1.0" encoding="utf-8"?>
+<p:sld xmlns:a="http://schemas.openxmlformats.org/drawingml/2006/main" xmlns:r="http://schemas.openxmlformats.org/officeDocument/2006/relationships" xmlns:p="http://schemas.openxmlformats.org/presentationml/2006/main">
+  <p:cSld>
+    <p:spTree>
+      <p:nvGrpSpPr>
+        <p:cNvPr id="1" name=""/>
+        <p:cNvGrpSpPr/>
+        <p:nvPr/>
+      </p:nvGrpSpPr>
+      <p:grpSpPr>
+        <a:xfrm>
+          <a:off x="0" y="0"/>
+          <a:ext cx="0" cy="0"/>
+          <a:chOff x="0" y="0"/>
+          <a:chExt cx="0" cy="0"/>
+        </a:xfrm>
+      </p:grpSpPr>
+      <p:sp>
+        <p:nvSpPr>
+          <p:cNvPr id="2" name="Title 1"/>
+          <p:cNvSpPr>
+            <a:spLocks noGrp="1"/>
+          </p:cNvSpPr>
+          <p:nvPr>
+            <p:ph type="ctrTitle"/>
+          </p:nvPr>
+        </p:nvSpPr>
+        <p:spPr>
+          <a:xfrm>
+            <a:off x="883920" y="436563"/>
+            <a:ext cx="10206446" cy="908911"/>
+          </a:xfrm>
+        </p:spPr>
+        <p:txBody>
+          <a:bodyPr>
             <a:normAutofit fontScale="90000"/>
           </a:bodyPr>
           <a:lstStyle/>
@@ -12862,7 +12956,7 @@
 </p:sld>
 </file>
 
-<file path=ppt/slides/slide21.xml><?xml version="1.0" encoding="utf-8"?>
+<file path=ppt/slides/slide22.xml><?xml version="1.0" encoding="utf-8"?>
 <p:sld xmlns:a="http://schemas.openxmlformats.org/drawingml/2006/main" xmlns:r="http://schemas.openxmlformats.org/officeDocument/2006/relationships" xmlns:p="http://schemas.openxmlformats.org/presentationml/2006/main">
   <p:cSld>
     <p:spTree>

--- a/Artificial Intelligence.pptx
+++ b/Artificial Intelligence.pptx
@@ -22,11 +22,16 @@
     <p:sldId id="276" r:id="rId16"/>
     <p:sldId id="272" r:id="rId17"/>
     <p:sldId id="275" r:id="rId18"/>
-    <p:sldId id="277" r:id="rId19"/>
-    <p:sldId id="279" r:id="rId20"/>
-    <p:sldId id="278" r:id="rId21"/>
-    <p:sldId id="271" r:id="rId22"/>
-    <p:sldId id="261" r:id="rId23"/>
+    <p:sldId id="280" r:id="rId19"/>
+    <p:sldId id="281" r:id="rId20"/>
+    <p:sldId id="282" r:id="rId21"/>
+    <p:sldId id="283" r:id="rId22"/>
+    <p:sldId id="277" r:id="rId23"/>
+    <p:sldId id="284" r:id="rId24"/>
+    <p:sldId id="279" r:id="rId25"/>
+    <p:sldId id="278" r:id="rId26"/>
+    <p:sldId id="271" r:id="rId27"/>
+    <p:sldId id="261" r:id="rId28"/>
   </p:sldIdLst>
   <p:sldSz cx="12192000" cy="6858000"/>
   <p:notesSz cx="6858000" cy="9144000"/>
@@ -895,14 +900,14 @@
         <a:lstStyle/>
         <a:p>
           <a:r>
-            <a:rPr lang="zh-CN" altLang="en-US" b="0" i="0" dirty="0" smtClean="0"/>
+            <a:rPr lang="zh-CN" altLang="en-US" b="0" i="0" dirty="0"/>
             <a:t>图灵测试</a:t>
           </a:r>
-          <a:endParaRPr lang="en-US" altLang="zh-CN" b="0" i="0" dirty="0" smtClean="0"/>
+          <a:endParaRPr lang="en-US" altLang="zh-CN" b="0" i="0" dirty="0"/>
         </a:p>
         <a:p>
           <a:r>
-            <a:rPr lang="en-US" b="0" i="0" dirty="0" smtClean="0"/>
+            <a:rPr lang="en-US" b="0" i="0" dirty="0"/>
             <a:t>1950</a:t>
           </a:r>
           <a:endParaRPr lang="en-US" dirty="0"/>
@@ -939,14 +944,14 @@
         <a:lstStyle/>
         <a:p>
           <a:r>
-            <a:rPr lang="en-US" dirty="0" smtClean="0"/>
+            <a:rPr lang="en-US" dirty="0"/>
             <a:t>1951</a:t>
           </a:r>
-          <a:endParaRPr lang="en-US" altLang="zh-CN" dirty="0" smtClean="0"/>
+          <a:endParaRPr lang="en-US" altLang="zh-CN" dirty="0"/>
         </a:p>
         <a:p>
           <a:r>
-            <a:rPr lang="zh-CN" altLang="en-US" dirty="0" smtClean="0"/>
+            <a:rPr lang="zh-CN" altLang="en-US" dirty="0"/>
             <a:t>第一台神经网络机</a:t>
           </a:r>
         </a:p>
@@ -982,32 +987,31 @@
         <a:lstStyle/>
         <a:p>
           <a:r>
-            <a:rPr lang="zh-CN" altLang="en-US" dirty="0" smtClean="0"/>
+            <a:rPr lang="zh-CN" altLang="en-US" dirty="0"/>
             <a:t>反向传播算法</a:t>
           </a:r>
           <a:r>
-            <a:rPr lang="en-US" altLang="zh-CN" dirty="0" smtClean="0"/>
+            <a:rPr lang="en-US" altLang="zh-CN" dirty="0"/>
             <a:t>(</a:t>
           </a:r>
           <a:r>
-            <a:rPr lang="en-US" b="0" i="0" dirty="0" smtClean="0"/>
+            <a:rPr lang="en-US" b="0" i="0" dirty="0"/>
             <a:t>Paul </a:t>
           </a:r>
           <a:r>
-            <a:rPr lang="en-US" b="0" i="0" dirty="0" err="1" smtClean="0"/>
+            <a:rPr lang="en-US" b="0" i="0" dirty="0" err="1"/>
             <a:t>Werbos</a:t>
           </a:r>
           <a:r>
-            <a:rPr lang="en-US" altLang="zh-CN" dirty="0" smtClean="0"/>
+            <a:rPr lang="en-US" altLang="zh-CN" dirty="0"/>
             <a:t>)</a:t>
           </a:r>
         </a:p>
         <a:p>
           <a:r>
-            <a:rPr lang="en-US" dirty="0" smtClean="0"/>
+            <a:rPr lang="en-US" dirty="0"/>
             <a:t>1974</a:t>
           </a:r>
-          <a:endParaRPr lang="en-US" dirty="0"/>
         </a:p>
       </dgm:t>
     </dgm:pt>
@@ -1041,27 +1045,26 @@
         <a:lstStyle/>
         <a:p>
           <a:r>
-            <a:rPr lang="zh-CN" altLang="en-US" dirty="0" smtClean="0"/>
+            <a:rPr lang="zh-CN" altLang="en-US" dirty="0"/>
             <a:t>深度学习</a:t>
           </a:r>
-          <a:endParaRPr lang="en-US" dirty="0" smtClean="0"/>
+          <a:endParaRPr lang="en-US" dirty="0"/>
         </a:p>
         <a:p>
           <a:r>
-            <a:rPr lang="en-US" dirty="0" err="1" smtClean="0"/>
+            <a:rPr lang="en-US" dirty="0" err="1"/>
             <a:t>AlexNet</a:t>
           </a:r>
           <a:r>
-            <a:rPr lang="en-US" dirty="0" smtClean="0"/>
+            <a:rPr lang="en-US" dirty="0"/>
             <a:t>(CNN)</a:t>
           </a:r>
         </a:p>
         <a:p>
           <a:r>
-            <a:rPr lang="en-US" dirty="0" smtClean="0"/>
+            <a:rPr lang="en-US" dirty="0"/>
             <a:t>2012</a:t>
           </a:r>
-          <a:endParaRPr lang="en-US" dirty="0"/>
         </a:p>
       </dgm:t>
     </dgm:pt>
@@ -1095,28 +1098,28 @@
         <a:lstStyle/>
         <a:p>
           <a:r>
-            <a:rPr lang="en-US" dirty="0" smtClean="0"/>
+            <a:rPr lang="en-US" dirty="0"/>
             <a:t>1997</a:t>
           </a:r>
-          <a:endParaRPr lang="en-US" altLang="zh-CN" dirty="0" smtClean="0"/>
+          <a:endParaRPr lang="en-US" altLang="zh-CN" dirty="0"/>
         </a:p>
         <a:p>
           <a:r>
-            <a:rPr lang="en-US" altLang="zh-CN" dirty="0" smtClean="0"/>
+            <a:rPr lang="en-US" altLang="zh-CN" dirty="0"/>
             <a:t>IBM</a:t>
           </a:r>
           <a:r>
-            <a:rPr lang="zh-CN" altLang="en-US" dirty="0" smtClean="0"/>
+            <a:rPr lang="zh-CN" altLang="en-US" dirty="0"/>
             <a:t>深蓝</a:t>
           </a:r>
-          <a:endParaRPr lang="en-US" altLang="zh-CN" dirty="0" smtClean="0"/>
+          <a:endParaRPr lang="en-US" altLang="zh-CN" dirty="0"/>
         </a:p>
         <a:p>
           <a:r>
-            <a:rPr lang="zh-CN" altLang="en-US" dirty="0" smtClean="0"/>
+            <a:rPr lang="zh-CN" altLang="en-US" dirty="0"/>
             <a:t>（里程碑）</a:t>
           </a:r>
-          <a:endParaRPr lang="en-US" altLang="zh-CN" dirty="0" smtClean="0"/>
+          <a:endParaRPr lang="en-US" altLang="zh-CN" dirty="0"/>
         </a:p>
       </dgm:t>
     </dgm:pt>
@@ -1150,40 +1153,40 @@
         <a:lstStyle/>
         <a:p>
           <a:r>
-            <a:rPr lang="zh-CN" altLang="en-US" b="0" i="0" dirty="0" smtClean="0">
+            <a:rPr lang="zh-CN" altLang="en-US" b="0" i="0" dirty="0">
               <a:latin typeface="+mn-ea"/>
               <a:ea typeface="+mn-ea"/>
             </a:rPr>
             <a:t>达特茅斯会议：</a:t>
           </a:r>
           <a:r>
-            <a:rPr lang="en-US" altLang="zh-CN" b="0" i="0" dirty="0" smtClean="0">
+            <a:rPr lang="en-US" altLang="zh-CN" b="0" i="0" dirty="0">
               <a:latin typeface="+mn-ea"/>
               <a:ea typeface="+mn-ea"/>
             </a:rPr>
             <a:t>AI</a:t>
           </a:r>
           <a:r>
-            <a:rPr lang="zh-CN" altLang="en-US" b="0" i="0" dirty="0" smtClean="0">
+            <a:rPr lang="zh-CN" altLang="en-US" b="0" i="0" dirty="0">
               <a:latin typeface="+mn-ea"/>
               <a:ea typeface="+mn-ea"/>
             </a:rPr>
             <a:t>的诞生</a:t>
           </a:r>
-          <a:endParaRPr lang="en-US" altLang="zh-CN" b="0" i="0" dirty="0" smtClean="0">
+          <a:endParaRPr lang="en-US" altLang="zh-CN" b="0" i="0" dirty="0">
             <a:latin typeface="+mn-ea"/>
             <a:ea typeface="+mn-ea"/>
           </a:endParaRPr>
         </a:p>
         <a:p>
           <a:r>
-            <a:rPr lang="en-US" b="0" i="0" dirty="0" smtClean="0">
+            <a:rPr lang="en-US" b="0" i="0" dirty="0">
               <a:latin typeface="+mn-ea"/>
               <a:ea typeface="+mn-ea"/>
             </a:rPr>
             <a:t>1956</a:t>
           </a:r>
-          <a:endParaRPr lang="zh-CN" altLang="en-US" b="0" dirty="0" smtClean="0">
+          <a:endParaRPr lang="zh-CN" altLang="en-US" b="0" dirty="0">
             <a:latin typeface="+mn-ea"/>
             <a:ea typeface="+mn-ea"/>
           </a:endParaRPr>
@@ -1220,17 +1223,16 @@
         <a:lstStyle/>
         <a:p>
           <a:r>
-            <a:rPr lang="en-US" dirty="0" err="1" smtClean="0"/>
+            <a:rPr lang="en-US" dirty="0" err="1"/>
             <a:t>AlphaGo</a:t>
           </a:r>
-          <a:endParaRPr lang="en-US" dirty="0" smtClean="0"/>
+          <a:endParaRPr lang="en-US" dirty="0"/>
         </a:p>
         <a:p>
           <a:r>
-            <a:rPr lang="en-US" dirty="0" smtClean="0"/>
+            <a:rPr lang="en-US" dirty="0"/>
             <a:t>2015</a:t>
           </a:r>
-          <a:endParaRPr lang="en-US" dirty="0"/>
         </a:p>
       </dgm:t>
     </dgm:pt>
@@ -1284,13 +1286,6 @@
         </dgm:presLayoutVars>
       </dgm:prSet>
       <dgm:spPr/>
-      <dgm:t>
-        <a:bodyPr/>
-        <a:lstStyle/>
-        <a:p>
-          <a:endParaRPr lang="en-US"/>
-        </a:p>
-      </dgm:t>
     </dgm:pt>
     <dgm:pt modelId="{1950AE1D-5477-44C5-BAE9-B1E5ACCD808E}" type="pres">
       <dgm:prSet presAssocID="{39E04772-F5D0-40A9-BEE4-A9F741E1C7E3}" presName="circleA" presStyleLbl="node1" presStyleIdx="0" presStyleCnt="7"/>
@@ -1315,13 +1310,6 @@
         </dgm:presLayoutVars>
       </dgm:prSet>
       <dgm:spPr/>
-      <dgm:t>
-        <a:bodyPr/>
-        <a:lstStyle/>
-        <a:p>
-          <a:endParaRPr lang="en-US"/>
-        </a:p>
-      </dgm:t>
     </dgm:pt>
     <dgm:pt modelId="{D189600E-BAB7-4DF7-AC4C-FA7572AB41E1}" type="pres">
       <dgm:prSet presAssocID="{0A1132B7-1897-41C5-A60C-BB0B013B5895}" presName="circleB" presStyleLbl="node1" presStyleIdx="1" presStyleCnt="7"/>
@@ -1346,13 +1334,6 @@
         </dgm:presLayoutVars>
       </dgm:prSet>
       <dgm:spPr/>
-      <dgm:t>
-        <a:bodyPr/>
-        <a:lstStyle/>
-        <a:p>
-          <a:endParaRPr lang="en-US"/>
-        </a:p>
-      </dgm:t>
     </dgm:pt>
     <dgm:pt modelId="{4832DA30-1E5C-46FD-8043-A86832D28934}" type="pres">
       <dgm:prSet presAssocID="{7FA45010-F079-44F0-8FF3-7E3D225E2F55}" presName="circleA" presStyleLbl="node1" presStyleIdx="2" presStyleCnt="7"/>
@@ -1377,13 +1358,6 @@
         </dgm:presLayoutVars>
       </dgm:prSet>
       <dgm:spPr/>
-      <dgm:t>
-        <a:bodyPr/>
-        <a:lstStyle/>
-        <a:p>
-          <a:endParaRPr lang="en-US"/>
-        </a:p>
-      </dgm:t>
     </dgm:pt>
     <dgm:pt modelId="{C477F0F0-F70E-492C-98FA-91C49506C014}" type="pres">
       <dgm:prSet presAssocID="{5EC80F07-D642-4EBB-8ADD-65E8548B5051}" presName="circleB" presStyleLbl="node1" presStyleIdx="3" presStyleCnt="7"/>
@@ -1408,13 +1382,6 @@
         </dgm:presLayoutVars>
       </dgm:prSet>
       <dgm:spPr/>
-      <dgm:t>
-        <a:bodyPr/>
-        <a:lstStyle/>
-        <a:p>
-          <a:endParaRPr lang="en-US"/>
-        </a:p>
-      </dgm:t>
     </dgm:pt>
     <dgm:pt modelId="{4DAC4D26-FE49-4822-BDE4-668A97CCA76F}" type="pres">
       <dgm:prSet presAssocID="{03A5024E-2A54-47E8-92DD-B5850690DCB3}" presName="circleA" presStyleLbl="node1" presStyleIdx="4" presStyleCnt="7"/>
@@ -1439,13 +1406,6 @@
         </dgm:presLayoutVars>
       </dgm:prSet>
       <dgm:spPr/>
-      <dgm:t>
-        <a:bodyPr/>
-        <a:lstStyle/>
-        <a:p>
-          <a:endParaRPr lang="en-US"/>
-        </a:p>
-      </dgm:t>
     </dgm:pt>
     <dgm:pt modelId="{DEB966F2-0BA4-480E-B875-E60D88809AAF}" type="pres">
       <dgm:prSet presAssocID="{13DBA46C-B0BA-4E69-96AA-EDCB463FD56E}" presName="circleB" presStyleLbl="node1" presStyleIdx="5" presStyleCnt="7"/>
@@ -1470,13 +1430,6 @@
         </dgm:presLayoutVars>
       </dgm:prSet>
       <dgm:spPr/>
-      <dgm:t>
-        <a:bodyPr/>
-        <a:lstStyle/>
-        <a:p>
-          <a:endParaRPr lang="en-US"/>
-        </a:p>
-      </dgm:t>
     </dgm:pt>
     <dgm:pt modelId="{4A947B65-B624-4533-ADC1-54DB7040BF85}" type="pres">
       <dgm:prSet presAssocID="{661FC9F3-F8D5-4824-9D9C-2980ADC6F2A2}" presName="circleA" presStyleLbl="node1" presStyleIdx="6" presStyleCnt="7"/>
@@ -1488,21 +1441,21 @@
     </dgm:pt>
   </dgm:ptLst>
   <dgm:cxnLst>
-    <dgm:cxn modelId="{BF959068-2781-440A-8950-52A19350D396}" srcId="{0562C76D-4F0D-4927-AD72-0285BECF5072}" destId="{39E04772-F5D0-40A9-BEE4-A9F741E1C7E3}" srcOrd="0" destOrd="0" parTransId="{CF213468-95D7-402E-A8D1-05F7EA96DAFB}" sibTransId="{72ECF75C-60B9-4F0C-91A0-2AE7FBEA3B39}"/>
     <dgm:cxn modelId="{561E7B03-26DE-491C-808B-81417AC001F8}" type="presOf" srcId="{0A1132B7-1897-41C5-A60C-BB0B013B5895}" destId="{48F21FE8-A927-4D9B-A7D9-28EA18DBAC21}" srcOrd="0" destOrd="0" presId="urn:microsoft.com/office/officeart/2005/8/layout/hProcess11"/>
     <dgm:cxn modelId="{59F6FF27-6FE7-4B9B-AB89-5BB466B5970F}" type="presOf" srcId="{5EC80F07-D642-4EBB-8ADD-65E8548B5051}" destId="{40C4750A-A351-4C51-9196-E2C047B56EC6}" srcOrd="0" destOrd="0" presId="urn:microsoft.com/office/officeart/2005/8/layout/hProcess11"/>
+    <dgm:cxn modelId="{95868F5B-048E-4229-8954-554706494B19}" srcId="{0562C76D-4F0D-4927-AD72-0285BECF5072}" destId="{7FA45010-F079-44F0-8FF3-7E3D225E2F55}" srcOrd="2" destOrd="0" parTransId="{7D50877C-7D9A-4354-B479-5316DB5A6ED9}" sibTransId="{243CF768-6CA1-482F-9373-32ED04971F92}"/>
+    <dgm:cxn modelId="{BF959068-2781-440A-8950-52A19350D396}" srcId="{0562C76D-4F0D-4927-AD72-0285BECF5072}" destId="{39E04772-F5D0-40A9-BEE4-A9F741E1C7E3}" srcOrd="0" destOrd="0" parTransId="{CF213468-95D7-402E-A8D1-05F7EA96DAFB}" sibTransId="{72ECF75C-60B9-4F0C-91A0-2AE7FBEA3B39}"/>
+    <dgm:cxn modelId="{56825057-D642-454F-8D1F-7F88D14B8F64}" type="presOf" srcId="{39E04772-F5D0-40A9-BEE4-A9F741E1C7E3}" destId="{32EB7617-6FE2-408D-B25A-B16768F16E30}" srcOrd="0" destOrd="0" presId="urn:microsoft.com/office/officeart/2005/8/layout/hProcess11"/>
     <dgm:cxn modelId="{47771E87-5E0E-4048-97E0-2613FC6D07EC}" srcId="{0562C76D-4F0D-4927-AD72-0285BECF5072}" destId="{03A5024E-2A54-47E8-92DD-B5850690DCB3}" srcOrd="4" destOrd="0" parTransId="{D047689B-377D-4A8E-8F94-AD123EE5339A}" sibTransId="{48479ED9-3DB0-47DC-876B-37BA1551D109}"/>
+    <dgm:cxn modelId="{43E4B59E-AACE-4C2E-86F1-04BB1ECB2072}" srcId="{0562C76D-4F0D-4927-AD72-0285BECF5072}" destId="{13DBA46C-B0BA-4E69-96AA-EDCB463FD56E}" srcOrd="5" destOrd="0" parTransId="{07A0C448-9E13-4675-A7CD-63066F4C0B44}" sibTransId="{DD51E80A-51CF-41D9-A25C-382CCC95DD92}"/>
+    <dgm:cxn modelId="{92ABA8B1-541E-4936-8F5C-5801E5A4619D}" type="presOf" srcId="{03A5024E-2A54-47E8-92DD-B5850690DCB3}" destId="{8666C9AB-446E-4F48-99D5-C8AFF06F0FBF}" srcOrd="0" destOrd="0" presId="urn:microsoft.com/office/officeart/2005/8/layout/hProcess11"/>
+    <dgm:cxn modelId="{1B180BB3-154E-475A-B235-733E489A3CB7}" type="presOf" srcId="{661FC9F3-F8D5-4824-9D9C-2980ADC6F2A2}" destId="{0DDE6D8A-E46D-4112-8B00-AEC8371C2FD7}" srcOrd="0" destOrd="0" presId="urn:microsoft.com/office/officeart/2005/8/layout/hProcess11"/>
     <dgm:cxn modelId="{A48551B5-B296-4C9B-ADD0-AC53839FD03D}" type="presOf" srcId="{13DBA46C-B0BA-4E69-96AA-EDCB463FD56E}" destId="{14321397-E167-451E-8F09-BB9FA121C7E4}" srcOrd="0" destOrd="0" presId="urn:microsoft.com/office/officeart/2005/8/layout/hProcess11"/>
-    <dgm:cxn modelId="{43E4B59E-AACE-4C2E-86F1-04BB1ECB2072}" srcId="{0562C76D-4F0D-4927-AD72-0285BECF5072}" destId="{13DBA46C-B0BA-4E69-96AA-EDCB463FD56E}" srcOrd="5" destOrd="0" parTransId="{07A0C448-9E13-4675-A7CD-63066F4C0B44}" sibTransId="{DD51E80A-51CF-41D9-A25C-382CCC95DD92}"/>
-    <dgm:cxn modelId="{1B180BB3-154E-475A-B235-733E489A3CB7}" type="presOf" srcId="{661FC9F3-F8D5-4824-9D9C-2980ADC6F2A2}" destId="{0DDE6D8A-E46D-4112-8B00-AEC8371C2FD7}" srcOrd="0" destOrd="0" presId="urn:microsoft.com/office/officeart/2005/8/layout/hProcess11"/>
-    <dgm:cxn modelId="{95868F5B-048E-4229-8954-554706494B19}" srcId="{0562C76D-4F0D-4927-AD72-0285BECF5072}" destId="{7FA45010-F079-44F0-8FF3-7E3D225E2F55}" srcOrd="2" destOrd="0" parTransId="{7D50877C-7D9A-4354-B479-5316DB5A6ED9}" sibTransId="{243CF768-6CA1-482F-9373-32ED04971F92}"/>
+    <dgm:cxn modelId="{5B9E35BF-B159-494A-9CAD-1122332F3342}" srcId="{0562C76D-4F0D-4927-AD72-0285BECF5072}" destId="{661FC9F3-F8D5-4824-9D9C-2980ADC6F2A2}" srcOrd="6" destOrd="0" parTransId="{0E3B4BBB-DDED-4FEC-8250-22E98BEAF0F1}" sibTransId="{AE2E4C2D-3196-4792-9EBE-477B305FD0ED}"/>
+    <dgm:cxn modelId="{CA31ABC3-674B-4C99-8DDD-F25440B91896}" srcId="{0562C76D-4F0D-4927-AD72-0285BECF5072}" destId="{5EC80F07-D642-4EBB-8ADD-65E8548B5051}" srcOrd="3" destOrd="0" parTransId="{EDC1FDEE-1247-40DC-8A93-FA44CBA164A7}" sibTransId="{57D45039-8CDB-4E5A-BAAF-36540007859F}"/>
+    <dgm:cxn modelId="{564DF2CA-2294-4E09-B3EF-290E6F84A981}" srcId="{0562C76D-4F0D-4927-AD72-0285BECF5072}" destId="{0A1132B7-1897-41C5-A60C-BB0B013B5895}" srcOrd="1" destOrd="0" parTransId="{B4876D48-30FA-43A2-A2E0-E969446A815A}" sibTransId="{623E60F7-6D34-4E36-AD99-54C68B1D7AAB}"/>
+    <dgm:cxn modelId="{81C890EF-2BC6-489B-8528-28B7339CD454}" type="presOf" srcId="{0562C76D-4F0D-4927-AD72-0285BECF5072}" destId="{71C7C88D-EE37-4E1B-A15C-7EAA0A3FAAA8}" srcOrd="0" destOrd="0" presId="urn:microsoft.com/office/officeart/2005/8/layout/hProcess11"/>
     <dgm:cxn modelId="{34C4DFFD-7860-4158-93CC-3C24A5CB3A1A}" type="presOf" srcId="{7FA45010-F079-44F0-8FF3-7E3D225E2F55}" destId="{6552CCBC-486B-442C-BBC5-DB39A00CA066}" srcOrd="0" destOrd="0" presId="urn:microsoft.com/office/officeart/2005/8/layout/hProcess11"/>
-    <dgm:cxn modelId="{CA31ABC3-674B-4C99-8DDD-F25440B91896}" srcId="{0562C76D-4F0D-4927-AD72-0285BECF5072}" destId="{5EC80F07-D642-4EBB-8ADD-65E8548B5051}" srcOrd="3" destOrd="0" parTransId="{EDC1FDEE-1247-40DC-8A93-FA44CBA164A7}" sibTransId="{57D45039-8CDB-4E5A-BAAF-36540007859F}"/>
-    <dgm:cxn modelId="{81C890EF-2BC6-489B-8528-28B7339CD454}" type="presOf" srcId="{0562C76D-4F0D-4927-AD72-0285BECF5072}" destId="{71C7C88D-EE37-4E1B-A15C-7EAA0A3FAAA8}" srcOrd="0" destOrd="0" presId="urn:microsoft.com/office/officeart/2005/8/layout/hProcess11"/>
-    <dgm:cxn modelId="{56825057-D642-454F-8D1F-7F88D14B8F64}" type="presOf" srcId="{39E04772-F5D0-40A9-BEE4-A9F741E1C7E3}" destId="{32EB7617-6FE2-408D-B25A-B16768F16E30}" srcOrd="0" destOrd="0" presId="urn:microsoft.com/office/officeart/2005/8/layout/hProcess11"/>
-    <dgm:cxn modelId="{92ABA8B1-541E-4936-8F5C-5801E5A4619D}" type="presOf" srcId="{03A5024E-2A54-47E8-92DD-B5850690DCB3}" destId="{8666C9AB-446E-4F48-99D5-C8AFF06F0FBF}" srcOrd="0" destOrd="0" presId="urn:microsoft.com/office/officeart/2005/8/layout/hProcess11"/>
-    <dgm:cxn modelId="{5B9E35BF-B159-494A-9CAD-1122332F3342}" srcId="{0562C76D-4F0D-4927-AD72-0285BECF5072}" destId="{661FC9F3-F8D5-4824-9D9C-2980ADC6F2A2}" srcOrd="6" destOrd="0" parTransId="{0E3B4BBB-DDED-4FEC-8250-22E98BEAF0F1}" sibTransId="{AE2E4C2D-3196-4792-9EBE-477B305FD0ED}"/>
-    <dgm:cxn modelId="{564DF2CA-2294-4E09-B3EF-290E6F84A981}" srcId="{0562C76D-4F0D-4927-AD72-0285BECF5072}" destId="{0A1132B7-1897-41C5-A60C-BB0B013B5895}" srcOrd="1" destOrd="0" parTransId="{B4876D48-30FA-43A2-A2E0-E969446A815A}" sibTransId="{623E60F7-6D34-4E36-AD99-54C68B1D7AAB}"/>
     <dgm:cxn modelId="{EFE132E0-5425-429A-BAC7-3E36457F393C}" type="presParOf" srcId="{71C7C88D-EE37-4E1B-A15C-7EAA0A3FAAA8}" destId="{38F78FC4-9E90-4B7F-9EEC-27B3B7A8FB6B}" srcOrd="0" destOrd="0" presId="urn:microsoft.com/office/officeart/2005/8/layout/hProcess11"/>
     <dgm:cxn modelId="{803A58BD-4DB0-47EC-BA2C-58E21F8126A3}" type="presParOf" srcId="{71C7C88D-EE37-4E1B-A15C-7EAA0A3FAAA8}" destId="{54F2F5EC-5EDE-471A-B0F4-6004E518D556}" srcOrd="1" destOrd="0" presId="urn:microsoft.com/office/officeart/2005/8/layout/hProcess11"/>
     <dgm:cxn modelId="{1CB0BDDF-D7B2-4C63-9023-3BDA480863D2}" type="presParOf" srcId="{54F2F5EC-5EDE-471A-B0F4-6004E518D556}" destId="{2CA571BF-A9EB-4994-BCAA-61DAC067CFC0}" srcOrd="0" destOrd="0" presId="urn:microsoft.com/office/officeart/2005/8/layout/hProcess11"/>
@@ -1635,7 +1588,7 @@
         </a:bodyPr>
         <a:lstStyle/>
         <a:p>
-          <a:pPr lvl="0" algn="ctr" defTabSz="533400">
+          <a:pPr marL="0" lvl="0" indent="0" algn="ctr" defTabSz="533400">
             <a:lnSpc>
               <a:spcPct val="90000"/>
             </a:lnSpc>
@@ -1645,15 +1598,16 @@
             <a:spcAft>
               <a:spcPct val="35000"/>
             </a:spcAft>
+            <a:buNone/>
           </a:pPr>
           <a:r>
-            <a:rPr lang="zh-CN" altLang="en-US" sz="1200" b="0" i="0" kern="1200" dirty="0" smtClean="0"/>
+            <a:rPr lang="zh-CN" altLang="en-US" sz="1200" b="0" i="0" kern="1200" dirty="0"/>
             <a:t>图灵测试</a:t>
           </a:r>
-          <a:endParaRPr lang="en-US" altLang="zh-CN" sz="1200" b="0" i="0" kern="1200" dirty="0" smtClean="0"/>
+          <a:endParaRPr lang="en-US" altLang="zh-CN" sz="1200" b="0" i="0" kern="1200" dirty="0"/>
         </a:p>
         <a:p>
-          <a:pPr lvl="0" algn="ctr" defTabSz="533400">
+          <a:pPr marL="0" lvl="0" indent="0" algn="ctr" defTabSz="533400">
             <a:lnSpc>
               <a:spcPct val="90000"/>
             </a:lnSpc>
@@ -1663,9 +1617,10 @@
             <a:spcAft>
               <a:spcPct val="35000"/>
             </a:spcAft>
+            <a:buNone/>
           </a:pPr>
           <a:r>
-            <a:rPr lang="en-US" sz="1200" b="0" i="0" kern="1200" dirty="0" smtClean="0"/>
+            <a:rPr lang="en-US" sz="1200" b="0" i="0" kern="1200" dirty="0"/>
             <a:t>1950</a:t>
           </a:r>
           <a:endParaRPr lang="en-US" sz="1200" kern="1200" dirty="0"/>
@@ -1763,7 +1718,7 @@
         </a:bodyPr>
         <a:lstStyle/>
         <a:p>
-          <a:pPr lvl="0" algn="ctr" defTabSz="533400">
+          <a:pPr marL="0" lvl="0" indent="0" algn="ctr" defTabSz="533400">
             <a:lnSpc>
               <a:spcPct val="90000"/>
             </a:lnSpc>
@@ -1773,15 +1728,16 @@
             <a:spcAft>
               <a:spcPct val="35000"/>
             </a:spcAft>
+            <a:buNone/>
           </a:pPr>
           <a:r>
-            <a:rPr lang="en-US" sz="1200" kern="1200" dirty="0" smtClean="0"/>
+            <a:rPr lang="en-US" sz="1200" kern="1200" dirty="0"/>
             <a:t>1951</a:t>
           </a:r>
-          <a:endParaRPr lang="en-US" altLang="zh-CN" sz="1200" kern="1200" dirty="0" smtClean="0"/>
+          <a:endParaRPr lang="en-US" altLang="zh-CN" sz="1200" kern="1200" dirty="0"/>
         </a:p>
         <a:p>
-          <a:pPr lvl="0" algn="ctr" defTabSz="533400">
+          <a:pPr marL="0" lvl="0" indent="0" algn="ctr" defTabSz="533400">
             <a:lnSpc>
               <a:spcPct val="90000"/>
             </a:lnSpc>
@@ -1791,9 +1747,10 @@
             <a:spcAft>
               <a:spcPct val="35000"/>
             </a:spcAft>
+            <a:buNone/>
           </a:pPr>
           <a:r>
-            <a:rPr lang="zh-CN" altLang="en-US" sz="1200" kern="1200" dirty="0" smtClean="0"/>
+            <a:rPr lang="zh-CN" altLang="en-US" sz="1200" kern="1200" dirty="0"/>
             <a:t>第一台神经网络机</a:t>
           </a:r>
         </a:p>
@@ -1890,7 +1847,7 @@
         </a:bodyPr>
         <a:lstStyle/>
         <a:p>
-          <a:pPr lvl="0" algn="ctr" defTabSz="533400">
+          <a:pPr marL="0" lvl="0" indent="0" algn="ctr" defTabSz="533400">
             <a:lnSpc>
               <a:spcPct val="90000"/>
             </a:lnSpc>
@@ -1900,35 +1857,36 @@
             <a:spcAft>
               <a:spcPct val="35000"/>
             </a:spcAft>
+            <a:buNone/>
           </a:pPr>
           <a:r>
-            <a:rPr lang="zh-CN" altLang="en-US" sz="1200" b="0" i="0" kern="1200" dirty="0" smtClean="0">
+            <a:rPr lang="zh-CN" altLang="en-US" sz="1200" b="0" i="0" kern="1200" dirty="0">
               <a:latin typeface="+mn-ea"/>
               <a:ea typeface="+mn-ea"/>
             </a:rPr>
             <a:t>达特茅斯会议：</a:t>
           </a:r>
           <a:r>
-            <a:rPr lang="en-US" altLang="zh-CN" sz="1200" b="0" i="0" kern="1200" dirty="0" smtClean="0">
+            <a:rPr lang="en-US" altLang="zh-CN" sz="1200" b="0" i="0" kern="1200" dirty="0">
               <a:latin typeface="+mn-ea"/>
               <a:ea typeface="+mn-ea"/>
             </a:rPr>
             <a:t>AI</a:t>
           </a:r>
           <a:r>
-            <a:rPr lang="zh-CN" altLang="en-US" sz="1200" b="0" i="0" kern="1200" dirty="0" smtClean="0">
+            <a:rPr lang="zh-CN" altLang="en-US" sz="1200" b="0" i="0" kern="1200" dirty="0">
               <a:latin typeface="+mn-ea"/>
               <a:ea typeface="+mn-ea"/>
             </a:rPr>
             <a:t>的诞生</a:t>
           </a:r>
-          <a:endParaRPr lang="en-US" altLang="zh-CN" sz="1200" b="0" i="0" kern="1200" dirty="0" smtClean="0">
+          <a:endParaRPr lang="en-US" altLang="zh-CN" sz="1200" b="0" i="0" kern="1200" dirty="0">
             <a:latin typeface="+mn-ea"/>
             <a:ea typeface="+mn-ea"/>
           </a:endParaRPr>
         </a:p>
         <a:p>
-          <a:pPr lvl="0" algn="ctr" defTabSz="533400">
+          <a:pPr marL="0" lvl="0" indent="0" algn="ctr" defTabSz="533400">
             <a:lnSpc>
               <a:spcPct val="90000"/>
             </a:lnSpc>
@@ -1938,15 +1896,16 @@
             <a:spcAft>
               <a:spcPct val="35000"/>
             </a:spcAft>
+            <a:buNone/>
           </a:pPr>
           <a:r>
-            <a:rPr lang="en-US" sz="1200" b="0" i="0" kern="1200" dirty="0" smtClean="0">
+            <a:rPr lang="en-US" sz="1200" b="0" i="0" kern="1200" dirty="0">
               <a:latin typeface="+mn-ea"/>
               <a:ea typeface="+mn-ea"/>
             </a:rPr>
             <a:t>1956</a:t>
           </a:r>
-          <a:endParaRPr lang="zh-CN" altLang="en-US" sz="1200" b="0" kern="1200" dirty="0" smtClean="0">
+          <a:endParaRPr lang="zh-CN" altLang="en-US" sz="1200" b="0" kern="1200" dirty="0">
             <a:latin typeface="+mn-ea"/>
             <a:ea typeface="+mn-ea"/>
           </a:endParaRPr>
@@ -2044,7 +2003,7 @@
         </a:bodyPr>
         <a:lstStyle/>
         <a:p>
-          <a:pPr lvl="0" algn="ctr" defTabSz="533400">
+          <a:pPr marL="0" lvl="0" indent="0" algn="ctr" defTabSz="533400">
             <a:lnSpc>
               <a:spcPct val="90000"/>
             </a:lnSpc>
@@ -2054,30 +2013,31 @@
             <a:spcAft>
               <a:spcPct val="35000"/>
             </a:spcAft>
+            <a:buNone/>
           </a:pPr>
           <a:r>
-            <a:rPr lang="zh-CN" altLang="en-US" sz="1200" kern="1200" dirty="0" smtClean="0"/>
+            <a:rPr lang="zh-CN" altLang="en-US" sz="1200" kern="1200" dirty="0"/>
             <a:t>反向传播算法</a:t>
           </a:r>
           <a:r>
-            <a:rPr lang="en-US" altLang="zh-CN" sz="1200" kern="1200" dirty="0" smtClean="0"/>
+            <a:rPr lang="en-US" altLang="zh-CN" sz="1200" kern="1200" dirty="0"/>
             <a:t>(</a:t>
           </a:r>
           <a:r>
-            <a:rPr lang="en-US" sz="1200" b="0" i="0" kern="1200" dirty="0" smtClean="0"/>
+            <a:rPr lang="en-US" sz="1200" b="0" i="0" kern="1200" dirty="0"/>
             <a:t>Paul </a:t>
           </a:r>
           <a:r>
-            <a:rPr lang="en-US" sz="1200" b="0" i="0" kern="1200" dirty="0" err="1" smtClean="0"/>
+            <a:rPr lang="en-US" sz="1200" b="0" i="0" kern="1200" dirty="0" err="1"/>
             <a:t>Werbos</a:t>
           </a:r>
           <a:r>
-            <a:rPr lang="en-US" altLang="zh-CN" sz="1200" kern="1200" dirty="0" smtClean="0"/>
+            <a:rPr lang="en-US" altLang="zh-CN" sz="1200" kern="1200" dirty="0"/>
             <a:t>)</a:t>
           </a:r>
         </a:p>
         <a:p>
-          <a:pPr lvl="0" algn="ctr" defTabSz="533400">
+          <a:pPr marL="0" lvl="0" indent="0" algn="ctr" defTabSz="533400">
             <a:lnSpc>
               <a:spcPct val="90000"/>
             </a:lnSpc>
@@ -2087,12 +2047,12 @@
             <a:spcAft>
               <a:spcPct val="35000"/>
             </a:spcAft>
+            <a:buNone/>
           </a:pPr>
           <a:r>
-            <a:rPr lang="en-US" sz="1200" kern="1200" dirty="0" smtClean="0"/>
+            <a:rPr lang="en-US" sz="1200" kern="1200" dirty="0"/>
             <a:t>1974</a:t>
           </a:r>
-          <a:endParaRPr lang="en-US" sz="1200" kern="1200" dirty="0"/>
         </a:p>
       </dsp:txBody>
       <dsp:txXfrm>
@@ -2187,7 +2147,7 @@
         </a:bodyPr>
         <a:lstStyle/>
         <a:p>
-          <a:pPr lvl="0" algn="ctr" defTabSz="533400">
+          <a:pPr marL="0" lvl="0" indent="0" algn="ctr" defTabSz="533400">
             <a:lnSpc>
               <a:spcPct val="90000"/>
             </a:lnSpc>
@@ -2197,15 +2157,16 @@
             <a:spcAft>
               <a:spcPct val="35000"/>
             </a:spcAft>
+            <a:buNone/>
           </a:pPr>
           <a:r>
-            <a:rPr lang="en-US" sz="1200" kern="1200" dirty="0" smtClean="0"/>
+            <a:rPr lang="en-US" sz="1200" kern="1200" dirty="0"/>
             <a:t>1997</a:t>
           </a:r>
-          <a:endParaRPr lang="en-US" altLang="zh-CN" sz="1200" kern="1200" dirty="0" smtClean="0"/>
+          <a:endParaRPr lang="en-US" altLang="zh-CN" sz="1200" kern="1200" dirty="0"/>
         </a:p>
         <a:p>
-          <a:pPr lvl="0" algn="ctr" defTabSz="533400">
+          <a:pPr marL="0" lvl="0" indent="0" algn="ctr" defTabSz="533400">
             <a:lnSpc>
               <a:spcPct val="90000"/>
             </a:lnSpc>
@@ -2215,19 +2176,20 @@
             <a:spcAft>
               <a:spcPct val="35000"/>
             </a:spcAft>
+            <a:buNone/>
           </a:pPr>
           <a:r>
-            <a:rPr lang="en-US" altLang="zh-CN" sz="1200" kern="1200" dirty="0" smtClean="0"/>
+            <a:rPr lang="en-US" altLang="zh-CN" sz="1200" kern="1200" dirty="0"/>
             <a:t>IBM</a:t>
           </a:r>
           <a:r>
-            <a:rPr lang="zh-CN" altLang="en-US" sz="1200" kern="1200" dirty="0" smtClean="0"/>
+            <a:rPr lang="zh-CN" altLang="en-US" sz="1200" kern="1200" dirty="0"/>
             <a:t>深蓝</a:t>
           </a:r>
-          <a:endParaRPr lang="en-US" altLang="zh-CN" sz="1200" kern="1200" dirty="0" smtClean="0"/>
+          <a:endParaRPr lang="en-US" altLang="zh-CN" sz="1200" kern="1200" dirty="0"/>
         </a:p>
         <a:p>
-          <a:pPr lvl="0" algn="ctr" defTabSz="533400">
+          <a:pPr marL="0" lvl="0" indent="0" algn="ctr" defTabSz="533400">
             <a:lnSpc>
               <a:spcPct val="90000"/>
             </a:lnSpc>
@@ -2237,12 +2199,13 @@
             <a:spcAft>
               <a:spcPct val="35000"/>
             </a:spcAft>
+            <a:buNone/>
           </a:pPr>
           <a:r>
-            <a:rPr lang="zh-CN" altLang="en-US" sz="1200" kern="1200" dirty="0" smtClean="0"/>
+            <a:rPr lang="zh-CN" altLang="en-US" sz="1200" kern="1200" dirty="0"/>
             <a:t>（里程碑）</a:t>
           </a:r>
-          <a:endParaRPr lang="en-US" altLang="zh-CN" sz="1200" kern="1200" dirty="0" smtClean="0"/>
+          <a:endParaRPr lang="en-US" altLang="zh-CN" sz="1200" kern="1200" dirty="0"/>
         </a:p>
       </dsp:txBody>
       <dsp:txXfrm>
@@ -2337,7 +2300,7 @@
         </a:bodyPr>
         <a:lstStyle/>
         <a:p>
-          <a:pPr lvl="0" algn="ctr" defTabSz="533400">
+          <a:pPr marL="0" lvl="0" indent="0" algn="ctr" defTabSz="533400">
             <a:lnSpc>
               <a:spcPct val="90000"/>
             </a:lnSpc>
@@ -2347,15 +2310,16 @@
             <a:spcAft>
               <a:spcPct val="35000"/>
             </a:spcAft>
+            <a:buNone/>
           </a:pPr>
           <a:r>
-            <a:rPr lang="zh-CN" altLang="en-US" sz="1200" kern="1200" dirty="0" smtClean="0"/>
+            <a:rPr lang="zh-CN" altLang="en-US" sz="1200" kern="1200" dirty="0"/>
             <a:t>深度学习</a:t>
           </a:r>
-          <a:endParaRPr lang="en-US" sz="1200" kern="1200" dirty="0" smtClean="0"/>
+          <a:endParaRPr lang="en-US" sz="1200" kern="1200" dirty="0"/>
         </a:p>
         <a:p>
-          <a:pPr lvl="0" algn="ctr" defTabSz="533400">
+          <a:pPr marL="0" lvl="0" indent="0" algn="ctr" defTabSz="533400">
             <a:lnSpc>
               <a:spcPct val="90000"/>
             </a:lnSpc>
@@ -2365,18 +2329,19 @@
             <a:spcAft>
               <a:spcPct val="35000"/>
             </a:spcAft>
+            <a:buNone/>
           </a:pPr>
           <a:r>
-            <a:rPr lang="en-US" sz="1200" kern="1200" dirty="0" err="1" smtClean="0"/>
+            <a:rPr lang="en-US" sz="1200" kern="1200" dirty="0" err="1"/>
             <a:t>AlexNet</a:t>
           </a:r>
           <a:r>
-            <a:rPr lang="en-US" sz="1200" kern="1200" dirty="0" smtClean="0"/>
+            <a:rPr lang="en-US" sz="1200" kern="1200" dirty="0"/>
             <a:t>(CNN)</a:t>
           </a:r>
         </a:p>
         <a:p>
-          <a:pPr lvl="0" algn="ctr" defTabSz="533400">
+          <a:pPr marL="0" lvl="0" indent="0" algn="ctr" defTabSz="533400">
             <a:lnSpc>
               <a:spcPct val="90000"/>
             </a:lnSpc>
@@ -2386,12 +2351,12 @@
             <a:spcAft>
               <a:spcPct val="35000"/>
             </a:spcAft>
+            <a:buNone/>
           </a:pPr>
           <a:r>
-            <a:rPr lang="en-US" sz="1200" kern="1200" dirty="0" smtClean="0"/>
+            <a:rPr lang="en-US" sz="1200" kern="1200" dirty="0"/>
             <a:t>2012</a:t>
           </a:r>
-          <a:endParaRPr lang="en-US" sz="1200" kern="1200" dirty="0"/>
         </a:p>
       </dsp:txBody>
       <dsp:txXfrm>
@@ -2486,7 +2451,7 @@
         </a:bodyPr>
         <a:lstStyle/>
         <a:p>
-          <a:pPr lvl="0" algn="ctr" defTabSz="533400">
+          <a:pPr marL="0" lvl="0" indent="0" algn="ctr" defTabSz="533400">
             <a:lnSpc>
               <a:spcPct val="90000"/>
             </a:lnSpc>
@@ -2496,15 +2461,16 @@
             <a:spcAft>
               <a:spcPct val="35000"/>
             </a:spcAft>
+            <a:buNone/>
           </a:pPr>
           <a:r>
-            <a:rPr lang="en-US" sz="1200" kern="1200" dirty="0" err="1" smtClean="0"/>
+            <a:rPr lang="en-US" sz="1200" kern="1200" dirty="0" err="1"/>
             <a:t>AlphaGo</a:t>
           </a:r>
-          <a:endParaRPr lang="en-US" sz="1200" kern="1200" dirty="0" smtClean="0"/>
+          <a:endParaRPr lang="en-US" sz="1200" kern="1200" dirty="0"/>
         </a:p>
         <a:p>
-          <a:pPr lvl="0" algn="ctr" defTabSz="533400">
+          <a:pPr marL="0" lvl="0" indent="0" algn="ctr" defTabSz="533400">
             <a:lnSpc>
               <a:spcPct val="90000"/>
             </a:lnSpc>
@@ -2514,12 +2480,12 @@
             <a:spcAft>
               <a:spcPct val="35000"/>
             </a:spcAft>
+            <a:buNone/>
           </a:pPr>
           <a:r>
-            <a:rPr lang="en-US" sz="1200" kern="1200" dirty="0" smtClean="0"/>
+            <a:rPr lang="en-US" sz="1200" kern="1200" dirty="0"/>
             <a:t>2015</a:t>
           </a:r>
-          <a:endParaRPr lang="en-US" sz="1200" kern="1200" dirty="0"/>
         </a:p>
       </dsp:txBody>
       <dsp:txXfrm>
@@ -3929,10 +3895,9 @@
           </a:lstStyle>
           <a:p>
             <a:r>
-              <a:rPr lang="en-US" smtClean="0"/>
+              <a:rPr lang="en-US"/>
               <a:t>Click to edit Master title style</a:t>
             </a:r>
-            <a:endParaRPr lang="en-US"/>
           </a:p>
         </p:txBody>
       </p:sp>
@@ -3994,10 +3959,9 @@
           </a:lstStyle>
           <a:p>
             <a:r>
-              <a:rPr lang="en-US" smtClean="0"/>
+              <a:rPr lang="en-US"/>
               <a:t>Click to edit Master subtitle style</a:t>
             </a:r>
-            <a:endParaRPr lang="en-US"/>
           </a:p>
         </p:txBody>
       </p:sp>
@@ -4018,7 +3982,7 @@
           <a:p>
             <a:fld id="{98E5ACD0-4684-4871-9DD5-BDFFB79DDF55}" type="datetimeFigureOut">
               <a:rPr lang="en-US" smtClean="0"/>
-              <a:t>5/15/2020</a:t>
+              <a:t>5/17/2020</a:t>
             </a:fld>
             <a:endParaRPr lang="en-US"/>
           </a:p>
@@ -4112,10 +4076,9 @@
           <a:lstStyle/>
           <a:p>
             <a:r>
-              <a:rPr lang="en-US" smtClean="0"/>
+              <a:rPr lang="en-US"/>
               <a:t>Click to edit Master title style</a:t>
             </a:r>
-            <a:endParaRPr lang="en-US"/>
           </a:p>
         </p:txBody>
       </p:sp>
@@ -4136,38 +4099,37 @@
           <a:p>
             <a:pPr lvl="0"/>
             <a:r>
-              <a:rPr lang="en-US" smtClean="0"/>
+              <a:rPr lang="en-US"/>
               <a:t>Edit Master text styles</a:t>
             </a:r>
           </a:p>
           <a:p>
             <a:pPr lvl="1"/>
             <a:r>
-              <a:rPr lang="en-US" smtClean="0"/>
+              <a:rPr lang="en-US"/>
               <a:t>Second level</a:t>
             </a:r>
           </a:p>
           <a:p>
             <a:pPr lvl="2"/>
             <a:r>
-              <a:rPr lang="en-US" smtClean="0"/>
+              <a:rPr lang="en-US"/>
               <a:t>Third level</a:t>
             </a:r>
           </a:p>
           <a:p>
             <a:pPr lvl="3"/>
             <a:r>
-              <a:rPr lang="en-US" smtClean="0"/>
+              <a:rPr lang="en-US"/>
               <a:t>Fourth level</a:t>
             </a:r>
           </a:p>
           <a:p>
             <a:pPr lvl="4"/>
             <a:r>
-              <a:rPr lang="en-US" smtClean="0"/>
+              <a:rPr lang="en-US"/>
               <a:t>Fifth level</a:t>
             </a:r>
-            <a:endParaRPr lang="en-US"/>
           </a:p>
         </p:txBody>
       </p:sp>
@@ -4188,7 +4150,7 @@
           <a:p>
             <a:fld id="{98E5ACD0-4684-4871-9DD5-BDFFB79DDF55}" type="datetimeFigureOut">
               <a:rPr lang="en-US" smtClean="0"/>
-              <a:t>5/15/2020</a:t>
+              <a:t>5/17/2020</a:t>
             </a:fld>
             <a:endParaRPr lang="en-US"/>
           </a:p>
@@ -4287,10 +4249,9 @@
           <a:lstStyle/>
           <a:p>
             <a:r>
-              <a:rPr lang="en-US" smtClean="0"/>
+              <a:rPr lang="en-US"/>
               <a:t>Click to edit Master title style</a:t>
             </a:r>
-            <a:endParaRPr lang="en-US"/>
           </a:p>
         </p:txBody>
       </p:sp>
@@ -4316,38 +4277,37 @@
           <a:p>
             <a:pPr lvl="0"/>
             <a:r>
-              <a:rPr lang="en-US" smtClean="0"/>
+              <a:rPr lang="en-US"/>
               <a:t>Edit Master text styles</a:t>
             </a:r>
           </a:p>
           <a:p>
             <a:pPr lvl="1"/>
             <a:r>
-              <a:rPr lang="en-US" smtClean="0"/>
+              <a:rPr lang="en-US"/>
               <a:t>Second level</a:t>
             </a:r>
           </a:p>
           <a:p>
             <a:pPr lvl="2"/>
             <a:r>
-              <a:rPr lang="en-US" smtClean="0"/>
+              <a:rPr lang="en-US"/>
               <a:t>Third level</a:t>
             </a:r>
           </a:p>
           <a:p>
             <a:pPr lvl="3"/>
             <a:r>
-              <a:rPr lang="en-US" smtClean="0"/>
+              <a:rPr lang="en-US"/>
               <a:t>Fourth level</a:t>
             </a:r>
           </a:p>
           <a:p>
             <a:pPr lvl="4"/>
             <a:r>
-              <a:rPr lang="en-US" smtClean="0"/>
+              <a:rPr lang="en-US"/>
               <a:t>Fifth level</a:t>
             </a:r>
-            <a:endParaRPr lang="en-US"/>
           </a:p>
         </p:txBody>
       </p:sp>
@@ -4368,7 +4328,7 @@
           <a:p>
             <a:fld id="{98E5ACD0-4684-4871-9DD5-BDFFB79DDF55}" type="datetimeFigureOut">
               <a:rPr lang="en-US" smtClean="0"/>
-              <a:t>5/15/2020</a:t>
+              <a:t>5/17/2020</a:t>
             </a:fld>
             <a:endParaRPr lang="en-US"/>
           </a:p>
@@ -4462,10 +4422,9 @@
           <a:lstStyle/>
           <a:p>
             <a:r>
-              <a:rPr lang="en-US" smtClean="0"/>
+              <a:rPr lang="en-US"/>
               <a:t>Click to edit Master title style</a:t>
             </a:r>
-            <a:endParaRPr lang="en-US"/>
           </a:p>
         </p:txBody>
       </p:sp>
@@ -4486,38 +4445,37 @@
           <a:p>
             <a:pPr lvl="0"/>
             <a:r>
-              <a:rPr lang="en-US" smtClean="0"/>
+              <a:rPr lang="en-US"/>
               <a:t>Edit Master text styles</a:t>
             </a:r>
           </a:p>
           <a:p>
             <a:pPr lvl="1"/>
             <a:r>
-              <a:rPr lang="en-US" smtClean="0"/>
+              <a:rPr lang="en-US"/>
               <a:t>Second level</a:t>
             </a:r>
           </a:p>
           <a:p>
             <a:pPr lvl="2"/>
             <a:r>
-              <a:rPr lang="en-US" smtClean="0"/>
+              <a:rPr lang="en-US"/>
               <a:t>Third level</a:t>
             </a:r>
           </a:p>
           <a:p>
             <a:pPr lvl="3"/>
             <a:r>
-              <a:rPr lang="en-US" smtClean="0"/>
+              <a:rPr lang="en-US"/>
               <a:t>Fourth level</a:t>
             </a:r>
           </a:p>
           <a:p>
             <a:pPr lvl="4"/>
             <a:r>
-              <a:rPr lang="en-US" smtClean="0"/>
+              <a:rPr lang="en-US"/>
               <a:t>Fifth level</a:t>
             </a:r>
-            <a:endParaRPr lang="en-US"/>
           </a:p>
         </p:txBody>
       </p:sp>
@@ -4538,7 +4496,7 @@
           <a:p>
             <a:fld id="{98E5ACD0-4684-4871-9DD5-BDFFB79DDF55}" type="datetimeFigureOut">
               <a:rPr lang="en-US" smtClean="0"/>
-              <a:t>5/15/2020</a:t>
+              <a:t>5/17/2020</a:t>
             </a:fld>
             <a:endParaRPr lang="en-US"/>
           </a:p>
@@ -4641,10 +4599,9 @@
           </a:lstStyle>
           <a:p>
             <a:r>
-              <a:rPr lang="en-US" smtClean="0"/>
+              <a:rPr lang="en-US"/>
               <a:t>Click to edit Master title style</a:t>
             </a:r>
-            <a:endParaRPr lang="en-US"/>
           </a:p>
         </p:txBody>
       </p:sp>
@@ -4761,7 +4718,7 @@
           <a:p>
             <a:pPr lvl="0"/>
             <a:r>
-              <a:rPr lang="en-US" smtClean="0"/>
+              <a:rPr lang="en-US"/>
               <a:t>Edit Master text styles</a:t>
             </a:r>
           </a:p>
@@ -4784,7 +4741,7 @@
           <a:p>
             <a:fld id="{98E5ACD0-4684-4871-9DD5-BDFFB79DDF55}" type="datetimeFigureOut">
               <a:rPr lang="en-US" smtClean="0"/>
-              <a:t>5/15/2020</a:t>
+              <a:t>5/17/2020</a:t>
             </a:fld>
             <a:endParaRPr lang="en-US"/>
           </a:p>
@@ -4878,10 +4835,9 @@
           <a:lstStyle/>
           <a:p>
             <a:r>
-              <a:rPr lang="en-US" smtClean="0"/>
+              <a:rPr lang="en-US"/>
               <a:t>Click to edit Master title style</a:t>
             </a:r>
-            <a:endParaRPr lang="en-US"/>
           </a:p>
         </p:txBody>
       </p:sp>
@@ -4907,38 +4863,37 @@
           <a:p>
             <a:pPr lvl="0"/>
             <a:r>
-              <a:rPr lang="en-US" smtClean="0"/>
+              <a:rPr lang="en-US"/>
               <a:t>Edit Master text styles</a:t>
             </a:r>
           </a:p>
           <a:p>
             <a:pPr lvl="1"/>
             <a:r>
-              <a:rPr lang="en-US" smtClean="0"/>
+              <a:rPr lang="en-US"/>
               <a:t>Second level</a:t>
             </a:r>
           </a:p>
           <a:p>
             <a:pPr lvl="2"/>
             <a:r>
-              <a:rPr lang="en-US" smtClean="0"/>
+              <a:rPr lang="en-US"/>
               <a:t>Third level</a:t>
             </a:r>
           </a:p>
           <a:p>
             <a:pPr lvl="3"/>
             <a:r>
-              <a:rPr lang="en-US" smtClean="0"/>
+              <a:rPr lang="en-US"/>
               <a:t>Fourth level</a:t>
             </a:r>
           </a:p>
           <a:p>
             <a:pPr lvl="4"/>
             <a:r>
-              <a:rPr lang="en-US" smtClean="0"/>
+              <a:rPr lang="en-US"/>
               <a:t>Fifth level</a:t>
             </a:r>
-            <a:endParaRPr lang="en-US"/>
           </a:p>
         </p:txBody>
       </p:sp>
@@ -4964,38 +4919,37 @@
           <a:p>
             <a:pPr lvl="0"/>
             <a:r>
-              <a:rPr lang="en-US" smtClean="0"/>
+              <a:rPr lang="en-US"/>
               <a:t>Edit Master text styles</a:t>
             </a:r>
           </a:p>
           <a:p>
             <a:pPr lvl="1"/>
             <a:r>
-              <a:rPr lang="en-US" smtClean="0"/>
+              <a:rPr lang="en-US"/>
               <a:t>Second level</a:t>
             </a:r>
           </a:p>
           <a:p>
             <a:pPr lvl="2"/>
             <a:r>
-              <a:rPr lang="en-US" smtClean="0"/>
+              <a:rPr lang="en-US"/>
               <a:t>Third level</a:t>
             </a:r>
           </a:p>
           <a:p>
             <a:pPr lvl="3"/>
             <a:r>
-              <a:rPr lang="en-US" smtClean="0"/>
+              <a:rPr lang="en-US"/>
               <a:t>Fourth level</a:t>
             </a:r>
           </a:p>
           <a:p>
             <a:pPr lvl="4"/>
             <a:r>
-              <a:rPr lang="en-US" smtClean="0"/>
+              <a:rPr lang="en-US"/>
               <a:t>Fifth level</a:t>
             </a:r>
-            <a:endParaRPr lang="en-US"/>
           </a:p>
         </p:txBody>
       </p:sp>
@@ -5016,7 +4970,7 @@
           <a:p>
             <a:fld id="{98E5ACD0-4684-4871-9DD5-BDFFB79DDF55}" type="datetimeFigureOut">
               <a:rPr lang="en-US" smtClean="0"/>
-              <a:t>5/15/2020</a:t>
+              <a:t>5/17/2020</a:t>
             </a:fld>
             <a:endParaRPr lang="en-US"/>
           </a:p>
@@ -5115,10 +5069,9 @@
           <a:lstStyle/>
           <a:p>
             <a:r>
-              <a:rPr lang="en-US" smtClean="0"/>
+              <a:rPr lang="en-US"/>
               <a:t>Click to edit Master title style</a:t>
             </a:r>
-            <a:endParaRPr lang="en-US"/>
           </a:p>
         </p:txBody>
       </p:sp>
@@ -5181,7 +5134,7 @@
           <a:p>
             <a:pPr lvl="0"/>
             <a:r>
-              <a:rPr lang="en-US" smtClean="0"/>
+              <a:rPr lang="en-US"/>
               <a:t>Edit Master text styles</a:t>
             </a:r>
           </a:p>
@@ -5209,38 +5162,37 @@
           <a:p>
             <a:pPr lvl="0"/>
             <a:r>
-              <a:rPr lang="en-US" smtClean="0"/>
+              <a:rPr lang="en-US"/>
               <a:t>Edit Master text styles</a:t>
             </a:r>
           </a:p>
           <a:p>
             <a:pPr lvl="1"/>
             <a:r>
-              <a:rPr lang="en-US" smtClean="0"/>
+              <a:rPr lang="en-US"/>
               <a:t>Second level</a:t>
             </a:r>
           </a:p>
           <a:p>
             <a:pPr lvl="2"/>
             <a:r>
-              <a:rPr lang="en-US" smtClean="0"/>
+              <a:rPr lang="en-US"/>
               <a:t>Third level</a:t>
             </a:r>
           </a:p>
           <a:p>
             <a:pPr lvl="3"/>
             <a:r>
-              <a:rPr lang="en-US" smtClean="0"/>
+              <a:rPr lang="en-US"/>
               <a:t>Fourth level</a:t>
             </a:r>
           </a:p>
           <a:p>
             <a:pPr lvl="4"/>
             <a:r>
-              <a:rPr lang="en-US" smtClean="0"/>
+              <a:rPr lang="en-US"/>
               <a:t>Fifth level</a:t>
             </a:r>
-            <a:endParaRPr lang="en-US"/>
           </a:p>
         </p:txBody>
       </p:sp>
@@ -5303,7 +5255,7 @@
           <a:p>
             <a:pPr lvl="0"/>
             <a:r>
-              <a:rPr lang="en-US" smtClean="0"/>
+              <a:rPr lang="en-US"/>
               <a:t>Edit Master text styles</a:t>
             </a:r>
           </a:p>
@@ -5331,38 +5283,37 @@
           <a:p>
             <a:pPr lvl="0"/>
             <a:r>
-              <a:rPr lang="en-US" smtClean="0"/>
+              <a:rPr lang="en-US"/>
               <a:t>Edit Master text styles</a:t>
             </a:r>
           </a:p>
           <a:p>
             <a:pPr lvl="1"/>
             <a:r>
-              <a:rPr lang="en-US" smtClean="0"/>
+              <a:rPr lang="en-US"/>
               <a:t>Second level</a:t>
             </a:r>
           </a:p>
           <a:p>
             <a:pPr lvl="2"/>
             <a:r>
-              <a:rPr lang="en-US" smtClean="0"/>
+              <a:rPr lang="en-US"/>
               <a:t>Third level</a:t>
             </a:r>
           </a:p>
           <a:p>
             <a:pPr lvl="3"/>
             <a:r>
-              <a:rPr lang="en-US" smtClean="0"/>
+              <a:rPr lang="en-US"/>
               <a:t>Fourth level</a:t>
             </a:r>
           </a:p>
           <a:p>
             <a:pPr lvl="4"/>
             <a:r>
-              <a:rPr lang="en-US" smtClean="0"/>
+              <a:rPr lang="en-US"/>
               <a:t>Fifth level</a:t>
             </a:r>
-            <a:endParaRPr lang="en-US"/>
           </a:p>
         </p:txBody>
       </p:sp>
@@ -5383,7 +5334,7 @@
           <a:p>
             <a:fld id="{98E5ACD0-4684-4871-9DD5-BDFFB79DDF55}" type="datetimeFigureOut">
               <a:rPr lang="en-US" smtClean="0"/>
-              <a:t>5/15/2020</a:t>
+              <a:t>5/17/2020</a:t>
             </a:fld>
             <a:endParaRPr lang="en-US"/>
           </a:p>
@@ -5477,10 +5428,9 @@
           <a:lstStyle/>
           <a:p>
             <a:r>
-              <a:rPr lang="en-US" smtClean="0"/>
+              <a:rPr lang="en-US"/>
               <a:t>Click to edit Master title style</a:t>
             </a:r>
-            <a:endParaRPr lang="en-US"/>
           </a:p>
         </p:txBody>
       </p:sp>
@@ -5501,7 +5451,7 @@
           <a:p>
             <a:fld id="{98E5ACD0-4684-4871-9DD5-BDFFB79DDF55}" type="datetimeFigureOut">
               <a:rPr lang="en-US" smtClean="0"/>
-              <a:t>5/15/2020</a:t>
+              <a:t>5/17/2020</a:t>
             </a:fld>
             <a:endParaRPr lang="en-US"/>
           </a:p>
@@ -5596,7 +5546,7 @@
           <a:p>
             <a:fld id="{98E5ACD0-4684-4871-9DD5-BDFFB79DDF55}" type="datetimeFigureOut">
               <a:rPr lang="en-US" smtClean="0"/>
-              <a:t>5/15/2020</a:t>
+              <a:t>5/17/2020</a:t>
             </a:fld>
             <a:endParaRPr lang="en-US"/>
           </a:p>
@@ -5699,10 +5649,9 @@
           </a:lstStyle>
           <a:p>
             <a:r>
-              <a:rPr lang="en-US" smtClean="0"/>
+              <a:rPr lang="en-US"/>
               <a:t>Click to edit Master title style</a:t>
             </a:r>
-            <a:endParaRPr lang="en-US"/>
           </a:p>
         </p:txBody>
       </p:sp>
@@ -5756,38 +5705,37 @@
           <a:p>
             <a:pPr lvl="0"/>
             <a:r>
-              <a:rPr lang="en-US" smtClean="0"/>
+              <a:rPr lang="en-US"/>
               <a:t>Edit Master text styles</a:t>
             </a:r>
           </a:p>
           <a:p>
             <a:pPr lvl="1"/>
             <a:r>
-              <a:rPr lang="en-US" smtClean="0"/>
+              <a:rPr lang="en-US"/>
               <a:t>Second level</a:t>
             </a:r>
           </a:p>
           <a:p>
             <a:pPr lvl="2"/>
             <a:r>
-              <a:rPr lang="en-US" smtClean="0"/>
+              <a:rPr lang="en-US"/>
               <a:t>Third level</a:t>
             </a:r>
           </a:p>
           <a:p>
             <a:pPr lvl="3"/>
             <a:r>
-              <a:rPr lang="en-US" smtClean="0"/>
+              <a:rPr lang="en-US"/>
               <a:t>Fourth level</a:t>
             </a:r>
           </a:p>
           <a:p>
             <a:pPr lvl="4"/>
             <a:r>
-              <a:rPr lang="en-US" smtClean="0"/>
+              <a:rPr lang="en-US"/>
               <a:t>Fifth level</a:t>
             </a:r>
-            <a:endParaRPr lang="en-US"/>
           </a:p>
         </p:txBody>
       </p:sp>
@@ -5850,7 +5798,7 @@
           <a:p>
             <a:pPr lvl="0"/>
             <a:r>
-              <a:rPr lang="en-US" smtClean="0"/>
+              <a:rPr lang="en-US"/>
               <a:t>Edit Master text styles</a:t>
             </a:r>
           </a:p>
@@ -5873,7 +5821,7 @@
           <a:p>
             <a:fld id="{98E5ACD0-4684-4871-9DD5-BDFFB79DDF55}" type="datetimeFigureOut">
               <a:rPr lang="en-US" smtClean="0"/>
-              <a:t>5/15/2020</a:t>
+              <a:t>5/17/2020</a:t>
             </a:fld>
             <a:endParaRPr lang="en-US"/>
           </a:p>
@@ -5976,10 +5924,9 @@
           </a:lstStyle>
           <a:p>
             <a:r>
-              <a:rPr lang="en-US" smtClean="0"/>
+              <a:rPr lang="en-US"/>
               <a:t>Click to edit Master title style</a:t>
             </a:r>
-            <a:endParaRPr lang="en-US"/>
           </a:p>
         </p:txBody>
       </p:sp>
@@ -6103,7 +6050,7 @@
           <a:p>
             <a:pPr lvl="0"/>
             <a:r>
-              <a:rPr lang="en-US" smtClean="0"/>
+              <a:rPr lang="en-US"/>
               <a:t>Edit Master text styles</a:t>
             </a:r>
           </a:p>
@@ -6126,7 +6073,7 @@
           <a:p>
             <a:fld id="{98E5ACD0-4684-4871-9DD5-BDFFB79DDF55}" type="datetimeFigureOut">
               <a:rPr lang="en-US" smtClean="0"/>
-              <a:t>5/15/2020</a:t>
+              <a:t>5/17/2020</a:t>
             </a:fld>
             <a:endParaRPr lang="en-US"/>
           </a:p>
@@ -6235,10 +6182,9 @@
           <a:lstStyle/>
           <a:p>
             <a:r>
-              <a:rPr lang="en-US" smtClean="0"/>
+              <a:rPr lang="en-US"/>
               <a:t>Click to edit Master title style</a:t>
             </a:r>
-            <a:endParaRPr lang="en-US"/>
           </a:p>
         </p:txBody>
       </p:sp>
@@ -6269,38 +6215,37 @@
           <a:p>
             <a:pPr lvl="0"/>
             <a:r>
-              <a:rPr lang="en-US" smtClean="0"/>
+              <a:rPr lang="en-US"/>
               <a:t>Edit Master text styles</a:t>
             </a:r>
           </a:p>
           <a:p>
             <a:pPr lvl="1"/>
             <a:r>
-              <a:rPr lang="en-US" smtClean="0"/>
+              <a:rPr lang="en-US"/>
               <a:t>Second level</a:t>
             </a:r>
           </a:p>
           <a:p>
             <a:pPr lvl="2"/>
             <a:r>
-              <a:rPr lang="en-US" smtClean="0"/>
+              <a:rPr lang="en-US"/>
               <a:t>Third level</a:t>
             </a:r>
           </a:p>
           <a:p>
             <a:pPr lvl="3"/>
             <a:r>
-              <a:rPr lang="en-US" smtClean="0"/>
+              <a:rPr lang="en-US"/>
               <a:t>Fourth level</a:t>
             </a:r>
           </a:p>
           <a:p>
             <a:pPr lvl="4"/>
             <a:r>
-              <a:rPr lang="en-US" smtClean="0"/>
+              <a:rPr lang="en-US"/>
               <a:t>Fifth level</a:t>
             </a:r>
-            <a:endParaRPr lang="en-US"/>
           </a:p>
         </p:txBody>
       </p:sp>
@@ -6339,7 +6284,7 @@
           <a:p>
             <a:fld id="{98E5ACD0-4684-4871-9DD5-BDFFB79DDF55}" type="datetimeFigureOut">
               <a:rPr lang="en-US" smtClean="0"/>
-              <a:t>5/15/2020</a:t>
+              <a:t>5/17/2020</a:t>
             </a:fld>
             <a:endParaRPr lang="en-US"/>
           </a:p>
@@ -6760,7 +6705,7 @@
           <a:lstStyle/>
           <a:p>
             <a:r>
-              <a:rPr lang="zh-CN" altLang="en-US" dirty="0" smtClean="0"/>
+              <a:rPr lang="zh-CN" altLang="en-US" dirty="0"/>
               <a:t>人工智能</a:t>
             </a:r>
             <a:endParaRPr lang="en-US" dirty="0"/>
@@ -6783,7 +6728,7 @@
           <a:lstStyle/>
           <a:p>
             <a:r>
-              <a:rPr lang="zh-CN" altLang="en-US" dirty="0" smtClean="0"/>
+              <a:rPr lang="zh-CN" altLang="en-US" dirty="0"/>
               <a:t>机器学习</a:t>
             </a:r>
             <a:endParaRPr lang="en-US" dirty="0"/>
@@ -6800,13 +6745,6 @@
   <p:clrMapOvr>
     <a:masterClrMapping/>
   </p:clrMapOvr>
-  <p:timing>
-    <p:tnLst>
-      <p:par>
-        <p:cTn id="1" dur="indefinite" restart="never" nodeType="tmRoot"/>
-      </p:par>
-    </p:tnLst>
-  </p:timing>
 </p:sld>
 </file>
 
@@ -6852,21 +6790,17 @@
             <a:pPr algn="l"/>
             <a:r>
               <a:rPr lang="zh-CN" altLang="en-US" dirty="0"/>
-              <a:t>机</a:t>
-            </a:r>
-            <a:r>
-              <a:rPr lang="zh-CN" altLang="en-US" dirty="0" smtClean="0"/>
-              <a:t>器学习</a:t>
-            </a:r>
-            <a:r>
-              <a:rPr lang="en-US" altLang="zh-CN" dirty="0" smtClean="0"/>
+              <a:t>机器学习</a:t>
+            </a:r>
+            <a:r>
+              <a:rPr lang="en-US" altLang="zh-CN" dirty="0"/>
               <a:t>-</a:t>
             </a:r>
             <a:r>
-              <a:rPr lang="zh-CN" altLang="en-US" dirty="0" smtClean="0"/>
+              <a:rPr lang="zh-CN" altLang="en-US" dirty="0"/>
               <a:t>算法</a:t>
             </a:r>
-            <a:endParaRPr lang="en-US" dirty="0" smtClean="0"/>
+            <a:endParaRPr lang="en-US" dirty="0"/>
           </a:p>
         </p:txBody>
       </p:sp>
@@ -6893,7 +6827,7 @@
           <a:lstStyle/>
           <a:p>
             <a:pPr algn="l"/>
-            <a:endParaRPr lang="en-US" altLang="zh-CN" dirty="0" smtClean="0"/>
+            <a:endParaRPr lang="en-US" altLang="zh-CN" dirty="0"/>
           </a:p>
           <a:p>
             <a:pPr marL="342900" indent="-342900" algn="l">
@@ -6902,13 +6836,9 @@
             </a:pPr>
             <a:r>
               <a:rPr lang="zh-CN" altLang="en-US" dirty="0"/>
-              <a:t>人</a:t>
-            </a:r>
-            <a:r>
-              <a:rPr lang="zh-CN" altLang="en-US" dirty="0" smtClean="0"/>
-              <a:t>工神经网络</a:t>
-            </a:r>
-            <a:endParaRPr lang="en-US" altLang="zh-CN" dirty="0" smtClean="0"/>
+              <a:t>人工神经网络</a:t>
+            </a:r>
+            <a:endParaRPr lang="en-US" altLang="zh-CN" dirty="0"/>
           </a:p>
           <a:p>
             <a:pPr marL="342900" indent="-342900" algn="l">
@@ -6917,13 +6847,9 @@
             </a:pPr>
             <a:r>
               <a:rPr lang="zh-CN" altLang="en-US" dirty="0"/>
-              <a:t>决</a:t>
-            </a:r>
-            <a:r>
-              <a:rPr lang="zh-CN" altLang="en-US" dirty="0" smtClean="0"/>
-              <a:t>策树</a:t>
-            </a:r>
-            <a:endParaRPr lang="en-US" altLang="zh-CN" dirty="0" smtClean="0"/>
+              <a:t>决策树</a:t>
+            </a:r>
+            <a:endParaRPr lang="en-US" altLang="zh-CN" dirty="0"/>
           </a:p>
           <a:p>
             <a:pPr marL="342900" indent="-342900" algn="l">
@@ -6932,13 +6858,9 @@
             </a:pPr>
             <a:r>
               <a:rPr lang="zh-CN" altLang="en-US" dirty="0"/>
-              <a:t>感知</a:t>
-            </a:r>
-            <a:r>
-              <a:rPr lang="zh-CN" altLang="en-US" dirty="0" smtClean="0"/>
-              <a:t>器</a:t>
-            </a:r>
-            <a:endParaRPr lang="en-US" altLang="zh-CN" dirty="0" smtClean="0"/>
+              <a:t>感知器</a:t>
+            </a:r>
+            <a:endParaRPr lang="en-US" altLang="zh-CN" dirty="0"/>
           </a:p>
           <a:p>
             <a:pPr marL="342900" indent="-342900" algn="l">
@@ -6947,14 +6869,10 @@
             </a:pPr>
             <a:r>
               <a:rPr lang="zh-CN" altLang="en-US" dirty="0"/>
-              <a:t>支</a:t>
-            </a:r>
-            <a:r>
-              <a:rPr lang="zh-CN" altLang="en-US" dirty="0" smtClean="0"/>
-              <a:t>持向量机（</a:t>
-            </a:r>
-            <a:r>
-              <a:rPr lang="en-US" altLang="zh-CN" dirty="0" smtClean="0"/>
+              <a:t>支持向量机（</a:t>
+            </a:r>
+            <a:r>
+              <a:rPr lang="en-US" altLang="zh-CN" dirty="0"/>
               <a:t>Support vector machine)</a:t>
             </a:r>
           </a:p>
@@ -6965,17 +6883,13 @@
             </a:pPr>
             <a:r>
               <a:rPr lang="zh-CN" altLang="en-US" dirty="0"/>
-              <a:t>集</a:t>
-            </a:r>
-            <a:r>
-              <a:rPr lang="zh-CN" altLang="en-US" dirty="0" smtClean="0"/>
-              <a:t>成学习</a:t>
-            </a:r>
-            <a:r>
-              <a:rPr lang="en-US" altLang="zh-CN" dirty="0" err="1" smtClean="0"/>
+              <a:t>集成学习</a:t>
+            </a:r>
+            <a:r>
+              <a:rPr lang="en-US" altLang="zh-CN" dirty="0" err="1"/>
               <a:t>AdaBoost</a:t>
             </a:r>
-            <a:endParaRPr lang="en-US" altLang="zh-CN" dirty="0" smtClean="0"/>
+            <a:endParaRPr lang="en-US" altLang="zh-CN" dirty="0"/>
           </a:p>
           <a:p>
             <a:pPr marL="342900" indent="-342900" algn="l">
@@ -6984,13 +6898,9 @@
             </a:pPr>
             <a:r>
               <a:rPr lang="zh-CN" altLang="en-US" dirty="0"/>
-              <a:t>贝叶</a:t>
-            </a:r>
-            <a:r>
-              <a:rPr lang="zh-CN" altLang="en-US" dirty="0" smtClean="0"/>
-              <a:t>斯分类器</a:t>
-            </a:r>
-            <a:endParaRPr lang="en-US" altLang="zh-CN" dirty="0" smtClean="0"/>
+              <a:t>贝叶斯分类器</a:t>
+            </a:r>
+            <a:endParaRPr lang="en-US" altLang="zh-CN" dirty="0"/>
           </a:p>
           <a:p>
             <a:pPr marL="342900" indent="-342900" algn="l">
@@ -6999,13 +6909,9 @@
             </a:pPr>
             <a:r>
               <a:rPr lang="zh-CN" altLang="en-US" dirty="0"/>
-              <a:t>高</a:t>
-            </a:r>
-            <a:r>
-              <a:rPr lang="zh-CN" altLang="en-US" dirty="0" smtClean="0"/>
-              <a:t>斯回归过程</a:t>
-            </a:r>
-            <a:endParaRPr lang="en-US" altLang="zh-CN" dirty="0" smtClean="0"/>
+              <a:t>高斯回归过程</a:t>
+            </a:r>
+            <a:endParaRPr lang="en-US" altLang="zh-CN" dirty="0"/>
           </a:p>
           <a:p>
             <a:pPr marL="342900" indent="-342900" algn="l">
@@ -7014,21 +6920,9 @@
             </a:pPr>
             <a:r>
               <a:rPr lang="zh-CN" altLang="en-US" dirty="0"/>
-              <a:t>径向</a:t>
-            </a:r>
-            <a:r>
-              <a:rPr lang="zh-CN" altLang="en-US" dirty="0" smtClean="0"/>
-              <a:t>基</a:t>
-            </a:r>
-            <a:r>
-              <a:rPr lang="zh-CN" altLang="en-US" dirty="0"/>
-              <a:t>函数</a:t>
-            </a:r>
-            <a:r>
-              <a:rPr lang="zh-CN" altLang="en-US" dirty="0" smtClean="0"/>
-              <a:t>和</a:t>
-            </a:r>
-            <a:endParaRPr lang="en-US" altLang="zh-CN" dirty="0" smtClean="0"/>
+              <a:t>径向基函数和</a:t>
+            </a:r>
+            <a:endParaRPr lang="en-US" altLang="zh-CN" dirty="0"/>
           </a:p>
           <a:p>
             <a:pPr marL="342900" indent="-342900" algn="l">
@@ -7036,10 +6930,10 @@
               <a:buChar char="•"/>
             </a:pPr>
             <a:r>
-              <a:rPr lang="zh-CN" altLang="en-US" dirty="0" smtClean="0"/>
+              <a:rPr lang="zh-CN" altLang="en-US" dirty="0"/>
               <a:t>最近邻居法</a:t>
             </a:r>
-            <a:endParaRPr lang="en-US" altLang="zh-CN" dirty="0" smtClean="0"/>
+            <a:endParaRPr lang="en-US" altLang="zh-CN" dirty="0"/>
           </a:p>
           <a:p>
             <a:pPr marL="342900" indent="-342900" algn="l">
@@ -7048,13 +6942,9 @@
             </a:pPr>
             <a:r>
               <a:rPr lang="zh-CN" altLang="en-US" dirty="0"/>
-              <a:t>马可</a:t>
-            </a:r>
-            <a:r>
-              <a:rPr lang="zh-CN" altLang="en-US" dirty="0" smtClean="0"/>
-              <a:t>夫链</a:t>
-            </a:r>
-            <a:endParaRPr lang="en-US" altLang="zh-CN" dirty="0" smtClean="0"/>
+              <a:t>马可夫链</a:t>
+            </a:r>
+            <a:endParaRPr lang="en-US" altLang="zh-CN" dirty="0"/>
           </a:p>
           <a:p>
             <a:pPr marL="342900" indent="-342900" algn="l">
@@ -7063,21 +6953,9 @@
             </a:pPr>
             <a:r>
               <a:rPr lang="zh-CN" altLang="en-US" dirty="0"/>
-              <a:t>蒙特</a:t>
-            </a:r>
-            <a:r>
-              <a:rPr lang="zh-CN" altLang="en-US" dirty="0" smtClean="0"/>
-              <a:t>卡</a:t>
-            </a:r>
-            <a:r>
-              <a:rPr lang="zh-CN" altLang="en-US" dirty="0"/>
-              <a:t>罗</a:t>
-            </a:r>
-            <a:r>
-              <a:rPr lang="zh-CN" altLang="en-US" dirty="0" smtClean="0"/>
-              <a:t>方法</a:t>
-            </a:r>
-            <a:endParaRPr lang="en-US" altLang="zh-CN" dirty="0" smtClean="0"/>
+              <a:t>蒙特卡罗方法</a:t>
+            </a:r>
+            <a:endParaRPr lang="en-US" altLang="zh-CN" dirty="0"/>
           </a:p>
           <a:p>
             <a:pPr marL="342900" indent="-342900" algn="l">
@@ -7085,17 +6963,17 @@
               <a:buChar char="•"/>
             </a:pPr>
             <a:r>
-              <a:rPr lang="zh-CN" altLang="en-US" dirty="0" smtClean="0"/>
+              <a:rPr lang="zh-CN" altLang="en-US" dirty="0"/>
               <a:t>。。。</a:t>
             </a:r>
-            <a:endParaRPr lang="en-US" altLang="zh-CN" dirty="0" smtClean="0"/>
+            <a:endParaRPr lang="en-US" altLang="zh-CN" dirty="0"/>
           </a:p>
           <a:p>
             <a:pPr marL="342900" indent="-342900" algn="l">
               <a:buFont typeface="Arial" panose="020B0604020202020204" pitchFamily="34" charset="0"/>
               <a:buChar char="•"/>
             </a:pPr>
-            <a:endParaRPr lang="en-US" altLang="zh-CN" dirty="0" smtClean="0"/>
+            <a:endParaRPr lang="en-US" altLang="zh-CN" dirty="0"/>
           </a:p>
         </p:txBody>
       </p:sp>
@@ -7109,13 +6987,6 @@
   <p:clrMapOvr>
     <a:masterClrMapping/>
   </p:clrMapOvr>
-  <p:timing>
-    <p:tnLst>
-      <p:par>
-        <p:cTn id="1" dur="indefinite" restart="never" nodeType="tmRoot"/>
-      </p:par>
-    </p:tnLst>
-  </p:timing>
 </p:sld>
 </file>
 
@@ -7160,10 +7031,10 @@
           <a:p>
             <a:pPr algn="l"/>
             <a:r>
-              <a:rPr lang="zh-CN" altLang="en-US" dirty="0" smtClean="0"/>
+              <a:rPr lang="zh-CN" altLang="en-US" dirty="0"/>
               <a:t>深度学习</a:t>
             </a:r>
-            <a:endParaRPr lang="en-US" dirty="0" smtClean="0"/>
+            <a:endParaRPr lang="en-US" dirty="0"/>
           </a:p>
         </p:txBody>
       </p:sp>
@@ -7192,30 +7063,18 @@
             <a:pPr algn="l"/>
             <a:r>
               <a:rPr lang="zh-CN" altLang="en-US" dirty="0"/>
-              <a:t>深度学</a:t>
-            </a:r>
-            <a:r>
-              <a:rPr lang="zh-CN" altLang="en-US" dirty="0" smtClean="0"/>
-              <a:t>习</a:t>
-            </a:r>
-            <a:r>
-              <a:rPr lang="en-US" altLang="zh-CN" dirty="0" smtClean="0"/>
-              <a:t>(</a:t>
+              <a:t>深度学习</a:t>
             </a:r>
             <a:r>
               <a:rPr lang="en-US" altLang="zh-CN" dirty="0"/>
-              <a:t>d</a:t>
-            </a:r>
-            <a:r>
-              <a:rPr lang="en-US" altLang="zh-CN" dirty="0" smtClean="0"/>
-              <a:t>eep Learning)</a:t>
-            </a:r>
-            <a:r>
-              <a:rPr lang="zh-CN" altLang="en-US" dirty="0" smtClean="0"/>
+              <a:t>(deep Learning)</a:t>
+            </a:r>
+            <a:r>
+              <a:rPr lang="zh-CN" altLang="en-US" dirty="0"/>
               <a:t>是机器学习的分支，是一种以</a:t>
             </a:r>
             <a:r>
-              <a:rPr lang="zh-CN" altLang="en-US" dirty="0" smtClean="0">
+              <a:rPr lang="zh-CN" altLang="en-US" dirty="0">
                 <a:solidFill>
                   <a:schemeClr val="accent2"/>
                 </a:solidFill>
@@ -7223,11 +7082,11 @@
               <a:t>人工神经网络</a:t>
             </a:r>
             <a:r>
-              <a:rPr lang="zh-CN" altLang="en-US" dirty="0" smtClean="0"/>
+              <a:rPr lang="zh-CN" altLang="en-US" dirty="0"/>
               <a:t>为架构，对数据进行</a:t>
             </a:r>
             <a:r>
-              <a:rPr lang="zh-CN" altLang="en-US" dirty="0" smtClean="0">
+              <a:rPr lang="zh-CN" altLang="en-US" dirty="0">
                 <a:solidFill>
                   <a:schemeClr val="accent2"/>
                 </a:solidFill>
@@ -7235,7 +7094,7 @@
               <a:t>表征</a:t>
             </a:r>
             <a:r>
-              <a:rPr lang="en-US" altLang="zh-CN" dirty="0" smtClean="0">
+              <a:rPr lang="en-US" altLang="zh-CN" dirty="0">
                 <a:solidFill>
                   <a:schemeClr val="accent2"/>
                 </a:solidFill>
@@ -7243,7 +7102,7 @@
               <a:t>(</a:t>
             </a:r>
             <a:r>
-              <a:rPr lang="zh-CN" altLang="en-US" dirty="0" smtClean="0">
+              <a:rPr lang="zh-CN" altLang="en-US" dirty="0">
                 <a:solidFill>
                   <a:schemeClr val="accent2"/>
                 </a:solidFill>
@@ -7251,7 +7110,7 @@
               <a:t>特征</a:t>
             </a:r>
             <a:r>
-              <a:rPr lang="en-US" altLang="zh-CN" dirty="0" smtClean="0">
+              <a:rPr lang="en-US" altLang="zh-CN" dirty="0">
                 <a:solidFill>
                   <a:schemeClr val="accent2"/>
                 </a:solidFill>
@@ -7259,7 +7118,7 @@
               <a:t>)</a:t>
             </a:r>
             <a:r>
-              <a:rPr lang="zh-CN" altLang="en-US" dirty="0" smtClean="0">
+              <a:rPr lang="zh-CN" altLang="en-US" dirty="0">
                 <a:solidFill>
                   <a:schemeClr val="accent2"/>
                 </a:solidFill>
@@ -7267,11 +7126,11 @@
               <a:t>学习</a:t>
             </a:r>
             <a:r>
-              <a:rPr lang="zh-CN" altLang="en-US" dirty="0" smtClean="0"/>
+              <a:rPr lang="zh-CN" altLang="en-US" dirty="0"/>
               <a:t>的</a:t>
             </a:r>
             <a:r>
-              <a:rPr lang="zh-CN" altLang="en-US" dirty="0" smtClean="0">
+              <a:rPr lang="zh-CN" altLang="en-US" dirty="0">
                 <a:solidFill>
                   <a:schemeClr val="accent2"/>
                 </a:solidFill>
@@ -7279,7 +7138,7 @@
               <a:t>算法</a:t>
             </a:r>
             <a:r>
-              <a:rPr lang="zh-CN" altLang="en-US" dirty="0" smtClean="0"/>
+              <a:rPr lang="zh-CN" altLang="en-US" dirty="0"/>
               <a:t>。</a:t>
             </a:r>
             <a:endParaRPr lang="en-US" dirty="0"/>
@@ -7296,13 +7155,6 @@
   <p:clrMapOvr>
     <a:masterClrMapping/>
   </p:clrMapOvr>
-  <p:timing>
-    <p:tnLst>
-      <p:par>
-        <p:cTn id="1" dur="indefinite" restart="never" nodeType="tmRoot"/>
-      </p:par>
-    </p:tnLst>
-  </p:timing>
 </p:sld>
 </file>
 
@@ -7347,10 +7199,10 @@
           <a:p>
             <a:pPr algn="l"/>
             <a:r>
-              <a:rPr lang="zh-CN" altLang="en-US" dirty="0" smtClean="0"/>
+              <a:rPr lang="zh-CN" altLang="en-US" dirty="0"/>
               <a:t>深度学习</a:t>
             </a:r>
-            <a:endParaRPr lang="en-US" dirty="0" smtClean="0"/>
+            <a:endParaRPr lang="en-US" dirty="0"/>
           </a:p>
         </p:txBody>
       </p:sp>
@@ -7378,12 +7230,8 @@
           <a:p>
             <a:pPr algn="l"/>
             <a:r>
-              <a:rPr lang="zh-CN" altLang="en-US" dirty="0" smtClean="0"/>
-              <a:t>在</a:t>
-            </a:r>
-            <a:r>
               <a:rPr lang="zh-CN" altLang="en-US" dirty="0"/>
-              <a:t>我们现实世界中的数据例如图片，视频，以及传感器的测量值都非常的复杂，冗余并且多变。那么，如何有效的提取出特征并且将其表达出来就显得非常重要</a:t>
+              <a:t>在我们现实世界中的数据例如图片，视频，以及传感器的测量值都非常的复杂，冗余并且多变。那么，如何有效的提取出特征并且将其表达出来就显得非常重要</a:t>
             </a:r>
             <a:endParaRPr lang="en-US" altLang="zh-CN" dirty="0"/>
           </a:p>
@@ -7427,29 +7275,13 @@
                   <a:schemeClr val="accent2"/>
                 </a:solidFill>
               </a:rPr>
-              <a:t>学</a:t>
-            </a:r>
-            <a:r>
-              <a:rPr lang="zh-CN" altLang="en-US" dirty="0" smtClean="0">
-                <a:solidFill>
-                  <a:schemeClr val="accent2"/>
-                </a:solidFill>
-              </a:rPr>
-              <a:t>习</a:t>
-            </a:r>
-            <a:r>
-              <a:rPr lang="zh-CN" altLang="en-US" dirty="0" smtClean="0"/>
-              <a:t>将</a:t>
+              <a:t>学习</a:t>
             </a:r>
             <a:r>
               <a:rPr lang="zh-CN" altLang="en-US" dirty="0"/>
-              <a:t>原始数据转换成为能够被机器学习来有效开发的一种形式。它避免了手动提取特征的麻</a:t>
-            </a:r>
-            <a:r>
-              <a:rPr lang="zh-CN" altLang="en-US" dirty="0" smtClean="0"/>
-              <a:t>烦</a:t>
-            </a:r>
-            <a:endParaRPr lang="en-US" altLang="zh-CN" dirty="0" smtClean="0"/>
+              <a:t>将原始数据转换成为能够被机器学习来有效开发的一种形式。它避免了手动提取特征的麻烦</a:t>
+            </a:r>
+            <a:endParaRPr lang="en-US" altLang="zh-CN" dirty="0"/>
           </a:p>
         </p:txBody>
       </p:sp>
@@ -7463,13 +7295,6 @@
   <p:clrMapOvr>
     <a:masterClrMapping/>
   </p:clrMapOvr>
-  <p:timing>
-    <p:tnLst>
-      <p:par>
-        <p:cTn id="1" dur="indefinite" restart="never" nodeType="tmRoot"/>
-      </p:par>
-    </p:tnLst>
-  </p:timing>
 </p:sld>
 </file>
 
@@ -7559,10 +7384,10 @@
           <a:p>
             <a:pPr algn="l"/>
             <a:r>
-              <a:rPr lang="zh-CN" altLang="en-US" dirty="0" smtClean="0"/>
+              <a:rPr lang="zh-CN" altLang="en-US" dirty="0"/>
               <a:t>简单的神经网络</a:t>
             </a:r>
-            <a:endParaRPr lang="en-US" dirty="0" smtClean="0"/>
+            <a:endParaRPr lang="en-US" dirty="0"/>
           </a:p>
         </p:txBody>
       </p:sp>
@@ -7590,14 +7415,10 @@
           <a:p>
             <a:pPr algn="l"/>
             <a:r>
-              <a:rPr lang="zh-CN" altLang="en-US" dirty="0" smtClean="0"/>
-              <a:t>最简单的神经网络分为三层：第</a:t>
-            </a:r>
-            <a:r>
               <a:rPr lang="zh-CN" altLang="en-US" dirty="0"/>
-              <a:t>一层（输入层）到第二层（隐含层）是表征学习，第二层到第三层（输出）是分类器的参数回归。</a:t>
-            </a:r>
-            <a:endParaRPr lang="en-US" altLang="zh-CN" dirty="0" smtClean="0"/>
+              <a:t>最简单的神经网络分为三层：第一层（输入层）到第二层（隐含层）是表征学习，第二层到第三层（输出）是分类器的参数回归。</a:t>
+            </a:r>
+            <a:endParaRPr lang="en-US" altLang="zh-CN" dirty="0"/>
           </a:p>
         </p:txBody>
       </p:sp>
@@ -9077,17 +8898,16 @@
           <a:p>
             <a:pPr algn="ctr"/>
             <a:r>
-              <a:rPr lang="en-US" sz="1200" dirty="0" smtClean="0"/>
+              <a:rPr lang="en-US" sz="1200" dirty="0"/>
               <a:t>Hidden</a:t>
             </a:r>
           </a:p>
           <a:p>
             <a:pPr algn="ctr"/>
             <a:r>
-              <a:rPr lang="en-US" sz="1200" dirty="0" smtClean="0"/>
+              <a:rPr lang="en-US" sz="1200" dirty="0"/>
               <a:t>layer</a:t>
             </a:r>
-            <a:endParaRPr lang="en-US" sz="1200" dirty="0"/>
           </a:p>
         </p:txBody>
       </p:sp>
@@ -9115,7 +8935,7 @@
           <a:p>
             <a:pPr algn="ctr"/>
             <a:r>
-              <a:rPr lang="en-US" sz="1200" dirty="0" smtClean="0"/>
+              <a:rPr lang="en-US" sz="1200" dirty="0"/>
               <a:t>Input</a:t>
             </a:r>
           </a:p>
@@ -9153,17 +8973,16 @@
           <a:p>
             <a:pPr algn="ctr"/>
             <a:r>
-              <a:rPr lang="en-US" sz="1200" dirty="0" smtClean="0"/>
+              <a:rPr lang="en-US" sz="1200" dirty="0"/>
               <a:t>Output</a:t>
             </a:r>
           </a:p>
           <a:p>
             <a:pPr algn="ctr"/>
             <a:r>
-              <a:rPr lang="en-US" sz="1200" dirty="0" smtClean="0"/>
+              <a:rPr lang="en-US" sz="1200" dirty="0"/>
               <a:t>layer</a:t>
             </a:r>
-            <a:endParaRPr lang="en-US" sz="1200" dirty="0"/>
           </a:p>
         </p:txBody>
       </p:sp>
@@ -9177,13 +8996,6 @@
   <p:clrMapOvr>
     <a:masterClrMapping/>
   </p:clrMapOvr>
-  <p:timing>
-    <p:tnLst>
-      <p:par>
-        <p:cTn id="1" dur="indefinite" restart="never" nodeType="tmRoot"/>
-      </p:par>
-    </p:tnLst>
-  </p:timing>
 </p:sld>
 </file>
 
@@ -9228,10 +9040,10 @@
           <a:p>
             <a:pPr algn="l"/>
             <a:r>
-              <a:rPr lang="zh-CN" altLang="en-US" dirty="0" smtClean="0"/>
+              <a:rPr lang="zh-CN" altLang="en-US" dirty="0"/>
               <a:t>简单的神经网络</a:t>
             </a:r>
-            <a:endParaRPr lang="en-US" dirty="0" smtClean="0"/>
+            <a:endParaRPr lang="en-US" dirty="0"/>
           </a:p>
         </p:txBody>
       </p:sp>
@@ -9466,13 +9278,6 @@
   <p:clrMapOvr>
     <a:masterClrMapping/>
   </p:clrMapOvr>
-  <p:timing>
-    <p:tnLst>
-      <p:par>
-        <p:cTn id="1" dur="indefinite" restart="never" nodeType="tmRoot"/>
-      </p:par>
-    </p:tnLst>
-  </p:timing>
 </p:sld>
 </file>
 
@@ -9517,10 +9322,10 @@
           <a:p>
             <a:pPr algn="l"/>
             <a:r>
-              <a:rPr lang="zh-CN" altLang="en-US" dirty="0" smtClean="0"/>
+              <a:rPr lang="zh-CN" altLang="en-US" dirty="0"/>
               <a:t>神经元</a:t>
             </a:r>
-            <a:endParaRPr lang="en-US" dirty="0" smtClean="0"/>
+            <a:endParaRPr lang="en-US" dirty="0"/>
           </a:p>
         </p:txBody>
       </p:sp>
@@ -9628,7 +9433,7 @@
               <a:buChar char="•"/>
             </a:pPr>
             <a:r>
-              <a:rPr lang="en-US" altLang="zh-CN" dirty="0" smtClean="0">
+              <a:rPr lang="en-US" altLang="zh-CN" dirty="0">
                 <a:solidFill>
                   <a:srgbClr val="202122"/>
                 </a:solidFill>
@@ -9637,34 +9442,16 @@
               <a:t>b</a:t>
             </a:r>
             <a:r>
-              <a:rPr lang="zh-CN" altLang="en-US" dirty="0" smtClean="0">
-                <a:solidFill>
-                  <a:srgbClr val="202122"/>
-                </a:solidFill>
-                <a:latin typeface="Arial" panose="020B0604020202020204" pitchFamily="34" charset="0"/>
-              </a:rPr>
-              <a:t>为</a:t>
-            </a:r>
-            <a:r>
               <a:rPr lang="zh-CN" altLang="en-US" dirty="0">
                 <a:solidFill>
                   <a:srgbClr val="202122"/>
                 </a:solidFill>
                 <a:latin typeface="Arial" panose="020B0604020202020204" pitchFamily="34" charset="0"/>
               </a:rPr>
-              <a:t>偏</a:t>
-            </a:r>
-            <a:r>
-              <a:rPr lang="zh-CN" altLang="en-US" dirty="0" smtClean="0">
-                <a:solidFill>
-                  <a:srgbClr val="202122"/>
-                </a:solidFill>
-                <a:latin typeface="Arial" panose="020B0604020202020204" pitchFamily="34" charset="0"/>
-              </a:rPr>
-              <a:t>置</a:t>
-            </a:r>
-            <a:r>
-              <a:rPr lang="en-US" altLang="zh-CN" dirty="0" smtClean="0">
+              <a:t>为偏置</a:t>
+            </a:r>
+            <a:r>
+              <a:rPr lang="en-US" altLang="zh-CN" dirty="0">
                 <a:solidFill>
                   <a:srgbClr val="202122"/>
                 </a:solidFill>
@@ -9700,16 +9487,7 @@
                 </a:solidFill>
                 <a:latin typeface="Arial" panose="020B0604020202020204" pitchFamily="34" charset="0"/>
               </a:rPr>
-              <a:t>为传递函</a:t>
-            </a:r>
-            <a:r>
-              <a:rPr lang="zh-CN" altLang="en-US" dirty="0" smtClean="0">
-                <a:solidFill>
-                  <a:srgbClr val="202122"/>
-                </a:solidFill>
-                <a:latin typeface="Arial" panose="020B0604020202020204" pitchFamily="34" charset="0"/>
-              </a:rPr>
-              <a:t>数</a:t>
+              <a:t>为传递函数</a:t>
             </a:r>
             <a:endParaRPr lang="en-US" altLang="zh-CN" dirty="0">
               <a:solidFill>
@@ -9761,13 +9539,6 @@
   <p:clrMapOvr>
     <a:masterClrMapping/>
   </p:clrMapOvr>
-  <p:timing>
-    <p:tnLst>
-      <p:par>
-        <p:cTn id="1" dur="indefinite" restart="never" nodeType="tmRoot"/>
-      </p:par>
-    </p:tnLst>
-  </p:timing>
 </p:sld>
 </file>
 
@@ -9857,10 +9628,10 @@
           <a:p>
             <a:pPr algn="l"/>
             <a:r>
-              <a:rPr lang="zh-CN" altLang="en-US" dirty="0" smtClean="0"/>
+              <a:rPr lang="zh-CN" altLang="en-US" dirty="0"/>
               <a:t>简单的神经网络</a:t>
             </a:r>
-            <a:endParaRPr lang="en-US" dirty="0" smtClean="0"/>
+            <a:endParaRPr lang="en-US" dirty="0"/>
           </a:p>
         </p:txBody>
       </p:sp>
@@ -9888,18 +9659,18 @@
           <a:p>
             <a:pPr algn="l"/>
             <a:r>
-              <a:rPr lang="zh-CN" altLang="en-US" dirty="0" smtClean="0"/>
+              <a:rPr lang="zh-CN" altLang="en-US" dirty="0"/>
               <a:t>以识别</a:t>
             </a:r>
             <a:r>
-              <a:rPr lang="en-US" altLang="zh-CN" dirty="0" smtClean="0"/>
+              <a:rPr lang="en-US" altLang="zh-CN" dirty="0"/>
               <a:t>Elon musk</a:t>
             </a:r>
             <a:r>
-              <a:rPr lang="zh-CN" altLang="en-US" dirty="0" smtClean="0"/>
+              <a:rPr lang="zh-CN" altLang="en-US" dirty="0"/>
               <a:t>的照片为例子</a:t>
             </a:r>
-            <a:endParaRPr lang="en-US" altLang="zh-CN" dirty="0" smtClean="0"/>
+            <a:endParaRPr lang="en-US" altLang="zh-CN" dirty="0"/>
           </a:p>
         </p:txBody>
       </p:sp>
@@ -11379,17 +11150,16 @@
           <a:p>
             <a:pPr algn="ctr"/>
             <a:r>
-              <a:rPr lang="en-US" sz="1200" dirty="0" smtClean="0"/>
+              <a:rPr lang="en-US" sz="1200" dirty="0"/>
               <a:t>Hidden</a:t>
             </a:r>
           </a:p>
           <a:p>
             <a:pPr algn="ctr"/>
             <a:r>
-              <a:rPr lang="en-US" sz="1200" dirty="0" smtClean="0"/>
+              <a:rPr lang="en-US" sz="1200" dirty="0"/>
               <a:t>layer</a:t>
             </a:r>
-            <a:endParaRPr lang="en-US" sz="1200" dirty="0"/>
           </a:p>
         </p:txBody>
       </p:sp>
@@ -11417,17 +11187,16 @@
           <a:p>
             <a:pPr algn="ctr"/>
             <a:r>
-              <a:rPr lang="en-US" sz="1200" dirty="0" smtClean="0"/>
+              <a:rPr lang="en-US" sz="1200" dirty="0"/>
               <a:t>Input</a:t>
             </a:r>
           </a:p>
           <a:p>
             <a:pPr algn="ctr"/>
             <a:r>
-              <a:rPr lang="en-US" sz="1200" dirty="0" smtClean="0"/>
+              <a:rPr lang="en-US" sz="1200" dirty="0"/>
               <a:t>layer</a:t>
             </a:r>
-            <a:endParaRPr lang="en-US" sz="1200" dirty="0"/>
           </a:p>
         </p:txBody>
       </p:sp>
@@ -11455,17 +11224,16 @@
           <a:p>
             <a:pPr algn="ctr"/>
             <a:r>
-              <a:rPr lang="en-US" sz="1200" dirty="0" smtClean="0"/>
+              <a:rPr lang="en-US" sz="1200" dirty="0"/>
               <a:t>Output</a:t>
             </a:r>
           </a:p>
           <a:p>
             <a:pPr algn="ctr"/>
             <a:r>
-              <a:rPr lang="en-US" sz="1200" dirty="0" smtClean="0"/>
+              <a:rPr lang="en-US" sz="1200" dirty="0"/>
               <a:t>layer</a:t>
             </a:r>
-            <a:endParaRPr lang="en-US" sz="1200" dirty="0"/>
           </a:p>
         </p:txBody>
       </p:sp>
@@ -11522,31 +11290,31 @@
           <a:lstStyle/>
           <a:p>
             <a:r>
-              <a:rPr lang="en-US" sz="1400" dirty="0" smtClean="0"/>
+              <a:rPr lang="en-US" sz="1400" dirty="0"/>
               <a:t>Photo 2D-matrix</a:t>
             </a:r>
           </a:p>
           <a:p>
             <a:r>
-              <a:rPr lang="en-US" sz="1400" dirty="0" smtClean="0"/>
+              <a:rPr lang="en-US" sz="1400" dirty="0"/>
               <a:t>[[255,1,0,2,3,…]</a:t>
             </a:r>
           </a:p>
           <a:p>
             <a:r>
-              <a:rPr lang="en-US" sz="1400" dirty="0" smtClean="0"/>
+              <a:rPr lang="en-US" sz="1400" dirty="0"/>
               <a:t>[255,1,0,0,3,…],</a:t>
             </a:r>
           </a:p>
           <a:p>
             <a:r>
-              <a:rPr lang="en-US" sz="1400" dirty="0" smtClean="0"/>
+              <a:rPr lang="en-US" sz="1400" dirty="0"/>
               <a:t>…,</a:t>
             </a:r>
           </a:p>
           <a:p>
             <a:r>
-              <a:rPr lang="en-US" sz="1400" dirty="0" smtClean="0"/>
+              <a:rPr lang="en-US" sz="1400" dirty="0"/>
               <a:t>[0,1,10,2,255,…]]</a:t>
             </a:r>
           </a:p>
@@ -11613,13 +11381,13 @@
           <a:lstStyle/>
           <a:p>
             <a:r>
-              <a:rPr lang="en-US" sz="1400" dirty="0" smtClean="0"/>
+              <a:rPr lang="en-US" sz="1400" dirty="0"/>
               <a:t>Photo 1D-matrix</a:t>
             </a:r>
           </a:p>
           <a:p>
             <a:r>
-              <a:rPr lang="en-US" sz="1400" dirty="0" smtClean="0"/>
+              <a:rPr lang="en-US" sz="1400" dirty="0"/>
               <a:t>[255,1,0,2,3,…….]</a:t>
             </a:r>
           </a:p>
@@ -11651,10 +11419,9 @@
           <a:lstStyle/>
           <a:p>
             <a:r>
-              <a:rPr lang="en-US" dirty="0" smtClean="0"/>
+              <a:rPr lang="en-US" dirty="0"/>
               <a:t>…</a:t>
             </a:r>
-            <a:endParaRPr lang="en-US" dirty="0"/>
           </a:p>
         </p:txBody>
       </p:sp>
@@ -11717,10 +11484,9 @@
           <a:lstStyle/>
           <a:p>
             <a:r>
-              <a:rPr lang="en-US" sz="1400" dirty="0" smtClean="0"/>
+              <a:rPr lang="en-US" sz="1400" dirty="0"/>
               <a:t>flatten</a:t>
             </a:r>
-            <a:endParaRPr lang="en-US" sz="1400" dirty="0"/>
           </a:p>
         </p:txBody>
       </p:sp>
@@ -11782,10 +11548,9 @@
           <a:lstStyle/>
           <a:p>
             <a:r>
-              <a:rPr lang="en-US" sz="1400" dirty="0" smtClean="0"/>
+              <a:rPr lang="en-US" sz="1400" dirty="0"/>
               <a:t>input</a:t>
             </a:r>
-            <a:endParaRPr lang="en-US" sz="1400" dirty="0"/>
           </a:p>
         </p:txBody>
       </p:sp>
@@ -11812,10 +11577,9 @@
           <a:lstStyle/>
           <a:p>
             <a:r>
-              <a:rPr lang="en-US" sz="1100" dirty="0" smtClean="0"/>
+              <a:rPr lang="en-US" sz="1100" dirty="0"/>
               <a:t>Cat: 0%</a:t>
             </a:r>
-            <a:endParaRPr lang="en-US" sz="1100" dirty="0"/>
           </a:p>
         </p:txBody>
       </p:sp>
@@ -11842,10 +11606,9 @@
           <a:lstStyle/>
           <a:p>
             <a:r>
-              <a:rPr lang="en-US" sz="1100" dirty="0" smtClean="0"/>
+              <a:rPr lang="en-US" sz="1100" dirty="0"/>
               <a:t>dog: 0%</a:t>
             </a:r>
-            <a:endParaRPr lang="en-US" sz="1100" dirty="0"/>
           </a:p>
         </p:txBody>
       </p:sp>
@@ -11872,10 +11635,9 @@
           <a:lstStyle/>
           <a:p>
             <a:r>
-              <a:rPr lang="en-US" sz="1100" dirty="0" smtClean="0"/>
+              <a:rPr lang="en-US" sz="1100" dirty="0"/>
               <a:t>musk: 100%</a:t>
             </a:r>
-            <a:endParaRPr lang="en-US" sz="1100" dirty="0"/>
           </a:p>
         </p:txBody>
       </p:sp>
@@ -11902,10 +11664,9 @@
           <a:lstStyle/>
           <a:p>
             <a:r>
-              <a:rPr lang="en-US" sz="1100" dirty="0" smtClean="0"/>
+              <a:rPr lang="en-US" sz="1100" dirty="0"/>
               <a:t>unknow:0%</a:t>
             </a:r>
-            <a:endParaRPr lang="en-US" sz="1100" dirty="0"/>
           </a:p>
         </p:txBody>
       </p:sp>
@@ -11932,7 +11693,7 @@
           <a:lstStyle/>
           <a:p>
             <a:r>
-              <a:rPr lang="zh-CN" altLang="en-US" dirty="0" smtClean="0"/>
+              <a:rPr lang="zh-CN" altLang="en-US" dirty="0"/>
               <a:t>像素矩阵</a:t>
             </a:r>
             <a:endParaRPr lang="en-US" dirty="0"/>
@@ -11949,13 +11710,6 @@
   <p:clrMapOvr>
     <a:masterClrMapping/>
   </p:clrMapOvr>
-  <p:timing>
-    <p:tnLst>
-      <p:par>
-        <p:cTn id="1" dur="indefinite" restart="never" nodeType="tmRoot"/>
-      </p:par>
-    </p:tnLst>
-  </p:timing>
 </p:sld>
 </file>
 
@@ -12000,14 +11754,14 @@
           <a:p>
             <a:pPr algn="l"/>
             <a:r>
-              <a:rPr lang="zh-CN" altLang="en-US" sz="4000" dirty="0" smtClean="0"/>
+              <a:rPr lang="zh-CN" altLang="en-US" sz="4000" dirty="0"/>
               <a:t>卷积神经网络</a:t>
             </a:r>
             <a:r>
-              <a:rPr lang="en-US" altLang="zh-CN" sz="4000" dirty="0" smtClean="0"/>
+              <a:rPr lang="en-US" altLang="zh-CN" sz="4000" dirty="0"/>
               <a:t>(Convolutional neural network)</a:t>
             </a:r>
-            <a:endParaRPr lang="en-US" sz="4000" dirty="0" smtClean="0"/>
+            <a:endParaRPr lang="en-US" sz="4000" dirty="0"/>
           </a:p>
         </p:txBody>
       </p:sp>
@@ -12019,8 +11773,8 @@
         </p:nvSpPr>
         <p:spPr>
           <a:xfrm>
-            <a:off x="1129937" y="2370909"/>
-            <a:ext cx="7844246" cy="646331"/>
+            <a:off x="883920" y="1935774"/>
+            <a:ext cx="8992811" cy="1200329"/>
           </a:xfrm>
           <a:prstGeom prst="rect">
             <a:avLst/>
@@ -12033,20 +11787,81 @@
           </a:bodyPr>
           <a:lstStyle/>
           <a:p>
-            <a:r>
-              <a:rPr lang="en-US" dirty="0" smtClean="0"/>
-              <a:t>What’s </a:t>
-            </a:r>
-            <a:r>
-              <a:rPr lang="en-US" dirty="0" err="1" smtClean="0"/>
-              <a:t>cnn</a:t>
-            </a:r>
-            <a:r>
-              <a:rPr lang="en-US" dirty="0" smtClean="0"/>
-              <a:t>?</a:t>
-            </a:r>
-          </a:p>
-          <a:p>
+            <a:pPr marL="285750" indent="-285750">
+              <a:buFont typeface="Arial" panose="020B0604020202020204" pitchFamily="34" charset="0"/>
+              <a:buChar char="•"/>
+            </a:pPr>
+            <a:r>
+              <a:rPr lang="zh-CN" altLang="en-US" dirty="0"/>
+              <a:t>卷积神经网络由一个或多个</a:t>
+            </a:r>
+            <a:r>
+              <a:rPr lang="zh-CN" altLang="en-US" dirty="0">
+                <a:solidFill>
+                  <a:schemeClr val="accent2"/>
+                </a:solidFill>
+              </a:rPr>
+              <a:t>卷积层</a:t>
+            </a:r>
+            <a:r>
+              <a:rPr lang="zh-CN" altLang="en-US" dirty="0"/>
+              <a:t>和顶端的</a:t>
+            </a:r>
+            <a:r>
+              <a:rPr lang="zh-CN" altLang="en-US" dirty="0">
+                <a:solidFill>
+                  <a:schemeClr val="accent2"/>
+                </a:solidFill>
+              </a:rPr>
+              <a:t>全连通层</a:t>
+            </a:r>
+            <a:r>
+              <a:rPr lang="zh-CN" altLang="en-US" dirty="0"/>
+              <a:t>（对应经典的神经网络）组成，同时也包括关联权重和池化层（</a:t>
+            </a:r>
+            <a:r>
+              <a:rPr lang="en-US" altLang="zh-CN" dirty="0"/>
+              <a:t>pooling layer</a:t>
+            </a:r>
+            <a:r>
+              <a:rPr lang="zh-CN" altLang="en-US" dirty="0"/>
+              <a:t>）。这一结构使得</a:t>
+            </a:r>
+            <a:r>
+              <a:rPr lang="zh-CN" altLang="en-US" dirty="0">
+                <a:solidFill>
+                  <a:schemeClr val="accent2"/>
+                </a:solidFill>
+              </a:rPr>
+              <a:t>卷积神经网络能够利用输入数据的二维结构</a:t>
+            </a:r>
+            <a:r>
+              <a:rPr lang="zh-CN" altLang="en-US" dirty="0"/>
+              <a:t>。</a:t>
+            </a:r>
+            <a:endParaRPr lang="en-US" altLang="zh-CN" dirty="0"/>
+          </a:p>
+          <a:p>
+            <a:pPr marL="285750" indent="-285750">
+              <a:buFont typeface="Arial" panose="020B0604020202020204" pitchFamily="34" charset="0"/>
+              <a:buChar char="•"/>
+            </a:pPr>
+            <a:r>
+              <a:rPr lang="zh-CN" altLang="en-US" dirty="0"/>
+              <a:t>与其他深度学习结构相比，卷积神经网络在</a:t>
+            </a:r>
+            <a:r>
+              <a:rPr lang="zh-CN" altLang="en-US" dirty="0">
+                <a:solidFill>
+                  <a:schemeClr val="accent2"/>
+                </a:solidFill>
+              </a:rPr>
+              <a:t>图像和语音识别</a:t>
+            </a:r>
+            <a:r>
+              <a:rPr lang="zh-CN" altLang="en-US" dirty="0"/>
+              <a:t>方面能够给出更好的结果</a:t>
+            </a:r>
             <a:endParaRPr lang="en-US" dirty="0"/>
           </a:p>
         </p:txBody>
@@ -12061,13 +11876,6 @@
   <p:clrMapOvr>
     <a:masterClrMapping/>
   </p:clrMapOvr>
-  <p:timing>
-    <p:tnLst>
-      <p:par>
-        <p:cTn id="1" dur="indefinite" restart="never" nodeType="tmRoot"/>
-      </p:par>
-    </p:tnLst>
-  </p:timing>
 </p:sld>
 </file>
 
@@ -12112,10 +11920,1222 @@
           <a:p>
             <a:pPr algn="l"/>
             <a:r>
-              <a:rPr lang="en-US" altLang="zh-CN" sz="4000" dirty="0" err="1" smtClean="0"/>
+              <a:rPr lang="zh-CN" altLang="en-US" sz="4000" dirty="0"/>
+              <a:t>卷积神经网络</a:t>
+            </a:r>
+            <a:r>
+              <a:rPr lang="en-US" altLang="zh-CN" sz="4000" dirty="0"/>
+              <a:t>(Convolutional neural network)</a:t>
+            </a:r>
+            <a:endParaRPr lang="en-US" sz="4000" dirty="0"/>
+          </a:p>
+        </p:txBody>
+      </p:sp>
+      <p:sp>
+        <p:nvSpPr>
+          <p:cNvPr id="3" name="TextBox 2"/>
+          <p:cNvSpPr txBox="1"/>
+          <p:nvPr/>
+        </p:nvSpPr>
+        <p:spPr>
+          <a:xfrm>
+            <a:off x="883920" y="1602061"/>
+            <a:ext cx="8992811" cy="923330"/>
+          </a:xfrm>
+          <a:prstGeom prst="rect">
+            <a:avLst/>
+          </a:prstGeom>
+          <a:noFill/>
+        </p:spPr>
+        <p:txBody>
+          <a:bodyPr wrap="square" rtlCol="0">
+            <a:spAutoFit/>
+          </a:bodyPr>
+          <a:lstStyle/>
+          <a:p>
+            <a:pPr marL="285750" indent="-285750">
+              <a:buFont typeface="Arial" panose="020B0604020202020204" pitchFamily="34" charset="0"/>
+              <a:buChar char="•"/>
+            </a:pPr>
+            <a:r>
+              <a:rPr lang="zh-CN" altLang="en-US" dirty="0"/>
+              <a:t>卷积就是提取特征</a:t>
+            </a:r>
+            <a:endParaRPr lang="en-US" altLang="zh-CN" dirty="0"/>
+          </a:p>
+          <a:p>
+            <a:pPr marL="285750" indent="-285750">
+              <a:buFont typeface="Arial" panose="020B0604020202020204" pitchFamily="34" charset="0"/>
+              <a:buChar char="•"/>
+            </a:pPr>
+            <a:r>
+              <a:rPr lang="zh-CN" altLang="en-US" dirty="0"/>
+              <a:t>利用卷积核（滤波器，</a:t>
+            </a:r>
+            <a:r>
+              <a:rPr lang="en-US" altLang="zh-CN" dirty="0"/>
+              <a:t>convolution kernel</a:t>
+            </a:r>
+            <a:r>
+              <a:rPr lang="zh-CN" altLang="en-US" dirty="0"/>
+              <a:t>）用来提取特征</a:t>
+            </a:r>
+            <a:endParaRPr lang="en-US" altLang="zh-CN" dirty="0"/>
+          </a:p>
+          <a:p>
+            <a:pPr marL="285750" indent="-285750">
+              <a:buFont typeface="Arial" panose="020B0604020202020204" pitchFamily="34" charset="0"/>
+              <a:buChar char="•"/>
+            </a:pPr>
+            <a:r>
+              <a:rPr lang="zh-CN" altLang="en-US" dirty="0"/>
+              <a:t>图像和卷积核卷积，就可以得到特征值，就是</a:t>
+            </a:r>
+            <a:r>
+              <a:rPr lang="en-US" altLang="zh-CN" dirty="0"/>
+              <a:t>destination value</a:t>
+            </a:r>
+          </a:p>
+        </p:txBody>
+      </p:sp>
+      <p:pic>
+        <p:nvPicPr>
+          <p:cNvPr id="1026" name="Picture 2" descr="preview">
+            <a:extLst>
+              <a:ext uri="{FF2B5EF4-FFF2-40B4-BE49-F238E27FC236}">
+                <a16:creationId xmlns:a16="http://schemas.microsoft.com/office/drawing/2014/main" id="{DD3729C0-0EF5-45A8-9B0F-285346A1BEEE}"/>
+              </a:ext>
+            </a:extLst>
+          </p:cNvPr>
+          <p:cNvPicPr>
+            <a:picLocks noChangeAspect="1" noChangeArrowheads="1"/>
+          </p:cNvPicPr>
+          <p:nvPr/>
+        </p:nvPicPr>
+        <p:blipFill>
+          <a:blip r:embed="rId2">
+            <a:extLst>
+              <a:ext uri="{28A0092B-C50C-407E-A947-70E740481C1C}">
+                <a14:useLocalDpi xmlns:a14="http://schemas.microsoft.com/office/drawing/2010/main" val="0"/>
+              </a:ext>
+            </a:extLst>
+          </a:blip>
+          <a:srcRect/>
+          <a:stretch>
+            <a:fillRect/>
+          </a:stretch>
+        </p:blipFill>
+        <p:spPr bwMode="auto">
+          <a:xfrm>
+            <a:off x="1526739" y="2622652"/>
+            <a:ext cx="4334373" cy="3419916"/>
+          </a:xfrm>
+          <a:prstGeom prst="rect">
+            <a:avLst/>
+          </a:prstGeom>
+          <a:noFill/>
+          <a:extLst>
+            <a:ext uri="{909E8E84-426E-40DD-AFC4-6F175D3DCCD1}">
+              <a14:hiddenFill xmlns:a14="http://schemas.microsoft.com/office/drawing/2010/main">
+                <a:solidFill>
+                  <a:srgbClr val="FFFFFF"/>
+                </a:solidFill>
+              </a14:hiddenFill>
+            </a:ext>
+          </a:extLst>
+        </p:spPr>
+      </p:pic>
+      <p:sp>
+        <p:nvSpPr>
+          <p:cNvPr id="4" name="矩形 3">
+            <a:extLst>
+              <a:ext uri="{FF2B5EF4-FFF2-40B4-BE49-F238E27FC236}">
+                <a16:creationId xmlns:a16="http://schemas.microsoft.com/office/drawing/2014/main" id="{4EB3EEBC-E820-4437-A725-D66622084AFE}"/>
+              </a:ext>
+            </a:extLst>
+          </p:cNvPr>
+          <p:cNvSpPr/>
+          <p:nvPr/>
+        </p:nvSpPr>
+        <p:spPr>
+          <a:xfrm>
+            <a:off x="4243522" y="6274953"/>
+            <a:ext cx="3235181" cy="261610"/>
+          </a:xfrm>
+          <a:prstGeom prst="rect">
+            <a:avLst/>
+          </a:prstGeom>
+        </p:spPr>
+        <p:txBody>
+          <a:bodyPr wrap="none">
+            <a:spAutoFit/>
+          </a:bodyPr>
+          <a:lstStyle/>
+          <a:p>
+            <a:r>
+              <a:rPr lang="zh-CN" altLang="en-US" sz="1100" dirty="0"/>
+              <a:t>图片来源：</a:t>
+            </a:r>
+            <a:r>
+              <a:rPr lang="en-US" altLang="zh-CN" sz="1100" dirty="0">
+                <a:hlinkClick r:id="rId3"/>
+              </a:rPr>
+              <a:t>https://zhuanlan.zhihu.com/p/31657315</a:t>
+            </a:r>
+            <a:endParaRPr lang="zh-CN" altLang="en-US" sz="1100" dirty="0"/>
+          </a:p>
+        </p:txBody>
+      </p:sp>
+      <p:pic>
+        <p:nvPicPr>
+          <p:cNvPr id="1028" name="Picture 4">
+            <a:extLst>
+              <a:ext uri="{FF2B5EF4-FFF2-40B4-BE49-F238E27FC236}">
+                <a16:creationId xmlns:a16="http://schemas.microsoft.com/office/drawing/2014/main" id="{66454C4E-B245-4ED5-9A48-BE1879D75303}"/>
+              </a:ext>
+            </a:extLst>
+          </p:cNvPr>
+          <p:cNvPicPr>
+            <a:picLocks noChangeAspect="1" noChangeArrowheads="1"/>
+          </p:cNvPicPr>
+          <p:nvPr/>
+        </p:nvPicPr>
+        <p:blipFill>
+          <a:blip r:embed="rId4">
+            <a:extLst>
+              <a:ext uri="{28A0092B-C50C-407E-A947-70E740481C1C}">
+                <a14:useLocalDpi xmlns:a14="http://schemas.microsoft.com/office/drawing/2010/main" val="0"/>
+              </a:ext>
+            </a:extLst>
+          </a:blip>
+          <a:srcRect/>
+          <a:stretch>
+            <a:fillRect/>
+          </a:stretch>
+        </p:blipFill>
+        <p:spPr bwMode="auto">
+          <a:xfrm>
+            <a:off x="7478703" y="2724634"/>
+            <a:ext cx="3701377" cy="3215951"/>
+          </a:xfrm>
+          <a:prstGeom prst="rect">
+            <a:avLst/>
+          </a:prstGeom>
+          <a:noFill/>
+          <a:extLst>
+            <a:ext uri="{909E8E84-426E-40DD-AFC4-6F175D3DCCD1}">
+              <a14:hiddenFill xmlns:a14="http://schemas.microsoft.com/office/drawing/2010/main">
+                <a:solidFill>
+                  <a:srgbClr val="FFFFFF"/>
+                </a:solidFill>
+              </a14:hiddenFill>
+            </a:ext>
+          </a:extLst>
+        </p:spPr>
+      </p:pic>
+      <p:cxnSp>
+        <p:nvCxnSpPr>
+          <p:cNvPr id="6" name="直接箭头连接符 5">
+            <a:extLst>
+              <a:ext uri="{FF2B5EF4-FFF2-40B4-BE49-F238E27FC236}">
+                <a16:creationId xmlns:a16="http://schemas.microsoft.com/office/drawing/2014/main" id="{BD2068C9-1ADC-4688-BE91-E0CF173F5C27}"/>
+              </a:ext>
+            </a:extLst>
+          </p:cNvPr>
+          <p:cNvCxnSpPr>
+            <a:cxnSpLocks/>
+            <a:stCxn id="1026" idx="3"/>
+            <a:endCxn id="1028" idx="1"/>
+          </p:cNvCxnSpPr>
+          <p:nvPr/>
+        </p:nvCxnSpPr>
+        <p:spPr>
+          <a:xfrm>
+            <a:off x="5861112" y="4332610"/>
+            <a:ext cx="1617591" cy="0"/>
+          </a:xfrm>
+          <a:prstGeom prst="straightConnector1">
+            <a:avLst/>
+          </a:prstGeom>
+          <a:ln>
+            <a:tailEnd type="triangle"/>
+          </a:ln>
+        </p:spPr>
+        <p:style>
+          <a:lnRef idx="1">
+            <a:schemeClr val="accent1"/>
+          </a:lnRef>
+          <a:fillRef idx="0">
+            <a:schemeClr val="accent1"/>
+          </a:fillRef>
+          <a:effectRef idx="0">
+            <a:schemeClr val="accent1"/>
+          </a:effectRef>
+          <a:fontRef idx="minor">
+            <a:schemeClr val="tx1"/>
+          </a:fontRef>
+        </p:style>
+      </p:cxnSp>
+    </p:spTree>
+    <p:extLst>
+      <p:ext uri="{BB962C8B-B14F-4D97-AF65-F5344CB8AC3E}">
+        <p14:creationId xmlns:p14="http://schemas.microsoft.com/office/powerpoint/2010/main" val="257262176"/>
+      </p:ext>
+    </p:extLst>
+  </p:cSld>
+  <p:clrMapOvr>
+    <a:masterClrMapping/>
+  </p:clrMapOvr>
+</p:sld>
+</file>
+
+<file path=ppt/slides/slide19.xml><?xml version="1.0" encoding="utf-8"?>
+<p:sld xmlns:a="http://schemas.openxmlformats.org/drawingml/2006/main" xmlns:r="http://schemas.openxmlformats.org/officeDocument/2006/relationships" xmlns:p="http://schemas.openxmlformats.org/presentationml/2006/main">
+  <p:cSld>
+    <p:spTree>
+      <p:nvGrpSpPr>
+        <p:cNvPr id="1" name=""/>
+        <p:cNvGrpSpPr/>
+        <p:nvPr/>
+      </p:nvGrpSpPr>
+      <p:grpSpPr>
+        <a:xfrm>
+          <a:off x="0" y="0"/>
+          <a:ext cx="0" cy="0"/>
+          <a:chOff x="0" y="0"/>
+          <a:chExt cx="0" cy="0"/>
+        </a:xfrm>
+      </p:grpSpPr>
+      <p:sp>
+        <p:nvSpPr>
+          <p:cNvPr id="2" name="Title 1"/>
+          <p:cNvSpPr>
+            <a:spLocks noGrp="1"/>
+          </p:cNvSpPr>
+          <p:nvPr>
+            <p:ph type="ctrTitle"/>
+          </p:nvPr>
+        </p:nvSpPr>
+        <p:spPr>
+          <a:xfrm>
+            <a:off x="883920" y="436563"/>
+            <a:ext cx="10206446" cy="908911"/>
+          </a:xfrm>
+        </p:spPr>
+        <p:txBody>
+          <a:bodyPr>
+            <a:noAutofit/>
+          </a:bodyPr>
+          <a:lstStyle/>
+          <a:p>
+            <a:pPr algn="l"/>
+            <a:r>
+              <a:rPr lang="zh-CN" altLang="en-US" sz="4000" dirty="0"/>
+              <a:t>卷积神经网络</a:t>
+            </a:r>
+            <a:r>
+              <a:rPr lang="en-US" altLang="zh-CN" sz="4000" dirty="0"/>
+              <a:t>(Convolutional neural network)</a:t>
+            </a:r>
+            <a:endParaRPr lang="en-US" sz="4000" dirty="0"/>
+          </a:p>
+        </p:txBody>
+      </p:sp>
+      <p:sp>
+        <p:nvSpPr>
+          <p:cNvPr id="3" name="TextBox 2"/>
+          <p:cNvSpPr txBox="1"/>
+          <p:nvPr/>
+        </p:nvSpPr>
+        <p:spPr>
+          <a:xfrm>
+            <a:off x="883920" y="1602061"/>
+            <a:ext cx="8992811" cy="369332"/>
+          </a:xfrm>
+          <a:prstGeom prst="rect">
+            <a:avLst/>
+          </a:prstGeom>
+          <a:noFill/>
+        </p:spPr>
+        <p:txBody>
+          <a:bodyPr wrap="square" rtlCol="0">
+            <a:spAutoFit/>
+          </a:bodyPr>
+          <a:lstStyle/>
+          <a:p>
+            <a:pPr marL="285750" indent="-285750">
+              <a:buFont typeface="Arial" panose="020B0604020202020204" pitchFamily="34" charset="0"/>
+              <a:buChar char="•"/>
+            </a:pPr>
+            <a:r>
+              <a:rPr lang="zh-CN" altLang="en-US" dirty="0"/>
+              <a:t>通常，卷积有助于我们找到特定的局部图像特征（如边缘），用在后面的网络中。</a:t>
+            </a:r>
+            <a:endParaRPr lang="en-US" altLang="zh-CN" dirty="0"/>
+          </a:p>
+        </p:txBody>
+      </p:sp>
+      <p:sp>
+        <p:nvSpPr>
+          <p:cNvPr id="4" name="矩形 3">
+            <a:extLst>
+              <a:ext uri="{FF2B5EF4-FFF2-40B4-BE49-F238E27FC236}">
+                <a16:creationId xmlns:a16="http://schemas.microsoft.com/office/drawing/2014/main" id="{4EB3EEBC-E820-4437-A725-D66622084AFE}"/>
+              </a:ext>
+            </a:extLst>
+          </p:cNvPr>
+          <p:cNvSpPr/>
+          <p:nvPr/>
+        </p:nvSpPr>
+        <p:spPr>
+          <a:xfrm>
+            <a:off x="4195077" y="6290632"/>
+            <a:ext cx="3445174" cy="261610"/>
+          </a:xfrm>
+          <a:prstGeom prst="rect">
+            <a:avLst/>
+          </a:prstGeom>
+        </p:spPr>
+        <p:txBody>
+          <a:bodyPr wrap="none">
+            <a:spAutoFit/>
+          </a:bodyPr>
+          <a:lstStyle/>
+          <a:p>
+            <a:r>
+              <a:rPr lang="zh-CN" altLang="en-US" sz="1100" dirty="0"/>
+              <a:t>图片来源：</a:t>
+            </a:r>
+            <a:r>
+              <a:rPr lang="en-US" altLang="zh-CN" sz="1100" dirty="0">
+                <a:hlinkClick r:id="rId2"/>
+              </a:rPr>
+              <a:t>https://www.zhihu.com/question/49376084</a:t>
+            </a:r>
+            <a:endParaRPr lang="zh-CN" altLang="en-US" sz="1100" dirty="0"/>
+          </a:p>
+        </p:txBody>
+      </p:sp>
+      <p:pic>
+        <p:nvPicPr>
+          <p:cNvPr id="2050" name="Picture 2" descr="preview">
+            <a:extLst>
+              <a:ext uri="{FF2B5EF4-FFF2-40B4-BE49-F238E27FC236}">
+                <a16:creationId xmlns:a16="http://schemas.microsoft.com/office/drawing/2014/main" id="{D27DA2DC-CDAA-4ECC-BAEA-0F88B9AF11B2}"/>
+              </a:ext>
+            </a:extLst>
+          </p:cNvPr>
+          <p:cNvPicPr>
+            <a:picLocks noChangeAspect="1" noChangeArrowheads="1"/>
+          </p:cNvPicPr>
+          <p:nvPr/>
+        </p:nvPicPr>
+        <p:blipFill>
+          <a:blip r:embed="rId3">
+            <a:extLst>
+              <a:ext uri="{28A0092B-C50C-407E-A947-70E740481C1C}">
+                <a14:useLocalDpi xmlns:a14="http://schemas.microsoft.com/office/drawing/2010/main" val="0"/>
+              </a:ext>
+            </a:extLst>
+          </a:blip>
+          <a:srcRect/>
+          <a:stretch>
+            <a:fillRect/>
+          </a:stretch>
+        </p:blipFill>
+        <p:spPr bwMode="auto">
+          <a:xfrm>
+            <a:off x="1862106" y="2149256"/>
+            <a:ext cx="7620000" cy="3810000"/>
+          </a:xfrm>
+          <a:prstGeom prst="rect">
+            <a:avLst/>
+          </a:prstGeom>
+          <a:noFill/>
+          <a:extLst>
+            <a:ext uri="{909E8E84-426E-40DD-AFC4-6F175D3DCCD1}">
+              <a14:hiddenFill xmlns:a14="http://schemas.microsoft.com/office/drawing/2010/main">
+                <a:solidFill>
+                  <a:srgbClr val="FFFFFF"/>
+                </a:solidFill>
+              </a14:hiddenFill>
+            </a:ext>
+          </a:extLst>
+        </p:spPr>
+      </p:pic>
+    </p:spTree>
+    <p:extLst>
+      <p:ext uri="{BB962C8B-B14F-4D97-AF65-F5344CB8AC3E}">
+        <p14:creationId xmlns:p14="http://schemas.microsoft.com/office/powerpoint/2010/main" val="2512180612"/>
+      </p:ext>
+    </p:extLst>
+  </p:cSld>
+  <p:clrMapOvr>
+    <a:masterClrMapping/>
+  </p:clrMapOvr>
+</p:sld>
+</file>
+
+<file path=ppt/slides/slide2.xml><?xml version="1.0" encoding="utf-8"?>
+<p:sld xmlns:a="http://schemas.openxmlformats.org/drawingml/2006/main" xmlns:r="http://schemas.openxmlformats.org/officeDocument/2006/relationships" xmlns:p="http://schemas.openxmlformats.org/presentationml/2006/main">
+  <p:cSld>
+    <p:spTree>
+      <p:nvGrpSpPr>
+        <p:cNvPr id="1" name=""/>
+        <p:cNvGrpSpPr/>
+        <p:nvPr/>
+      </p:nvGrpSpPr>
+      <p:grpSpPr>
+        <a:xfrm>
+          <a:off x="0" y="0"/>
+          <a:ext cx="0" cy="0"/>
+          <a:chOff x="0" y="0"/>
+          <a:chExt cx="0" cy="0"/>
+        </a:xfrm>
+      </p:grpSpPr>
+      <p:sp>
+        <p:nvSpPr>
+          <p:cNvPr id="2" name="Title 1"/>
+          <p:cNvSpPr>
+            <a:spLocks noGrp="1"/>
+          </p:cNvSpPr>
+          <p:nvPr>
+            <p:ph type="ctrTitle"/>
+          </p:nvPr>
+        </p:nvSpPr>
+        <p:spPr>
+          <a:xfrm>
+            <a:off x="883920" y="436563"/>
+            <a:ext cx="5288280" cy="954631"/>
+          </a:xfrm>
+        </p:spPr>
+        <p:txBody>
+          <a:bodyPr/>
+          <a:lstStyle/>
+          <a:p>
+            <a:pPr algn="l"/>
+            <a:r>
+              <a:rPr lang="zh-CN" altLang="en-US" dirty="0"/>
+              <a:t>大纲</a:t>
+            </a:r>
+            <a:endParaRPr lang="en-US" dirty="0"/>
+          </a:p>
+        </p:txBody>
+      </p:sp>
+      <p:sp>
+        <p:nvSpPr>
+          <p:cNvPr id="3" name="Subtitle 2"/>
+          <p:cNvSpPr>
+            <a:spLocks noGrp="1"/>
+          </p:cNvSpPr>
+          <p:nvPr>
+            <p:ph type="subTitle" idx="1"/>
+          </p:nvPr>
+        </p:nvSpPr>
+        <p:spPr>
+          <a:xfrm>
+            <a:off x="707571" y="1629547"/>
+            <a:ext cx="9144000" cy="3275556"/>
+          </a:xfrm>
+        </p:spPr>
+        <p:txBody>
+          <a:bodyPr/>
+          <a:lstStyle/>
+          <a:p>
+            <a:pPr marL="342900" indent="-342900" algn="l">
+              <a:buFont typeface="Arial" panose="020B0604020202020204" pitchFamily="34" charset="0"/>
+              <a:buChar char="•"/>
+            </a:pPr>
+            <a:r>
+              <a:rPr lang="zh-CN" altLang="en-US" dirty="0"/>
+              <a:t>什么是人工智能？</a:t>
+            </a:r>
+            <a:endParaRPr lang="en-US" altLang="zh-CN" dirty="0"/>
+          </a:p>
+          <a:p>
+            <a:pPr marL="342900" indent="-342900" algn="l">
+              <a:buFont typeface="Arial" panose="020B0604020202020204" pitchFamily="34" charset="0"/>
+              <a:buChar char="•"/>
+            </a:pPr>
+            <a:r>
+              <a:rPr lang="en-US" dirty="0"/>
+              <a:t>AI</a:t>
+            </a:r>
+            <a:r>
+              <a:rPr lang="zh-CN" altLang="en-US" dirty="0"/>
+              <a:t>历史</a:t>
+            </a:r>
+            <a:endParaRPr lang="en-US" dirty="0"/>
+          </a:p>
+          <a:p>
+            <a:pPr marL="342900" indent="-342900" algn="l">
+              <a:buFont typeface="Arial" panose="020B0604020202020204" pitchFamily="34" charset="0"/>
+              <a:buChar char="•"/>
+            </a:pPr>
+            <a:r>
+              <a:rPr lang="zh-CN" altLang="en-US" dirty="0"/>
+              <a:t>神经网络</a:t>
+            </a:r>
+            <a:endParaRPr lang="en-US" dirty="0"/>
+          </a:p>
+          <a:p>
+            <a:pPr marL="342900" indent="-342900" algn="l">
+              <a:buFont typeface="Arial" panose="020B0604020202020204" pitchFamily="34" charset="0"/>
+              <a:buChar char="•"/>
+            </a:pPr>
+            <a:endParaRPr lang="en-US" dirty="0"/>
+          </a:p>
+          <a:p>
+            <a:pPr marL="342900" indent="-342900" algn="l">
+              <a:buFont typeface="Arial" panose="020B0604020202020204" pitchFamily="34" charset="0"/>
+              <a:buChar char="•"/>
+            </a:pPr>
+            <a:endParaRPr lang="en-US" dirty="0"/>
+          </a:p>
+        </p:txBody>
+      </p:sp>
+    </p:spTree>
+    <p:extLst>
+      <p:ext uri="{BB962C8B-B14F-4D97-AF65-F5344CB8AC3E}">
+        <p14:creationId xmlns:p14="http://schemas.microsoft.com/office/powerpoint/2010/main" val="368026361"/>
+      </p:ext>
+    </p:extLst>
+  </p:cSld>
+  <p:clrMapOvr>
+    <a:masterClrMapping/>
+  </p:clrMapOvr>
+</p:sld>
+</file>
+
+<file path=ppt/slides/slide20.xml><?xml version="1.0" encoding="utf-8"?>
+<p:sld xmlns:a="http://schemas.openxmlformats.org/drawingml/2006/main" xmlns:r="http://schemas.openxmlformats.org/officeDocument/2006/relationships" xmlns:p="http://schemas.openxmlformats.org/presentationml/2006/main">
+  <p:cSld>
+    <p:spTree>
+      <p:nvGrpSpPr>
+        <p:cNvPr id="1" name=""/>
+        <p:cNvGrpSpPr/>
+        <p:nvPr/>
+      </p:nvGrpSpPr>
+      <p:grpSpPr>
+        <a:xfrm>
+          <a:off x="0" y="0"/>
+          <a:ext cx="0" cy="0"/>
+          <a:chOff x="0" y="0"/>
+          <a:chExt cx="0" cy="0"/>
+        </a:xfrm>
+      </p:grpSpPr>
+      <p:sp>
+        <p:nvSpPr>
+          <p:cNvPr id="2" name="Title 1"/>
+          <p:cNvSpPr>
+            <a:spLocks noGrp="1"/>
+          </p:cNvSpPr>
+          <p:nvPr>
+            <p:ph type="ctrTitle"/>
+          </p:nvPr>
+        </p:nvSpPr>
+        <p:spPr>
+          <a:xfrm>
+            <a:off x="883920" y="436563"/>
+            <a:ext cx="10206446" cy="908911"/>
+          </a:xfrm>
+        </p:spPr>
+        <p:txBody>
+          <a:bodyPr>
+            <a:noAutofit/>
+          </a:bodyPr>
+          <a:lstStyle/>
+          <a:p>
+            <a:pPr algn="l"/>
+            <a:r>
+              <a:rPr lang="zh-CN" altLang="en-US" sz="4000" dirty="0"/>
+              <a:t>卷积神经网络</a:t>
+            </a:r>
+            <a:r>
+              <a:rPr lang="en-US" altLang="zh-CN" sz="4000" dirty="0"/>
+              <a:t>(Convolutional neural network)</a:t>
+            </a:r>
+            <a:endParaRPr lang="en-US" sz="4000" dirty="0"/>
+          </a:p>
+        </p:txBody>
+      </p:sp>
+      <p:sp>
+        <p:nvSpPr>
+          <p:cNvPr id="5" name="文本框 4">
+            <a:extLst>
+              <a:ext uri="{FF2B5EF4-FFF2-40B4-BE49-F238E27FC236}">
+                <a16:creationId xmlns:a16="http://schemas.microsoft.com/office/drawing/2014/main" id="{18A59D9B-985F-4F68-9137-5A66ED18A3FC}"/>
+              </a:ext>
+            </a:extLst>
+          </p:cNvPr>
+          <p:cNvSpPr txBox="1"/>
+          <p:nvPr/>
+        </p:nvSpPr>
+        <p:spPr>
+          <a:xfrm>
+            <a:off x="999179" y="1592631"/>
+            <a:ext cx="8950220" cy="2862322"/>
+          </a:xfrm>
+          <a:prstGeom prst="rect">
+            <a:avLst/>
+          </a:prstGeom>
+          <a:noFill/>
+        </p:spPr>
+        <p:txBody>
+          <a:bodyPr wrap="square" rtlCol="0">
+            <a:spAutoFit/>
+          </a:bodyPr>
+          <a:lstStyle/>
+          <a:p>
+            <a:r>
+              <a:rPr lang="zh-CN" altLang="en-US" dirty="0"/>
+              <a:t>池化：</a:t>
+            </a:r>
+            <a:endParaRPr lang="en-US" altLang="zh-CN" dirty="0"/>
+          </a:p>
+          <a:p>
+            <a:pPr marL="285750" indent="-285750">
+              <a:buFont typeface="Arial" panose="020B0604020202020204" pitchFamily="34" charset="0"/>
+              <a:buChar char="•"/>
+            </a:pPr>
+            <a:r>
+              <a:rPr lang="zh-CN" altLang="en-US" dirty="0"/>
+              <a:t>图像中的相邻像素倾向于具有相似的值，这意味着，</a:t>
+            </a:r>
+            <a:r>
+              <a:rPr lang="zh-CN" altLang="en-US" dirty="0">
+                <a:solidFill>
+                  <a:schemeClr val="accent2"/>
+                </a:solidFill>
+              </a:rPr>
+              <a:t>卷积层输出中包含的大部分信息都是冗余的</a:t>
+            </a:r>
+            <a:r>
+              <a:rPr lang="zh-CN" altLang="en-US" dirty="0"/>
+              <a:t>。</a:t>
+            </a:r>
+          </a:p>
+          <a:p>
+            <a:pPr marL="285750" indent="-285750">
+              <a:buFont typeface="Arial" panose="020B0604020202020204" pitchFamily="34" charset="0"/>
+              <a:buChar char="•"/>
+            </a:pPr>
+            <a:r>
+              <a:rPr lang="zh-CN" altLang="en-US" dirty="0"/>
+              <a:t>如果我们使用边缘检测滤波器并在某个位置找到强边缘，那么我们也可能会在距离这个像素</a:t>
+            </a:r>
+            <a:r>
+              <a:rPr lang="en-US" altLang="zh-CN" dirty="0"/>
+              <a:t>1</a:t>
+            </a:r>
+            <a:r>
+              <a:rPr lang="zh-CN" altLang="en-US" dirty="0"/>
+              <a:t>个偏移的位置找到相对较强的边缘。但是它们都一样是边缘，我们并没有找到任何新东西。</a:t>
+            </a:r>
+          </a:p>
+          <a:p>
+            <a:pPr marL="285750" indent="-285750">
+              <a:buFont typeface="Arial" panose="020B0604020202020204" pitchFamily="34" charset="0"/>
+              <a:buChar char="•"/>
+            </a:pPr>
+            <a:r>
+              <a:rPr lang="zh-CN" altLang="en-US" dirty="0"/>
+              <a:t>池化层解决了这个问题。这个网络层所做的就是</a:t>
+            </a:r>
+            <a:r>
+              <a:rPr lang="zh-CN" altLang="en-US" dirty="0">
+                <a:solidFill>
+                  <a:schemeClr val="accent2"/>
+                </a:solidFill>
+              </a:rPr>
+              <a:t>通过减小输入的大小降低输出值的数量</a:t>
+            </a:r>
+            <a:r>
+              <a:rPr lang="zh-CN" altLang="en-US" dirty="0"/>
+              <a:t>。</a:t>
+            </a:r>
+          </a:p>
+          <a:p>
+            <a:pPr marL="285750" indent="-285750">
+              <a:buFont typeface="Arial" panose="020B0604020202020204" pitchFamily="34" charset="0"/>
+              <a:buChar char="•"/>
+            </a:pPr>
+            <a:r>
+              <a:rPr lang="zh-CN" altLang="en-US" dirty="0"/>
+              <a:t>池化</a:t>
+            </a:r>
+            <a:r>
+              <a:rPr lang="zh-CN" altLang="en-US" dirty="0">
+                <a:solidFill>
+                  <a:schemeClr val="accent2"/>
+                </a:solidFill>
+              </a:rPr>
+              <a:t>一般通过简单的最大值、最小值或平均值操作完成</a:t>
+            </a:r>
+            <a:r>
+              <a:rPr lang="zh-CN" altLang="en-US" dirty="0"/>
+              <a:t>。</a:t>
+            </a:r>
+            <a:br>
+              <a:rPr lang="en-US" altLang="zh-CN" dirty="0"/>
+            </a:br>
+            <a:endParaRPr lang="zh-CN" altLang="en-US" dirty="0"/>
+          </a:p>
+        </p:txBody>
+      </p:sp>
+    </p:spTree>
+    <p:extLst>
+      <p:ext uri="{BB962C8B-B14F-4D97-AF65-F5344CB8AC3E}">
+        <p14:creationId xmlns:p14="http://schemas.microsoft.com/office/powerpoint/2010/main" val="1565827316"/>
+      </p:ext>
+    </p:extLst>
+  </p:cSld>
+  <p:clrMapOvr>
+    <a:masterClrMapping/>
+  </p:clrMapOvr>
+</p:sld>
+</file>
+
+<file path=ppt/slides/slide21.xml><?xml version="1.0" encoding="utf-8"?>
+<p:sld xmlns:a="http://schemas.openxmlformats.org/drawingml/2006/main" xmlns:r="http://schemas.openxmlformats.org/officeDocument/2006/relationships" xmlns:p="http://schemas.openxmlformats.org/presentationml/2006/main">
+  <p:cSld>
+    <p:spTree>
+      <p:nvGrpSpPr>
+        <p:cNvPr id="1" name=""/>
+        <p:cNvGrpSpPr/>
+        <p:nvPr/>
+      </p:nvGrpSpPr>
+      <p:grpSpPr>
+        <a:xfrm>
+          <a:off x="0" y="0"/>
+          <a:ext cx="0" cy="0"/>
+          <a:chOff x="0" y="0"/>
+          <a:chExt cx="0" cy="0"/>
+        </a:xfrm>
+      </p:grpSpPr>
+      <p:sp>
+        <p:nvSpPr>
+          <p:cNvPr id="2" name="Title 1"/>
+          <p:cNvSpPr>
+            <a:spLocks noGrp="1"/>
+          </p:cNvSpPr>
+          <p:nvPr>
+            <p:ph type="ctrTitle"/>
+          </p:nvPr>
+        </p:nvSpPr>
+        <p:spPr>
+          <a:xfrm>
+            <a:off x="883920" y="436563"/>
+            <a:ext cx="10206446" cy="908911"/>
+          </a:xfrm>
+        </p:spPr>
+        <p:txBody>
+          <a:bodyPr>
+            <a:noAutofit/>
+          </a:bodyPr>
+          <a:lstStyle/>
+          <a:p>
+            <a:pPr algn="l"/>
+            <a:r>
+              <a:rPr lang="zh-CN" altLang="en-US" sz="4000" dirty="0"/>
+              <a:t>卷积神经网络</a:t>
+            </a:r>
+            <a:r>
+              <a:rPr lang="en-US" altLang="zh-CN" sz="4000" dirty="0"/>
+              <a:t>(Convolutional neural network)</a:t>
+            </a:r>
+            <a:endParaRPr lang="en-US" sz="4000" dirty="0"/>
+          </a:p>
+        </p:txBody>
+      </p:sp>
+      <p:sp>
+        <p:nvSpPr>
+          <p:cNvPr id="4" name="矩形 3">
+            <a:extLst>
+              <a:ext uri="{FF2B5EF4-FFF2-40B4-BE49-F238E27FC236}">
+                <a16:creationId xmlns:a16="http://schemas.microsoft.com/office/drawing/2014/main" id="{4EB3EEBC-E820-4437-A725-D66622084AFE}"/>
+              </a:ext>
+            </a:extLst>
+          </p:cNvPr>
+          <p:cNvSpPr/>
+          <p:nvPr/>
+        </p:nvSpPr>
+        <p:spPr>
+          <a:xfrm>
+            <a:off x="4176910" y="6159827"/>
+            <a:ext cx="3445174" cy="261610"/>
+          </a:xfrm>
+          <a:prstGeom prst="rect">
+            <a:avLst/>
+          </a:prstGeom>
+        </p:spPr>
+        <p:txBody>
+          <a:bodyPr wrap="none">
+            <a:spAutoFit/>
+          </a:bodyPr>
+          <a:lstStyle/>
+          <a:p>
+            <a:r>
+              <a:rPr lang="zh-CN" altLang="en-US" sz="1100" dirty="0"/>
+              <a:t>图片来源：</a:t>
+            </a:r>
+            <a:r>
+              <a:rPr lang="en-US" altLang="zh-CN" sz="1100" dirty="0">
+                <a:hlinkClick r:id="rId2"/>
+              </a:rPr>
+              <a:t>https://www.zhihu.com/question/49376084</a:t>
+            </a:r>
+            <a:endParaRPr lang="zh-CN" altLang="en-US" sz="1100" dirty="0"/>
+          </a:p>
+        </p:txBody>
+      </p:sp>
+      <p:sp>
+        <p:nvSpPr>
+          <p:cNvPr id="5" name="文本框 4">
+            <a:extLst>
+              <a:ext uri="{FF2B5EF4-FFF2-40B4-BE49-F238E27FC236}">
+                <a16:creationId xmlns:a16="http://schemas.microsoft.com/office/drawing/2014/main" id="{18A59D9B-985F-4F68-9137-5A66ED18A3FC}"/>
+              </a:ext>
+            </a:extLst>
+          </p:cNvPr>
+          <p:cNvSpPr txBox="1"/>
+          <p:nvPr/>
+        </p:nvSpPr>
+        <p:spPr>
+          <a:xfrm>
+            <a:off x="999179" y="1592631"/>
+            <a:ext cx="8950220" cy="369332"/>
+          </a:xfrm>
+          <a:prstGeom prst="rect">
+            <a:avLst/>
+          </a:prstGeom>
+          <a:noFill/>
+        </p:spPr>
+        <p:txBody>
+          <a:bodyPr wrap="square" rtlCol="0">
+            <a:spAutoFit/>
+          </a:bodyPr>
+          <a:lstStyle/>
+          <a:p>
+            <a:r>
+              <a:rPr lang="zh-CN" altLang="en-US" dirty="0"/>
+              <a:t>以下是池大小为</a:t>
+            </a:r>
+            <a:r>
+              <a:rPr lang="en-US" altLang="zh-CN" dirty="0"/>
+              <a:t>2</a:t>
+            </a:r>
+            <a:r>
+              <a:rPr lang="zh-CN" altLang="en-US" dirty="0"/>
+              <a:t>的最大池层</a:t>
+            </a:r>
+            <a:r>
+              <a:rPr lang="en-US" altLang="zh-CN" dirty="0"/>
+              <a:t>(max-pooling)</a:t>
+            </a:r>
+            <a:r>
+              <a:rPr lang="zh-CN" altLang="en-US" dirty="0"/>
+              <a:t>的示例</a:t>
+            </a:r>
+            <a:r>
+              <a:rPr lang="en-US" altLang="zh-CN" dirty="0"/>
+              <a:t>:</a:t>
+            </a:r>
+            <a:endParaRPr lang="zh-CN" altLang="en-US" dirty="0"/>
+          </a:p>
+        </p:txBody>
+      </p:sp>
+      <p:pic>
+        <p:nvPicPr>
+          <p:cNvPr id="10" name="图片 9">
+            <a:extLst>
+              <a:ext uri="{FF2B5EF4-FFF2-40B4-BE49-F238E27FC236}">
+                <a16:creationId xmlns:a16="http://schemas.microsoft.com/office/drawing/2014/main" id="{1DFAAF51-C5CD-4328-9117-C2B8BB78C285}"/>
+              </a:ext>
+            </a:extLst>
+          </p:cNvPr>
+          <p:cNvPicPr>
+            <a:picLocks noChangeAspect="1"/>
+          </p:cNvPicPr>
+          <p:nvPr/>
+        </p:nvPicPr>
+        <p:blipFill>
+          <a:blip r:embed="rId3">
+            <a:extLst>
+              <a:ext uri="{28A0092B-C50C-407E-A947-70E740481C1C}">
+                <a14:useLocalDpi xmlns:a14="http://schemas.microsoft.com/office/drawing/2010/main" val="0"/>
+              </a:ext>
+            </a:extLst>
+          </a:blip>
+          <a:stretch>
+            <a:fillRect/>
+          </a:stretch>
+        </p:blipFill>
+        <p:spPr>
+          <a:xfrm>
+            <a:off x="2509553" y="2301140"/>
+            <a:ext cx="6349894" cy="3386610"/>
+          </a:xfrm>
+          <a:prstGeom prst="rect">
+            <a:avLst/>
+          </a:prstGeom>
+        </p:spPr>
+      </p:pic>
+    </p:spTree>
+    <p:extLst>
+      <p:ext uri="{BB962C8B-B14F-4D97-AF65-F5344CB8AC3E}">
+        <p14:creationId xmlns:p14="http://schemas.microsoft.com/office/powerpoint/2010/main" val="3930015166"/>
+      </p:ext>
+    </p:extLst>
+  </p:cSld>
+  <p:clrMapOvr>
+    <a:masterClrMapping/>
+  </p:clrMapOvr>
+</p:sld>
+</file>
+
+<file path=ppt/slides/slide22.xml><?xml version="1.0" encoding="utf-8"?>
+<p:sld xmlns:a="http://schemas.openxmlformats.org/drawingml/2006/main" xmlns:r="http://schemas.openxmlformats.org/officeDocument/2006/relationships" xmlns:p="http://schemas.openxmlformats.org/presentationml/2006/main">
+  <p:cSld>
+    <p:spTree>
+      <p:nvGrpSpPr>
+        <p:cNvPr id="1" name=""/>
+        <p:cNvGrpSpPr/>
+        <p:nvPr/>
+      </p:nvGrpSpPr>
+      <p:grpSpPr>
+        <a:xfrm>
+          <a:off x="0" y="0"/>
+          <a:ext cx="0" cy="0"/>
+          <a:chOff x="0" y="0"/>
+          <a:chExt cx="0" cy="0"/>
+        </a:xfrm>
+      </p:grpSpPr>
+      <p:sp>
+        <p:nvSpPr>
+          <p:cNvPr id="2" name="Title 1"/>
+          <p:cNvSpPr>
+            <a:spLocks noGrp="1"/>
+          </p:cNvSpPr>
+          <p:nvPr>
+            <p:ph type="ctrTitle"/>
+          </p:nvPr>
+        </p:nvSpPr>
+        <p:spPr>
+          <a:xfrm>
+            <a:off x="883920" y="436563"/>
+            <a:ext cx="10206446" cy="908911"/>
+          </a:xfrm>
+        </p:spPr>
+        <p:txBody>
+          <a:bodyPr>
+            <a:noAutofit/>
+          </a:bodyPr>
+          <a:lstStyle/>
+          <a:p>
+            <a:pPr algn="l"/>
+            <a:r>
+              <a:rPr lang="en-US" altLang="zh-CN" sz="4000" dirty="0" err="1"/>
               <a:t>AlexNet</a:t>
             </a:r>
-            <a:endParaRPr lang="en-US" sz="4000" dirty="0" smtClean="0"/>
+            <a:endParaRPr lang="en-US" sz="4000" dirty="0"/>
+          </a:p>
+        </p:txBody>
+      </p:sp>
+      <p:sp>
+        <p:nvSpPr>
+          <p:cNvPr id="3" name="矩形 2">
+            <a:extLst>
+              <a:ext uri="{FF2B5EF4-FFF2-40B4-BE49-F238E27FC236}">
+                <a16:creationId xmlns:a16="http://schemas.microsoft.com/office/drawing/2014/main" id="{E5793439-AFC5-408B-97F3-968A1A9EE2AC}"/>
+              </a:ext>
+            </a:extLst>
+          </p:cNvPr>
+          <p:cNvSpPr/>
+          <p:nvPr/>
+        </p:nvSpPr>
+        <p:spPr>
+          <a:xfrm>
+            <a:off x="883919" y="1570044"/>
+            <a:ext cx="9097569" cy="1200329"/>
+          </a:xfrm>
+          <a:prstGeom prst="rect">
+            <a:avLst/>
+          </a:prstGeom>
+        </p:spPr>
+        <p:txBody>
+          <a:bodyPr wrap="square">
+            <a:spAutoFit/>
+          </a:bodyPr>
+          <a:lstStyle/>
+          <a:p>
+            <a:pPr marL="285750" indent="-285750">
+              <a:buFont typeface="Arial" panose="020B0604020202020204" pitchFamily="34" charset="0"/>
+              <a:buChar char="•"/>
+            </a:pPr>
+            <a:r>
+              <a:rPr lang="en-US" altLang="zh-CN" dirty="0" err="1">
+                <a:solidFill>
+                  <a:srgbClr val="1A1A1A"/>
+                </a:solidFill>
+                <a:latin typeface="-apple-system"/>
+              </a:rPr>
+              <a:t>AlexNet</a:t>
+            </a:r>
+            <a:r>
+              <a:rPr lang="zh-CN" altLang="en-US" dirty="0">
+                <a:solidFill>
+                  <a:srgbClr val="1A1A1A"/>
+                </a:solidFill>
+                <a:latin typeface="-apple-system"/>
+              </a:rPr>
+              <a:t>的前辈：</a:t>
+            </a:r>
+            <a:r>
+              <a:rPr lang="zh-CN" altLang="en-US" dirty="0"/>
+              <a:t>卷积神经网络的开山之作</a:t>
+            </a:r>
+            <a:r>
+              <a:rPr lang="en-US" altLang="zh-CN" b="1" dirty="0" err="1"/>
+              <a:t>LeNet</a:t>
+            </a:r>
+            <a:endParaRPr lang="en-US" altLang="zh-CN" dirty="0">
+              <a:solidFill>
+                <a:srgbClr val="1A1A1A"/>
+              </a:solidFill>
+              <a:latin typeface="-apple-system"/>
+            </a:endParaRPr>
+          </a:p>
+          <a:p>
+            <a:pPr marL="285750" indent="-285750">
+              <a:buFont typeface="Arial" panose="020B0604020202020204" pitchFamily="34" charset="0"/>
+              <a:buChar char="•"/>
+            </a:pPr>
+            <a:r>
+              <a:rPr lang="en-US" altLang="zh-CN" dirty="0">
+                <a:solidFill>
+                  <a:srgbClr val="1A1A1A"/>
+                </a:solidFill>
+                <a:latin typeface="-apple-system"/>
+              </a:rPr>
+              <a:t>2012</a:t>
+            </a:r>
+            <a:r>
+              <a:rPr lang="zh-CN" altLang="en-US" dirty="0">
+                <a:solidFill>
+                  <a:srgbClr val="1A1A1A"/>
+                </a:solidFill>
+                <a:latin typeface="-apple-system"/>
+              </a:rPr>
+              <a:t>年</a:t>
+            </a:r>
+            <a:r>
+              <a:rPr lang="en-US" altLang="zh-CN" dirty="0" err="1">
+                <a:solidFill>
+                  <a:srgbClr val="1A1A1A"/>
+                </a:solidFill>
+                <a:latin typeface="-apple-system"/>
+              </a:rPr>
+              <a:t>AlexNet</a:t>
+            </a:r>
+            <a:r>
+              <a:rPr lang="en-US" altLang="zh-CN" dirty="0">
+                <a:solidFill>
+                  <a:srgbClr val="1A1A1A"/>
+                </a:solidFill>
+                <a:latin typeface="-apple-system"/>
+              </a:rPr>
+              <a:t>(ImageNet Classification with Deep Convolutional Neural Networks)</a:t>
+            </a:r>
+            <a:r>
+              <a:rPr lang="zh-CN" altLang="en-US" dirty="0">
+                <a:solidFill>
+                  <a:srgbClr val="1A1A1A"/>
+                </a:solidFill>
+                <a:latin typeface="-apple-system"/>
+              </a:rPr>
+              <a:t>在</a:t>
+            </a:r>
+            <a:r>
+              <a:rPr lang="en-US" altLang="zh-CN" dirty="0">
+                <a:solidFill>
+                  <a:srgbClr val="1A1A1A"/>
+                </a:solidFill>
+                <a:latin typeface="-apple-system"/>
+              </a:rPr>
+              <a:t>ImageNet</a:t>
+            </a:r>
+            <a:r>
+              <a:rPr lang="zh-CN" altLang="en-US" dirty="0">
+                <a:solidFill>
+                  <a:srgbClr val="1A1A1A"/>
+                </a:solidFill>
+                <a:latin typeface="-apple-system"/>
+              </a:rPr>
+              <a:t>挑战赛一举夺魁，使得卷积神经网络再次引起人们的重视，并因此而一发不可收拾，卷积神经网络的研究如雨后春笋一般不断涌现，推陈出新。</a:t>
+            </a:r>
+            <a:endParaRPr lang="zh-CN" altLang="en-US" dirty="0"/>
+          </a:p>
+        </p:txBody>
+      </p:sp>
+    </p:spTree>
+    <p:extLst>
+      <p:ext uri="{BB962C8B-B14F-4D97-AF65-F5344CB8AC3E}">
+        <p14:creationId xmlns:p14="http://schemas.microsoft.com/office/powerpoint/2010/main" val="2079146924"/>
+      </p:ext>
+    </p:extLst>
+  </p:cSld>
+  <p:clrMapOvr>
+    <a:masterClrMapping/>
+  </p:clrMapOvr>
+</p:sld>
+</file>
+
+<file path=ppt/slides/slide23.xml><?xml version="1.0" encoding="utf-8"?>
+<p:sld xmlns:a="http://schemas.openxmlformats.org/drawingml/2006/main" xmlns:r="http://schemas.openxmlformats.org/officeDocument/2006/relationships" xmlns:p="http://schemas.openxmlformats.org/presentationml/2006/main">
+  <p:cSld>
+    <p:spTree>
+      <p:nvGrpSpPr>
+        <p:cNvPr id="1" name=""/>
+        <p:cNvGrpSpPr/>
+        <p:nvPr/>
+      </p:nvGrpSpPr>
+      <p:grpSpPr>
+        <a:xfrm>
+          <a:off x="0" y="0"/>
+          <a:ext cx="0" cy="0"/>
+          <a:chOff x="0" y="0"/>
+          <a:chExt cx="0" cy="0"/>
+        </a:xfrm>
+      </p:grpSpPr>
+      <p:sp>
+        <p:nvSpPr>
+          <p:cNvPr id="2" name="Title 1"/>
+          <p:cNvSpPr>
+            <a:spLocks noGrp="1"/>
+          </p:cNvSpPr>
+          <p:nvPr>
+            <p:ph type="ctrTitle"/>
+          </p:nvPr>
+        </p:nvSpPr>
+        <p:spPr>
+          <a:xfrm>
+            <a:off x="883920" y="436563"/>
+            <a:ext cx="10206446" cy="908911"/>
+          </a:xfrm>
+        </p:spPr>
+        <p:txBody>
+          <a:bodyPr>
+            <a:noAutofit/>
+          </a:bodyPr>
+          <a:lstStyle/>
+          <a:p>
+            <a:pPr algn="l"/>
+            <a:r>
+              <a:rPr lang="en-US" altLang="zh-CN" sz="4000" dirty="0" err="1"/>
+              <a:t>AlexNet</a:t>
+            </a:r>
+            <a:endParaRPr lang="en-US" sz="4000" dirty="0"/>
           </a:p>
         </p:txBody>
       </p:sp>
@@ -12187,7 +13207,7 @@
         <p:spPr>
           <a:xfrm>
             <a:off x="966651" y="5143302"/>
-            <a:ext cx="1338943" cy="365760"/>
+            <a:ext cx="1338943" cy="646331"/>
           </a:xfrm>
           <a:prstGeom prst="rect">
             <a:avLst/>
@@ -12202,27 +13222,22 @@
           <a:p>
             <a:r>
               <a:rPr lang="zh-CN" altLang="en-US" dirty="0"/>
-              <a:t>卷</a:t>
-            </a:r>
-            <a:r>
-              <a:rPr lang="zh-CN" altLang="en-US" dirty="0" smtClean="0"/>
-              <a:t>积</a:t>
-            </a:r>
-            <a:r>
-              <a:rPr lang="en-US" altLang="zh-CN" dirty="0" smtClean="0"/>
+              <a:t>卷积层</a:t>
+            </a:r>
+            <a:endParaRPr lang="en-US" altLang="zh-CN" dirty="0"/>
+          </a:p>
+          <a:p>
+            <a:r>
+              <a:rPr lang="en-US" altLang="zh-CN" dirty="0"/>
               <a:t>(</a:t>
             </a:r>
             <a:r>
-              <a:rPr lang="zh-CN" altLang="en-US" dirty="0" smtClean="0"/>
+              <a:rPr lang="zh-CN" altLang="en-US" dirty="0"/>
               <a:t>步长</a:t>
             </a:r>
             <a:r>
-              <a:rPr lang="en-US" altLang="zh-CN" dirty="0" smtClean="0"/>
-              <a:t>4</a:t>
-            </a:r>
-            <a:r>
               <a:rPr lang="en-US" altLang="zh-CN" dirty="0"/>
-              <a:t>)</a:t>
+              <a:t>4)</a:t>
             </a:r>
             <a:endParaRPr lang="en-US" dirty="0"/>
           </a:p>
@@ -12238,8 +13253,8 @@
         </p:nvCxnSpPr>
         <p:spPr>
           <a:xfrm flipV="1">
-            <a:off x="1636123" y="4585063"/>
-            <a:ext cx="101237" cy="558239"/>
+            <a:off x="1636123" y="4585064"/>
+            <a:ext cx="101237" cy="558238"/>
           </a:xfrm>
           <a:prstGeom prst="straightConnector1">
             <a:avLst/>
@@ -12271,8 +13286,8 @@
         </p:nvSpPr>
         <p:spPr>
           <a:xfrm>
-            <a:off x="2975066" y="5143302"/>
-            <a:ext cx="676003" cy="369332"/>
+            <a:off x="2799516" y="5141516"/>
+            <a:ext cx="930815" cy="369332"/>
           </a:xfrm>
           <a:prstGeom prst="rect">
             <a:avLst/>
@@ -12286,8 +13301,8 @@
           <a:lstStyle/>
           <a:p>
             <a:r>
-              <a:rPr lang="zh-CN" altLang="en-US" dirty="0" smtClean="0"/>
-              <a:t>池化</a:t>
+              <a:rPr lang="zh-CN" altLang="en-US" dirty="0"/>
+              <a:t>池化层</a:t>
             </a:r>
             <a:endParaRPr lang="en-US" dirty="0"/>
           </a:p>
@@ -12297,14 +13312,15 @@
         <p:nvCxnSpPr>
           <p:cNvPr id="10" name="Straight Arrow Connector 9"/>
           <p:cNvCxnSpPr>
+            <a:cxnSpLocks/>
             <a:stCxn id="8" idx="0"/>
           </p:cNvCxnSpPr>
           <p:nvPr/>
         </p:nvCxnSpPr>
         <p:spPr>
           <a:xfrm flipH="1" flipV="1">
-            <a:off x="2880362" y="4585064"/>
-            <a:ext cx="432706" cy="558238"/>
+            <a:off x="2704812" y="4583278"/>
+            <a:ext cx="560112" cy="558238"/>
           </a:xfrm>
           <a:prstGeom prst="straightConnector1">
             <a:avLst/>
@@ -12331,24 +13347,17 @@
     </p:spTree>
     <p:extLst>
       <p:ext uri="{BB962C8B-B14F-4D97-AF65-F5344CB8AC3E}">
-        <p14:creationId xmlns:p14="http://schemas.microsoft.com/office/powerpoint/2010/main" val="2079146924"/>
+        <p14:creationId xmlns:p14="http://schemas.microsoft.com/office/powerpoint/2010/main" val="2540093830"/>
       </p:ext>
     </p:extLst>
   </p:cSld>
   <p:clrMapOvr>
     <a:masterClrMapping/>
   </p:clrMapOvr>
-  <p:timing>
-    <p:tnLst>
-      <p:par>
-        <p:cTn id="1" dur="indefinite" restart="never" nodeType="tmRoot"/>
-      </p:par>
-    </p:tnLst>
-  </p:timing>
 </p:sld>
 </file>
 
-<file path=ppt/slides/slide19.xml><?xml version="1.0" encoding="utf-8"?>
+<file path=ppt/slides/slide24.xml><?xml version="1.0" encoding="utf-8"?>
 <p:sld xmlns:a="http://schemas.openxmlformats.org/drawingml/2006/main" xmlns:r="http://schemas.openxmlformats.org/officeDocument/2006/relationships" xmlns:p="http://schemas.openxmlformats.org/presentationml/2006/main">
   <p:cSld>
     <p:spTree>
@@ -12389,10 +13398,10 @@
           <a:p>
             <a:pPr algn="l"/>
             <a:r>
-              <a:rPr lang="en-US" altLang="zh-CN" sz="4000" dirty="0" err="1" smtClean="0"/>
+              <a:rPr lang="en-US" altLang="zh-CN" sz="4000" dirty="0" err="1"/>
               <a:t>AlexNet</a:t>
             </a:r>
-            <a:endParaRPr lang="en-US" sz="4000" dirty="0" smtClean="0"/>
+            <a:endParaRPr lang="en-US" sz="4000" dirty="0"/>
           </a:p>
         </p:txBody>
       </p:sp>
@@ -12419,10 +13428,9 @@
           <a:lstStyle/>
           <a:p>
             <a:r>
-              <a:rPr lang="en-US" dirty="0" smtClean="0"/>
+              <a:rPr lang="en-US" dirty="0"/>
               <a:t>Ref: </a:t>
             </a:r>
-            <a:endParaRPr lang="en-US" dirty="0" smtClean="0"/>
           </a:p>
           <a:p>
             <a:pPr marL="285750" indent="-285750">
@@ -12430,22 +13438,10 @@
               <a:buChar char="•"/>
             </a:pPr>
             <a:r>
-              <a:rPr lang="en-US" dirty="0" smtClean="0">
-                <a:hlinkClick r:id="rId2"/>
-              </a:rPr>
-              <a:t>https</a:t>
-            </a:r>
-            <a:r>
               <a:rPr lang="en-US" dirty="0">
                 <a:hlinkClick r:id="rId2"/>
               </a:rPr>
-              <a:t>://</a:t>
-            </a:r>
-            <a:r>
-              <a:rPr lang="en-US" dirty="0" smtClean="0">
-                <a:hlinkClick r:id="rId2"/>
-              </a:rPr>
-              <a:t>zhuanlan.zhihu.com/p/36281721</a:t>
+              <a:t>https://zhuanlan.zhihu.com/p/36281721</a:t>
             </a:r>
             <a:endParaRPr lang="en-US" dirty="0"/>
           </a:p>
@@ -12455,24 +13451,12 @@
               <a:buChar char="•"/>
             </a:pPr>
             <a:r>
-              <a:rPr lang="en-US" dirty="0" smtClean="0">
-                <a:hlinkClick r:id="rId3"/>
-              </a:rPr>
-              <a:t>https</a:t>
-            </a:r>
-            <a:r>
               <a:rPr lang="en-US" dirty="0">
                 <a:hlinkClick r:id="rId3"/>
               </a:rPr>
-              <a:t>://</a:t>
-            </a:r>
-            <a:r>
-              <a:rPr lang="en-US" dirty="0" smtClean="0">
-                <a:hlinkClick r:id="rId3"/>
-              </a:rPr>
-              <a:t>stats.stackexchange.com/questions/383727/whats-the-difference-between-a-dense-layer-and-an-output-layer-in-a-cnn</a:t>
-            </a:r>
-            <a:endParaRPr lang="en-US" dirty="0" smtClean="0"/>
+              <a:t>https://stats.stackexchange.com/questions/383727/whats-the-difference-between-a-dense-layer-and-an-output-layer-in-a-cnn</a:t>
+            </a:r>
+            <a:endParaRPr lang="en-US" dirty="0"/>
           </a:p>
           <a:p>
             <a:pPr marL="285750" indent="-285750">
@@ -12480,21 +13464,15 @@
               <a:buChar char="•"/>
             </a:pPr>
             <a:r>
-              <a:rPr lang="en-US" dirty="0" smtClean="0">
-                <a:hlinkClick r:id="rId4"/>
-              </a:rPr>
-              <a:t>https</a:t>
-            </a:r>
-            <a:r>
               <a:rPr lang="en-US" dirty="0">
                 <a:hlinkClick r:id="rId4"/>
               </a:rPr>
-              <a:t>://zhuanlan.zhihu.com/p/27222043</a:t>
+              <a:t>https://zhuanlan.zhihu.com/p/27222043</a:t>
             </a:r>
             <a:endParaRPr lang="en-US" dirty="0"/>
           </a:p>
           <a:p>
-            <a:endParaRPr lang="en-US" dirty="0" smtClean="0"/>
+            <a:endParaRPr lang="en-US" dirty="0"/>
           </a:p>
         </p:txBody>
       </p:sp>
@@ -12508,17 +13486,10 @@
   <p:clrMapOvr>
     <a:masterClrMapping/>
   </p:clrMapOvr>
-  <p:timing>
-    <p:tnLst>
-      <p:par>
-        <p:cTn id="1" dur="indefinite" restart="never" nodeType="tmRoot"/>
-      </p:par>
-    </p:tnLst>
-  </p:timing>
 </p:sld>
 </file>
 
-<file path=ppt/slides/slide2.xml><?xml version="1.0" encoding="utf-8"?>
+<file path=ppt/slides/slide25.xml><?xml version="1.0" encoding="utf-8"?>
 <p:sld xmlns:a="http://schemas.openxmlformats.org/drawingml/2006/main" xmlns:r="http://schemas.openxmlformats.org/officeDocument/2006/relationships" xmlns:p="http://schemas.openxmlformats.org/presentationml/2006/main">
   <p:cSld>
     <p:spTree>
@@ -12548,89 +13519,137 @@
         <p:spPr>
           <a:xfrm>
             <a:off x="883920" y="436563"/>
-            <a:ext cx="5288280" cy="954631"/>
-          </a:xfrm>
-        </p:spPr>
-        <p:txBody>
-          <a:bodyPr/>
+            <a:ext cx="10206446" cy="908911"/>
+          </a:xfrm>
+        </p:spPr>
+        <p:txBody>
+          <a:bodyPr>
+            <a:noAutofit/>
+          </a:bodyPr>
           <a:lstStyle/>
           <a:p>
             <a:pPr algn="l"/>
             <a:r>
-              <a:rPr lang="zh-CN" altLang="en-US" dirty="0" smtClean="0"/>
-              <a:t>大纲</a:t>
-            </a:r>
-            <a:endParaRPr lang="en-US" dirty="0"/>
-          </a:p>
-        </p:txBody>
-      </p:sp>
-      <p:sp>
-        <p:nvSpPr>
-          <p:cNvPr id="3" name="Subtitle 2"/>
-          <p:cNvSpPr>
-            <a:spLocks noGrp="1"/>
-          </p:cNvSpPr>
-          <p:nvPr>
-            <p:ph type="subTitle" idx="1"/>
-          </p:nvPr>
-        </p:nvSpPr>
-        <p:spPr>
-          <a:xfrm>
-            <a:off x="707571" y="1629547"/>
-            <a:ext cx="9144000" cy="3275556"/>
-          </a:xfrm>
-        </p:spPr>
-        <p:txBody>
-          <a:bodyPr/>
+              <a:rPr lang="zh-CN" altLang="en-US" sz="4000" dirty="0"/>
+              <a:t>激活函数</a:t>
+            </a:r>
+            <a:r>
+              <a:rPr lang="en-US" altLang="zh-CN" sz="4000" dirty="0"/>
+              <a:t>(activation function)</a:t>
+            </a:r>
+            <a:endParaRPr lang="en-US" sz="4000" dirty="0"/>
+          </a:p>
+        </p:txBody>
+      </p:sp>
+      <p:sp>
+        <p:nvSpPr>
+          <p:cNvPr id="3" name="TextBox 2"/>
+          <p:cNvSpPr txBox="1"/>
+          <p:nvPr/>
+        </p:nvSpPr>
+        <p:spPr>
+          <a:xfrm>
+            <a:off x="1045029" y="2749731"/>
+            <a:ext cx="5381897" cy="1477328"/>
+          </a:xfrm>
+          <a:prstGeom prst="rect">
+            <a:avLst/>
+          </a:prstGeom>
+          <a:noFill/>
+        </p:spPr>
+        <p:txBody>
+          <a:bodyPr wrap="square" rtlCol="0">
+            <a:spAutoFit/>
+          </a:bodyPr>
           <a:lstStyle/>
           <a:p>
-            <a:pPr marL="342900" indent="-342900" algn="l">
+            <a:pPr marL="285750" indent="-285750">
               <a:buFont typeface="Arial" panose="020B0604020202020204" pitchFamily="34" charset="0"/>
               <a:buChar char="•"/>
             </a:pPr>
             <a:r>
-              <a:rPr lang="zh-CN" altLang="en-US" dirty="0" smtClean="0"/>
-              <a:t>什么是人工智能？</a:t>
-            </a:r>
-            <a:endParaRPr lang="en-US" altLang="zh-CN" dirty="0" smtClean="0"/>
-          </a:p>
-          <a:p>
-            <a:pPr marL="342900" indent="-342900" algn="l">
+              <a:rPr lang="en-US" dirty="0" err="1"/>
+              <a:t>Relu</a:t>
+            </a:r>
+            <a:endParaRPr lang="en-US" dirty="0"/>
+          </a:p>
+          <a:p>
+            <a:pPr marL="285750" indent="-285750">
               <a:buFont typeface="Arial" panose="020B0604020202020204" pitchFamily="34" charset="0"/>
               <a:buChar char="•"/>
             </a:pPr>
             <a:r>
-              <a:rPr lang="en-US" dirty="0" smtClean="0"/>
-              <a:t>AI</a:t>
-            </a:r>
-            <a:r>
-              <a:rPr lang="zh-CN" altLang="en-US" dirty="0" smtClean="0"/>
-              <a:t>历史</a:t>
-            </a:r>
-            <a:endParaRPr lang="en-US" dirty="0" smtClean="0"/>
-          </a:p>
-          <a:p>
-            <a:pPr marL="342900" indent="-342900" algn="l">
+              <a:rPr lang="en-US" dirty="0" err="1"/>
+              <a:t>Softmax</a:t>
+            </a:r>
+            <a:endParaRPr lang="en-US" dirty="0"/>
+          </a:p>
+          <a:p>
+            <a:pPr marL="285750" indent="-285750">
               <a:buFont typeface="Arial" panose="020B0604020202020204" pitchFamily="34" charset="0"/>
               <a:buChar char="•"/>
             </a:pPr>
             <a:r>
-              <a:rPr lang="en-US" dirty="0" smtClean="0"/>
-              <a:t>What’s neural network?</a:t>
-            </a:r>
-          </a:p>
-          <a:p>
-            <a:pPr marL="342900" indent="-342900" algn="l">
+              <a:rPr lang="en-US" dirty="0" err="1"/>
+              <a:t>Lrn</a:t>
+            </a:r>
+            <a:endParaRPr lang="en-US" dirty="0"/>
+          </a:p>
+          <a:p>
+            <a:pPr marL="285750" indent="-285750">
               <a:buFont typeface="Arial" panose="020B0604020202020204" pitchFamily="34" charset="0"/>
               <a:buChar char="•"/>
             </a:pPr>
-            <a:endParaRPr lang="en-US" dirty="0" smtClean="0"/>
-          </a:p>
-          <a:p>
-            <a:pPr marL="342900" indent="-342900" algn="l">
+            <a:r>
+              <a:rPr lang="en-US" dirty="0"/>
+              <a:t>Sigmoid</a:t>
+            </a:r>
+          </a:p>
+          <a:p>
+            <a:pPr marL="285750" indent="-285750">
               <a:buFont typeface="Arial" panose="020B0604020202020204" pitchFamily="34" charset="0"/>
               <a:buChar char="•"/>
             </a:pPr>
+            <a:r>
+              <a:rPr lang="en-US" dirty="0" err="1"/>
+              <a:t>Tanh</a:t>
+            </a:r>
+            <a:endParaRPr lang="en-US" dirty="0"/>
+          </a:p>
+        </p:txBody>
+      </p:sp>
+      <p:sp>
+        <p:nvSpPr>
+          <p:cNvPr id="6" name="TextBox 5"/>
+          <p:cNvSpPr txBox="1"/>
+          <p:nvPr/>
+        </p:nvSpPr>
+        <p:spPr>
+          <a:xfrm>
+            <a:off x="1045029" y="4963885"/>
+            <a:ext cx="5556068" cy="369332"/>
+          </a:xfrm>
+          <a:prstGeom prst="rect">
+            <a:avLst/>
+          </a:prstGeom>
+          <a:noFill/>
+        </p:spPr>
+        <p:txBody>
+          <a:bodyPr wrap="square" rtlCol="0">
+            <a:spAutoFit/>
+          </a:bodyPr>
+          <a:lstStyle/>
+          <a:p>
+            <a:r>
+              <a:rPr lang="en-US" altLang="zh-CN" dirty="0"/>
+              <a:t>Ref: </a:t>
+            </a:r>
+            <a:r>
+              <a:rPr lang="en-US" dirty="0">
+                <a:hlinkClick r:id="rId2"/>
+              </a:rPr>
+              <a:t>https://en.wikipedia.org/wiki/Activation_function</a:t>
+            </a:r>
             <a:endParaRPr lang="en-US" dirty="0"/>
           </a:p>
         </p:txBody>
@@ -12638,24 +13657,17 @@
     </p:spTree>
     <p:extLst>
       <p:ext uri="{BB962C8B-B14F-4D97-AF65-F5344CB8AC3E}">
-        <p14:creationId xmlns:p14="http://schemas.microsoft.com/office/powerpoint/2010/main" val="368026361"/>
+        <p14:creationId xmlns:p14="http://schemas.microsoft.com/office/powerpoint/2010/main" val="2940046170"/>
       </p:ext>
     </p:extLst>
   </p:cSld>
   <p:clrMapOvr>
     <a:masterClrMapping/>
   </p:clrMapOvr>
-  <p:timing>
-    <p:tnLst>
-      <p:par>
-        <p:cTn id="1" dur="indefinite" restart="never" nodeType="tmRoot"/>
-      </p:par>
-    </p:tnLst>
-  </p:timing>
 </p:sld>
 </file>
 
-<file path=ppt/slides/slide20.xml><?xml version="1.0" encoding="utf-8"?>
+<file path=ppt/slides/slide26.xml><?xml version="1.0" encoding="utf-8"?>
 <p:sld xmlns:a="http://schemas.openxmlformats.org/drawingml/2006/main" xmlns:r="http://schemas.openxmlformats.org/officeDocument/2006/relationships" xmlns:p="http://schemas.openxmlformats.org/presentationml/2006/main">
   <p:cSld>
     <p:spTree>
@@ -12690,33 +13702,33 @@
         </p:spPr>
         <p:txBody>
           <a:bodyPr>
-            <a:noAutofit/>
+            <a:normAutofit fontScale="90000"/>
           </a:bodyPr>
           <a:lstStyle/>
           <a:p>
             <a:pPr algn="l"/>
             <a:r>
-              <a:rPr lang="zh-CN" altLang="en-US" sz="4000" dirty="0" smtClean="0"/>
-              <a:t>激活函数</a:t>
-            </a:r>
-            <a:r>
-              <a:rPr lang="en-US" altLang="zh-CN" sz="4000" dirty="0" smtClean="0"/>
-              <a:t>(activation function)</a:t>
-            </a:r>
-            <a:endParaRPr lang="en-US" sz="4000" dirty="0" smtClean="0"/>
-          </a:p>
-        </p:txBody>
-      </p:sp>
-      <p:sp>
-        <p:nvSpPr>
-          <p:cNvPr id="3" name="TextBox 2"/>
+              <a:rPr lang="zh-CN" altLang="en-US" dirty="0"/>
+              <a:t>神经网络</a:t>
+            </a:r>
+            <a:r>
+              <a:rPr lang="en-US" altLang="zh-CN" dirty="0"/>
+              <a:t>Video</a:t>
+            </a:r>
+            <a:endParaRPr lang="en-US" dirty="0"/>
+          </a:p>
+        </p:txBody>
+      </p:sp>
+      <p:sp>
+        <p:nvSpPr>
+          <p:cNvPr id="4" name="TextBox 3"/>
           <p:cNvSpPr txBox="1"/>
           <p:nvPr/>
         </p:nvSpPr>
         <p:spPr>
           <a:xfrm>
-            <a:off x="1045029" y="2749731"/>
-            <a:ext cx="5381897" cy="1477328"/>
+            <a:off x="883920" y="1652451"/>
+            <a:ext cx="9751423" cy="923330"/>
           </a:xfrm>
           <a:prstGeom prst="rect">
             <a:avLst/>
@@ -12729,93 +13741,18 @@
           </a:bodyPr>
           <a:lstStyle/>
           <a:p>
-            <a:pPr marL="285750" indent="-285750">
-              <a:buFont typeface="Arial" panose="020B0604020202020204" pitchFamily="34" charset="0"/>
-              <a:buChar char="•"/>
-            </a:pPr>
-            <a:r>
-              <a:rPr lang="en-US" dirty="0" err="1" smtClean="0"/>
-              <a:t>Relu</a:t>
-            </a:r>
-            <a:endParaRPr lang="en-US" dirty="0" smtClean="0"/>
-          </a:p>
-          <a:p>
-            <a:pPr marL="285750" indent="-285750">
-              <a:buFont typeface="Arial" panose="020B0604020202020204" pitchFamily="34" charset="0"/>
-              <a:buChar char="•"/>
-            </a:pPr>
-            <a:r>
-              <a:rPr lang="en-US" dirty="0" err="1" smtClean="0"/>
-              <a:t>Softmax</a:t>
-            </a:r>
-            <a:endParaRPr lang="en-US" dirty="0" smtClean="0"/>
-          </a:p>
-          <a:p>
-            <a:pPr marL="285750" indent="-285750">
-              <a:buFont typeface="Arial" panose="020B0604020202020204" pitchFamily="34" charset="0"/>
-              <a:buChar char="•"/>
-            </a:pPr>
-            <a:r>
-              <a:rPr lang="en-US" dirty="0" err="1" smtClean="0"/>
-              <a:t>Lrn</a:t>
-            </a:r>
-            <a:endParaRPr lang="en-US" dirty="0" smtClean="0"/>
-          </a:p>
-          <a:p>
-            <a:pPr marL="285750" indent="-285750">
-              <a:buFont typeface="Arial" panose="020B0604020202020204" pitchFamily="34" charset="0"/>
-              <a:buChar char="•"/>
-            </a:pPr>
-            <a:r>
-              <a:rPr lang="en-US" dirty="0" smtClean="0"/>
-              <a:t>Sigmoid</a:t>
-            </a:r>
-          </a:p>
-          <a:p>
-            <a:pPr marL="285750" indent="-285750">
-              <a:buFont typeface="Arial" panose="020B0604020202020204" pitchFamily="34" charset="0"/>
-              <a:buChar char="•"/>
-            </a:pPr>
-            <a:r>
-              <a:rPr lang="en-US" dirty="0" err="1" smtClean="0"/>
-              <a:t>Tanh</a:t>
-            </a:r>
-            <a:endParaRPr lang="en-US" dirty="0" smtClean="0"/>
-          </a:p>
-        </p:txBody>
-      </p:sp>
-      <p:sp>
-        <p:nvSpPr>
-          <p:cNvPr id="6" name="TextBox 5"/>
-          <p:cNvSpPr txBox="1"/>
-          <p:nvPr/>
-        </p:nvSpPr>
-        <p:spPr>
-          <a:xfrm>
-            <a:off x="1045029" y="4963885"/>
-            <a:ext cx="5556068" cy="369332"/>
-          </a:xfrm>
-          <a:prstGeom prst="rect">
-            <a:avLst/>
-          </a:prstGeom>
-          <a:noFill/>
-        </p:spPr>
-        <p:txBody>
-          <a:bodyPr wrap="square" rtlCol="0">
-            <a:spAutoFit/>
-          </a:bodyPr>
-          <a:lstStyle/>
-          <a:p>
-            <a:r>
-              <a:rPr lang="en-US" altLang="zh-CN" dirty="0" smtClean="0"/>
-              <a:t>Ref: </a:t>
-            </a:r>
             <a:r>
               <a:rPr lang="en-US" dirty="0">
                 <a:hlinkClick r:id="rId2"/>
               </a:rPr>
-              <a:t>https://en.wikipedia.org/wiki/Activation_function</a:t>
-            </a:r>
+              <a:t>https://www.youtube.com/watch?v=3JQ3hYko51Y</a:t>
+            </a:r>
+            <a:endParaRPr lang="en-US" dirty="0"/>
+          </a:p>
+          <a:p>
+            <a:endParaRPr lang="en-US" dirty="0"/>
+          </a:p>
+          <a:p>
             <a:endParaRPr lang="en-US" dirty="0"/>
           </a:p>
         </p:txBody>
@@ -12823,24 +13760,17 @@
     </p:spTree>
     <p:extLst>
       <p:ext uri="{BB962C8B-B14F-4D97-AF65-F5344CB8AC3E}">
-        <p14:creationId xmlns:p14="http://schemas.microsoft.com/office/powerpoint/2010/main" val="2940046170"/>
+        <p14:creationId xmlns:p14="http://schemas.microsoft.com/office/powerpoint/2010/main" val="2496117586"/>
       </p:ext>
     </p:extLst>
   </p:cSld>
   <p:clrMapOvr>
     <a:masterClrMapping/>
   </p:clrMapOvr>
-  <p:timing>
-    <p:tnLst>
-      <p:par>
-        <p:cTn id="1" dur="indefinite" restart="never" nodeType="tmRoot"/>
-      </p:par>
-    </p:tnLst>
-  </p:timing>
 </p:sld>
 </file>
 
-<file path=ppt/slides/slide21.xml><?xml version="1.0" encoding="utf-8"?>
+<file path=ppt/slides/slide27.xml><?xml version="1.0" encoding="utf-8"?>
 <p:sld xmlns:a="http://schemas.openxmlformats.org/drawingml/2006/main" xmlns:r="http://schemas.openxmlformats.org/officeDocument/2006/relationships" xmlns:p="http://schemas.openxmlformats.org/presentationml/2006/main">
   <p:cSld>
     <p:spTree>
@@ -12864,122 +13794,6 @@
             <a:spLocks noGrp="1"/>
           </p:cNvSpPr>
           <p:nvPr>
-            <p:ph type="ctrTitle"/>
-          </p:nvPr>
-        </p:nvSpPr>
-        <p:spPr>
-          <a:xfrm>
-            <a:off x="883920" y="436563"/>
-            <a:ext cx="10206446" cy="908911"/>
-          </a:xfrm>
-        </p:spPr>
-        <p:txBody>
-          <a:bodyPr>
-            <a:normAutofit fontScale="90000"/>
-          </a:bodyPr>
-          <a:lstStyle/>
-          <a:p>
-            <a:pPr algn="l"/>
-            <a:r>
-              <a:rPr lang="zh-CN" altLang="en-US" dirty="0" smtClean="0"/>
-              <a:t>神经网络</a:t>
-            </a:r>
-            <a:r>
-              <a:rPr lang="en-US" altLang="zh-CN" dirty="0" smtClean="0"/>
-              <a:t>Video</a:t>
-            </a:r>
-            <a:endParaRPr lang="en-US" dirty="0" smtClean="0"/>
-          </a:p>
-        </p:txBody>
-      </p:sp>
-      <p:sp>
-        <p:nvSpPr>
-          <p:cNvPr id="4" name="TextBox 3"/>
-          <p:cNvSpPr txBox="1"/>
-          <p:nvPr/>
-        </p:nvSpPr>
-        <p:spPr>
-          <a:xfrm>
-            <a:off x="883920" y="1652451"/>
-            <a:ext cx="9751423" cy="923330"/>
-          </a:xfrm>
-          <a:prstGeom prst="rect">
-            <a:avLst/>
-          </a:prstGeom>
-          <a:noFill/>
-        </p:spPr>
-        <p:txBody>
-          <a:bodyPr wrap="square" rtlCol="0">
-            <a:spAutoFit/>
-          </a:bodyPr>
-          <a:lstStyle/>
-          <a:p>
-            <a:r>
-              <a:rPr lang="en-US" dirty="0">
-                <a:hlinkClick r:id="rId2"/>
-              </a:rPr>
-              <a:t>https://</a:t>
-            </a:r>
-            <a:r>
-              <a:rPr lang="en-US" dirty="0" smtClean="0">
-                <a:hlinkClick r:id="rId2"/>
-              </a:rPr>
-              <a:t>www.youtube.com/watch?v=3JQ3hYko51Y</a:t>
-            </a:r>
-            <a:endParaRPr lang="en-US" dirty="0" smtClean="0"/>
-          </a:p>
-          <a:p>
-            <a:endParaRPr lang="en-US" dirty="0"/>
-          </a:p>
-          <a:p>
-            <a:endParaRPr lang="en-US" dirty="0"/>
-          </a:p>
-        </p:txBody>
-      </p:sp>
-    </p:spTree>
-    <p:extLst>
-      <p:ext uri="{BB962C8B-B14F-4D97-AF65-F5344CB8AC3E}">
-        <p14:creationId xmlns:p14="http://schemas.microsoft.com/office/powerpoint/2010/main" val="2496117586"/>
-      </p:ext>
-    </p:extLst>
-  </p:cSld>
-  <p:clrMapOvr>
-    <a:masterClrMapping/>
-  </p:clrMapOvr>
-  <p:timing>
-    <p:tnLst>
-      <p:par>
-        <p:cTn id="1" dur="indefinite" restart="never" nodeType="tmRoot"/>
-      </p:par>
-    </p:tnLst>
-  </p:timing>
-</p:sld>
-</file>
-
-<file path=ppt/slides/slide22.xml><?xml version="1.0" encoding="utf-8"?>
-<p:sld xmlns:a="http://schemas.openxmlformats.org/drawingml/2006/main" xmlns:r="http://schemas.openxmlformats.org/officeDocument/2006/relationships" xmlns:p="http://schemas.openxmlformats.org/presentationml/2006/main">
-  <p:cSld>
-    <p:spTree>
-      <p:nvGrpSpPr>
-        <p:cNvPr id="1" name=""/>
-        <p:cNvGrpSpPr/>
-        <p:nvPr/>
-      </p:nvGrpSpPr>
-      <p:grpSpPr>
-        <a:xfrm>
-          <a:off x="0" y="0"/>
-          <a:ext cx="0" cy="0"/>
-          <a:chOff x="0" y="0"/>
-          <a:chExt cx="0" cy="0"/>
-        </a:xfrm>
-      </p:grpSpPr>
-      <p:sp>
-        <p:nvSpPr>
-          <p:cNvPr id="2" name="Title 1"/>
-          <p:cNvSpPr>
-            <a:spLocks noGrp="1"/>
-          </p:cNvSpPr>
-          <p:nvPr>
             <p:ph type="title"/>
           </p:nvPr>
         </p:nvSpPr>
@@ -12989,10 +13803,9 @@
           <a:lstStyle/>
           <a:p>
             <a:r>
-              <a:rPr lang="en-US" dirty="0" smtClean="0"/>
+              <a:rPr lang="en-US" dirty="0"/>
               <a:t>Reference</a:t>
             </a:r>
-            <a:endParaRPr lang="en-US" dirty="0"/>
           </a:p>
         </p:txBody>
       </p:sp>
@@ -13014,72 +13827,48 @@
           <a:lstStyle/>
           <a:p>
             <a:r>
-              <a:rPr lang="en-US" sz="1600" dirty="0" smtClean="0">
+              <a:rPr lang="en-US" sz="1600" dirty="0">
                 <a:hlinkClick r:id="rId2"/>
               </a:rPr>
               <a:t>https://en.wikipedia.org/wiki/Artificial_intelligence</a:t>
             </a:r>
-            <a:endParaRPr lang="en-US" sz="1600" dirty="0" smtClean="0"/>
+            <a:endParaRPr lang="en-US" sz="1600" dirty="0"/>
           </a:p>
           <a:p>
             <a:r>
               <a:rPr lang="en-US" sz="1600" dirty="0">
                 <a:hlinkClick r:id="rId3"/>
               </a:rPr>
-              <a:t>https://</a:t>
-            </a:r>
-            <a:r>
-              <a:rPr lang="en-US" sz="1600" dirty="0" smtClean="0">
-                <a:hlinkClick r:id="rId3"/>
-              </a:rPr>
-              <a:t>en.wikipedia.org/wiki/Convolutional_neural_network</a:t>
-            </a:r>
-            <a:endParaRPr lang="en-US" sz="1600" dirty="0" smtClean="0"/>
+              <a:t>https://en.wikipedia.org/wiki/Convolutional_neural_network</a:t>
+            </a:r>
+            <a:endParaRPr lang="en-US" sz="1600" dirty="0"/>
           </a:p>
           <a:p>
             <a:r>
               <a:rPr lang="en-US" sz="1600" dirty="0">
                 <a:hlinkClick r:id="rId4"/>
               </a:rPr>
-              <a:t>https://</a:t>
-            </a:r>
-            <a:r>
-              <a:rPr lang="en-US" sz="1600" dirty="0" smtClean="0">
-                <a:hlinkClick r:id="rId4"/>
-              </a:rPr>
-              <a:t>en.wikipedia.org/wiki/Deep_learning</a:t>
-            </a:r>
-            <a:endParaRPr lang="en-US" sz="1600" dirty="0" smtClean="0"/>
+              <a:t>https://en.wikipedia.org/wiki/Deep_learning</a:t>
+            </a:r>
+            <a:endParaRPr lang="en-US" sz="1600" dirty="0"/>
           </a:p>
           <a:p>
             <a:r>
               <a:rPr lang="en-US" sz="1600" dirty="0">
                 <a:hlinkClick r:id="rId5"/>
               </a:rPr>
-              <a:t>https://</a:t>
-            </a:r>
-            <a:r>
-              <a:rPr lang="en-US" sz="1600" dirty="0" smtClean="0">
-                <a:hlinkClick r:id="rId5"/>
-              </a:rPr>
-              <a:t>en.wikipedia.org/wiki/Feature_learning</a:t>
-            </a:r>
-            <a:endParaRPr lang="en-US" sz="1600" dirty="0" smtClean="0"/>
+              <a:t>https://en.wikipedia.org/wiki/Feature_learning</a:t>
+            </a:r>
+            <a:endParaRPr lang="en-US" sz="1600" dirty="0"/>
           </a:p>
           <a:p>
             <a:r>
               <a:rPr lang="en-US" sz="1600" dirty="0">
                 <a:hlinkClick r:id="rId6"/>
               </a:rPr>
-              <a:t>https://</a:t>
-            </a:r>
-            <a:r>
-              <a:rPr lang="en-US" sz="1600" dirty="0" smtClean="0">
-                <a:hlinkClick r:id="rId6"/>
-              </a:rPr>
-              <a:t>en.wikipedia.org/wiki/History_of_artificial_intelligence</a:t>
-            </a:r>
-            <a:endParaRPr lang="en-US" sz="1600" dirty="0" smtClean="0"/>
+              <a:t>https://en.wikipedia.org/wiki/History_of_artificial_intelligence</a:t>
+            </a:r>
+            <a:endParaRPr lang="en-US" sz="1600" dirty="0"/>
           </a:p>
           <a:p>
             <a:r>
@@ -13102,13 +13891,6 @@
   <p:clrMapOvr>
     <a:masterClrMapping/>
   </p:clrMapOvr>
-  <p:timing>
-    <p:tnLst>
-      <p:par>
-        <p:cTn id="1" dur="indefinite" restart="never" nodeType="tmRoot"/>
-      </p:par>
-    </p:tnLst>
-  </p:timing>
 </p:sld>
 </file>
 
@@ -13153,18 +13935,18 @@
           <a:p>
             <a:pPr algn="l"/>
             <a:r>
-              <a:rPr lang="zh-CN" altLang="en-US" dirty="0" smtClean="0"/>
+              <a:rPr lang="zh-CN" altLang="en-US" dirty="0"/>
               <a:t>什么是人工智能</a:t>
             </a:r>
             <a:r>
-              <a:rPr lang="en-US" altLang="zh-CN" dirty="0" smtClean="0"/>
+              <a:rPr lang="en-US" altLang="zh-CN" dirty="0"/>
               <a:t>(AI)</a:t>
             </a:r>
             <a:r>
-              <a:rPr lang="zh-CN" altLang="en-US" dirty="0" smtClean="0"/>
+              <a:rPr lang="zh-CN" altLang="en-US" dirty="0"/>
               <a:t>？</a:t>
             </a:r>
-            <a:endParaRPr lang="en-US" dirty="0" smtClean="0"/>
+            <a:endParaRPr lang="en-US" dirty="0"/>
           </a:p>
         </p:txBody>
       </p:sp>
@@ -13193,13 +13975,9 @@
             <a:pPr algn="l"/>
             <a:r>
               <a:rPr lang="zh-CN" altLang="en-US" dirty="0"/>
-              <a:t>通常人工智能是指通过普通计算机程序来呈现人类智能的技</a:t>
-            </a:r>
-            <a:r>
-              <a:rPr lang="zh-CN" altLang="en-US" dirty="0" smtClean="0"/>
-              <a:t>术</a:t>
-            </a:r>
-            <a:endParaRPr lang="en-US" altLang="zh-CN" dirty="0" smtClean="0"/>
+              <a:t>通常人工智能是指通过普通计算机程序来呈现人类智能的技术</a:t>
+            </a:r>
+            <a:endParaRPr lang="en-US" altLang="zh-CN" dirty="0"/>
           </a:p>
           <a:p>
             <a:pPr algn="l"/>
@@ -13208,7 +13986,7 @@
           <a:p>
             <a:pPr algn="l"/>
             <a:r>
-              <a:rPr lang="en-US" altLang="zh-CN" dirty="0" smtClean="0"/>
+              <a:rPr lang="en-US" altLang="zh-CN" dirty="0"/>
               <a:t>AI</a:t>
             </a:r>
             <a:r>
@@ -13217,19 +13995,7 @@
             </a:r>
             <a:r>
               <a:rPr lang="zh-CN" altLang="en-US" b="1" i="1" u="sng" dirty="0"/>
-              <a:t>人类似甚至超卓</a:t>
-            </a:r>
-            <a:r>
-              <a:rPr lang="zh-CN" altLang="en-US" b="1" i="1" u="sng" dirty="0" smtClean="0"/>
-              <a:t>的 </a:t>
-            </a:r>
-            <a:r>
-              <a:rPr lang="zh-CN" altLang="en-US" dirty="0" smtClean="0">
-                <a:solidFill>
-                  <a:schemeClr val="accent6"/>
-                </a:solidFill>
-              </a:rPr>
-              <a:t>推</a:t>
+              <a:t>人类似甚至超卓的 </a:t>
             </a:r>
             <a:r>
               <a:rPr lang="zh-CN" altLang="en-US" dirty="0">
@@ -13237,7 +14003,7 @@
                   <a:schemeClr val="accent6"/>
                 </a:solidFill>
               </a:rPr>
-              <a:t>理</a:t>
+              <a:t>推理</a:t>
             </a:r>
             <a:r>
               <a:rPr lang="zh-CN" altLang="en-US" dirty="0"/>
@@ -13327,7 +14093,7 @@
               <a:rPr lang="zh-CN" altLang="en-US" dirty="0"/>
               <a:t>的能力等</a:t>
             </a:r>
-            <a:endParaRPr lang="en-US" altLang="zh-CN" dirty="0" smtClean="0"/>
+            <a:endParaRPr lang="en-US" altLang="zh-CN" dirty="0"/>
           </a:p>
           <a:p>
             <a:pPr algn="l"/>
@@ -13335,7 +14101,7 @@
           </a:p>
           <a:p>
             <a:pPr algn="l"/>
-            <a:endParaRPr lang="en-US" dirty="0" smtClean="0"/>
+            <a:endParaRPr lang="en-US" dirty="0"/>
           </a:p>
         </p:txBody>
       </p:sp>
@@ -13349,13 +14115,6 @@
   <p:clrMapOvr>
     <a:masterClrMapping/>
   </p:clrMapOvr>
-  <p:timing>
-    <p:tnLst>
-      <p:par>
-        <p:cTn id="1" dur="indefinite" restart="never" nodeType="tmRoot"/>
-      </p:par>
-    </p:tnLst>
-  </p:timing>
 </p:sld>
 </file>
 
@@ -13400,18 +14159,18 @@
           <a:p>
             <a:pPr algn="l"/>
             <a:r>
-              <a:rPr lang="zh-CN" altLang="en-US" dirty="0" smtClean="0"/>
+              <a:rPr lang="zh-CN" altLang="en-US" dirty="0"/>
               <a:t>什么是人工智能</a:t>
             </a:r>
             <a:r>
-              <a:rPr lang="en-US" altLang="zh-CN" dirty="0" smtClean="0"/>
+              <a:rPr lang="en-US" altLang="zh-CN" dirty="0"/>
               <a:t>(AI)</a:t>
             </a:r>
             <a:r>
-              <a:rPr lang="zh-CN" altLang="en-US" dirty="0" smtClean="0"/>
+              <a:rPr lang="zh-CN" altLang="en-US" dirty="0"/>
               <a:t>？</a:t>
             </a:r>
-            <a:endParaRPr lang="en-US" dirty="0" smtClean="0"/>
+            <a:endParaRPr lang="en-US" dirty="0"/>
           </a:p>
         </p:txBody>
       </p:sp>
@@ -13439,10 +14198,10 @@
           <a:p>
             <a:pPr algn="l"/>
             <a:r>
-              <a:rPr lang="zh-CN" altLang="en-US" dirty="0" smtClean="0"/>
+              <a:rPr lang="zh-CN" altLang="en-US" dirty="0"/>
               <a:t>举几个关于人的栗子：</a:t>
             </a:r>
-            <a:endParaRPr lang="en-US" dirty="0" smtClean="0"/>
+            <a:endParaRPr lang="en-US" dirty="0"/>
           </a:p>
           <a:p>
             <a:pPr marL="342900" indent="-342900" algn="l">
@@ -13450,22 +14209,18 @@
               <a:buChar char="•"/>
             </a:pPr>
             <a:r>
-              <a:rPr lang="zh-CN" altLang="en-US" dirty="0" smtClean="0"/>
+              <a:rPr lang="zh-CN" altLang="en-US" dirty="0"/>
               <a:t>婴儿一出生就开始观察学习，获取周围的信息，从而在未来能够分辨事物（人也是通过不断学习来增加自己对事物的认知）</a:t>
             </a:r>
             <a:r>
-              <a:rPr lang="en-US" altLang="zh-CN" dirty="0" smtClean="0"/>
+              <a:rPr lang="en-US" altLang="zh-CN" dirty="0"/>
               <a:t>(</a:t>
             </a:r>
             <a:r>
               <a:rPr lang="zh-CN" altLang="en-US" dirty="0"/>
-              <a:t>通</a:t>
-            </a:r>
-            <a:r>
-              <a:rPr lang="zh-CN" altLang="en-US" dirty="0" smtClean="0"/>
-              <a:t>过移动，感知距离）</a:t>
-            </a:r>
-            <a:endParaRPr lang="en-US" altLang="zh-CN" dirty="0" smtClean="0"/>
+              <a:t>通过移动，感知距离）</a:t>
+            </a:r>
+            <a:endParaRPr lang="en-US" altLang="zh-CN" dirty="0"/>
           </a:p>
           <a:p>
             <a:pPr marL="342900" indent="-342900" algn="l">
@@ -13473,18 +14228,18 @@
               <a:buChar char="•"/>
             </a:pPr>
             <a:r>
-              <a:rPr lang="zh-CN" altLang="en-US" dirty="0" smtClean="0"/>
+              <a:rPr lang="zh-CN" altLang="en-US" dirty="0"/>
               <a:t>古人根据节气变化定义了</a:t>
             </a:r>
             <a:r>
-              <a:rPr lang="en-US" altLang="zh-CN" dirty="0" smtClean="0"/>
+              <a:rPr lang="en-US" altLang="zh-CN" dirty="0"/>
               <a:t>24</a:t>
             </a:r>
             <a:r>
-              <a:rPr lang="zh-CN" altLang="en-US" dirty="0" smtClean="0"/>
+              <a:rPr lang="zh-CN" altLang="en-US" dirty="0"/>
               <a:t>节气，以此来计划耕种</a:t>
             </a:r>
-            <a:endParaRPr lang="en-US" altLang="zh-CN" dirty="0" smtClean="0"/>
+            <a:endParaRPr lang="en-US" altLang="zh-CN" dirty="0"/>
           </a:p>
           <a:p>
             <a:pPr marL="342900" indent="-342900" algn="l">
@@ -13492,7 +14247,7 @@
               <a:buChar char="•"/>
             </a:pPr>
             <a:r>
-              <a:rPr lang="zh-CN" altLang="en-US" dirty="0" smtClean="0"/>
+              <a:rPr lang="zh-CN" altLang="en-US" dirty="0"/>
               <a:t>“蜻蜓低飞要下雨”就是我们通过观察总结出的一个蜻蜓与下雨的联系。科学解释就是：气压降低了，是下雨的前兆，气压降低会导致蜻蜓低飞</a:t>
             </a:r>
           </a:p>
@@ -13508,13 +14263,6 @@
   <p:clrMapOvr>
     <a:masterClrMapping/>
   </p:clrMapOvr>
-  <p:timing>
-    <p:tnLst>
-      <p:par>
-        <p:cTn id="1" dur="indefinite" restart="never" nodeType="tmRoot"/>
-      </p:par>
-    </p:tnLst>
-  </p:timing>
 </p:sld>
 </file>
 
@@ -13559,18 +14307,18 @@
           <a:p>
             <a:pPr algn="l"/>
             <a:r>
-              <a:rPr lang="zh-CN" altLang="en-US" dirty="0" smtClean="0"/>
+              <a:rPr lang="zh-CN" altLang="en-US" dirty="0"/>
               <a:t>什么是人工智能</a:t>
             </a:r>
             <a:r>
-              <a:rPr lang="en-US" altLang="zh-CN" dirty="0" smtClean="0"/>
+              <a:rPr lang="en-US" altLang="zh-CN" dirty="0"/>
               <a:t>(AI)</a:t>
             </a:r>
             <a:r>
-              <a:rPr lang="zh-CN" altLang="en-US" dirty="0" smtClean="0"/>
+              <a:rPr lang="zh-CN" altLang="en-US" dirty="0"/>
               <a:t>？</a:t>
             </a:r>
-            <a:endParaRPr lang="en-US" dirty="0" smtClean="0"/>
+            <a:endParaRPr lang="en-US" dirty="0"/>
           </a:p>
         </p:txBody>
       </p:sp>
@@ -13598,15 +14346,15 @@
           <a:p>
             <a:pPr algn="l"/>
             <a:r>
-              <a:rPr lang="en-US" dirty="0" smtClean="0"/>
+              <a:rPr lang="en-US" dirty="0"/>
               <a:t>AI</a:t>
             </a:r>
             <a:r>
-              <a:rPr lang="zh-CN" altLang="en-US" dirty="0" smtClean="0"/>
+              <a:rPr lang="zh-CN" altLang="en-US" dirty="0"/>
               <a:t>能根据大量的</a:t>
             </a:r>
             <a:r>
-              <a:rPr lang="zh-CN" altLang="en-US" dirty="0" smtClean="0">
+              <a:rPr lang="zh-CN" altLang="en-US" dirty="0">
                 <a:solidFill>
                   <a:schemeClr val="accent2">
                     <a:lumMod val="75000"/>
@@ -13616,19 +14364,19 @@
               <a:t>历史资料和实时观察</a:t>
             </a:r>
             <a:r>
-              <a:rPr lang="zh-CN" altLang="en-US" dirty="0" smtClean="0"/>
+              <a:rPr lang="zh-CN" altLang="en-US" dirty="0"/>
               <a:t>（</a:t>
             </a:r>
             <a:r>
-              <a:rPr lang="en-US" dirty="0" smtClean="0"/>
+              <a:rPr lang="en-US" dirty="0"/>
               <a:t>real-time observation）</a:t>
             </a:r>
             <a:r>
-              <a:rPr lang="zh-CN" altLang="en-US" dirty="0" smtClean="0"/>
+              <a:rPr lang="zh-CN" altLang="en-US" dirty="0"/>
               <a:t>找出对于未来预测性的洞察（</a:t>
             </a:r>
             <a:r>
-              <a:rPr lang="en-US" dirty="0" smtClean="0"/>
+              <a:rPr lang="en-US" dirty="0"/>
               <a:t>predictive insights）。</a:t>
             </a:r>
           </a:p>
@@ -13644,13 +14392,6 @@
   <p:clrMapOvr>
     <a:masterClrMapping/>
   </p:clrMapOvr>
-  <p:timing>
-    <p:tnLst>
-      <p:par>
-        <p:cTn id="1" dur="indefinite" restart="never" nodeType="tmRoot"/>
-      </p:par>
-    </p:tnLst>
-  </p:timing>
 </p:sld>
 </file>
 
@@ -13695,18 +14436,18 @@
           <a:p>
             <a:pPr algn="l"/>
             <a:r>
-              <a:rPr lang="en-US" altLang="zh-CN" dirty="0" smtClean="0"/>
+              <a:rPr lang="en-US" altLang="zh-CN" dirty="0"/>
               <a:t>AI</a:t>
             </a:r>
             <a:r>
-              <a:rPr lang="zh-CN" altLang="en-US" dirty="0" smtClean="0"/>
+              <a:rPr lang="zh-CN" altLang="en-US" dirty="0"/>
               <a:t>不是新鲜事儿</a:t>
             </a:r>
             <a:r>
-              <a:rPr lang="en-US" altLang="zh-CN" dirty="0" smtClean="0"/>
+              <a:rPr lang="en-US" altLang="zh-CN" dirty="0"/>
               <a:t>~</a:t>
             </a:r>
-            <a:endParaRPr lang="en-US" dirty="0" smtClean="0"/>
+            <a:endParaRPr lang="en-US" dirty="0"/>
           </a:p>
         </p:txBody>
       </p:sp>
@@ -13777,13 +14518,6 @@
   <p:clrMapOvr>
     <a:masterClrMapping/>
   </p:clrMapOvr>
-  <p:timing>
-    <p:tnLst>
-      <p:par>
-        <p:cTn id="1" dur="indefinite" restart="never" nodeType="tmRoot"/>
-      </p:par>
-    </p:tnLst>
-  </p:timing>
 </p:sld>
 </file>
 
@@ -13829,13 +14563,9 @@
             <a:pPr algn="l"/>
             <a:r>
               <a:rPr lang="zh-CN" altLang="en-US" dirty="0"/>
-              <a:t>机</a:t>
-            </a:r>
-            <a:r>
-              <a:rPr lang="zh-CN" altLang="en-US" dirty="0" smtClean="0"/>
-              <a:t>器学习</a:t>
-            </a:r>
-            <a:endParaRPr lang="en-US" dirty="0" smtClean="0"/>
+              <a:t>机器学习</a:t>
+            </a:r>
+            <a:endParaRPr lang="en-US" dirty="0"/>
           </a:p>
         </p:txBody>
       </p:sp>
@@ -13863,78 +14593,62 @@
           <a:p>
             <a:pPr algn="l"/>
             <a:r>
-              <a:rPr lang="zh-CN" altLang="en-US" dirty="0" smtClean="0"/>
+              <a:rPr lang="zh-CN" altLang="en-US" dirty="0"/>
               <a:t>对于机器学习</a:t>
             </a:r>
             <a:r>
-              <a:rPr lang="en-US" altLang="zh-CN" dirty="0" smtClean="0"/>
+              <a:rPr lang="en-US" altLang="zh-CN" dirty="0"/>
               <a:t>(Machine Learning)</a:t>
             </a:r>
             <a:r>
-              <a:rPr lang="zh-CN" altLang="en-US" dirty="0" smtClean="0"/>
-              <a:t>，一</a:t>
-            </a:r>
-            <a:r>
               <a:rPr lang="zh-CN" altLang="en-US" dirty="0"/>
-              <a:t>种经常引用的英文定义是</a:t>
-            </a:r>
-            <a:r>
-              <a:rPr lang="zh-CN" altLang="en-US" dirty="0" smtClean="0"/>
-              <a:t>：</a:t>
-            </a:r>
-            <a:endParaRPr lang="en-US" altLang="zh-CN" dirty="0" smtClean="0"/>
+              <a:t>，一种经常引用的英文定义是：</a:t>
+            </a:r>
+            <a:endParaRPr lang="en-US" altLang="zh-CN" dirty="0"/>
           </a:p>
           <a:p>
             <a:pPr algn="l"/>
-            <a:endParaRPr lang="en-US" dirty="0" smtClean="0"/>
+            <a:endParaRPr lang="en-US" dirty="0"/>
           </a:p>
           <a:p>
             <a:pPr algn="l"/>
             <a:r>
-              <a:rPr lang="en-US" dirty="0" smtClean="0"/>
-              <a:t>A </a:t>
-            </a:r>
-            <a:r>
               <a:rPr lang="en-US" dirty="0"/>
-              <a:t>computer program is said to learn from experience E with respect to some class of tasks T and performance measure P, if its performance at tasks in T, as measured by P, improves with experience E</a:t>
-            </a:r>
-            <a:r>
-              <a:rPr lang="en-US" dirty="0" smtClean="0"/>
-              <a:t>.</a:t>
+              <a:t>A computer program is said to learn from experience E with respect to some class of tasks T and performance measure P, if its performance at tasks in T, as measured by P, improves with experience E.</a:t>
             </a:r>
           </a:p>
           <a:p>
             <a:pPr algn="l"/>
-            <a:endParaRPr lang="en-US" altLang="zh-CN" dirty="0" smtClean="0"/>
+            <a:endParaRPr lang="en-US" altLang="zh-CN" dirty="0"/>
           </a:p>
           <a:p>
             <a:pPr algn="l"/>
             <a:r>
-              <a:rPr lang="zh-CN" altLang="en-US" dirty="0" smtClean="0"/>
+              <a:rPr lang="zh-CN" altLang="en-US" dirty="0"/>
               <a:t>通过任务</a:t>
             </a:r>
             <a:r>
-              <a:rPr lang="en-US" altLang="zh-CN" dirty="0" smtClean="0"/>
+              <a:rPr lang="en-US" altLang="zh-CN" dirty="0"/>
               <a:t>T</a:t>
             </a:r>
             <a:r>
-              <a:rPr lang="zh-CN" altLang="en-US" dirty="0" smtClean="0"/>
+              <a:rPr lang="zh-CN" altLang="en-US" dirty="0"/>
               <a:t>学习经验</a:t>
             </a:r>
             <a:r>
-              <a:rPr lang="en-US" altLang="zh-CN" dirty="0" smtClean="0"/>
+              <a:rPr lang="en-US" altLang="zh-CN" dirty="0"/>
               <a:t>E</a:t>
             </a:r>
             <a:r>
-              <a:rPr lang="zh-CN" altLang="en-US" dirty="0" smtClean="0"/>
+              <a:rPr lang="zh-CN" altLang="en-US" dirty="0"/>
               <a:t>，学习成果由</a:t>
             </a:r>
             <a:r>
-              <a:rPr lang="en-US" altLang="zh-CN" dirty="0" smtClean="0"/>
+              <a:rPr lang="en-US" altLang="zh-CN" dirty="0"/>
               <a:t>P</a:t>
             </a:r>
             <a:r>
-              <a:rPr lang="zh-CN" altLang="en-US" dirty="0" smtClean="0"/>
+              <a:rPr lang="zh-CN" altLang="en-US" dirty="0"/>
               <a:t>来检验</a:t>
             </a:r>
             <a:endParaRPr lang="en-US" dirty="0"/>
@@ -13951,13 +14665,6 @@
   <p:clrMapOvr>
     <a:masterClrMapping/>
   </p:clrMapOvr>
-  <p:timing>
-    <p:tnLst>
-      <p:par>
-        <p:cTn id="1" dur="indefinite" restart="never" nodeType="tmRoot"/>
-      </p:par>
-    </p:tnLst>
-  </p:timing>
 </p:sld>
 </file>
 
@@ -14003,13 +14710,9 @@
             <a:pPr algn="l"/>
             <a:r>
               <a:rPr lang="zh-CN" altLang="en-US" dirty="0"/>
-              <a:t>机</a:t>
-            </a:r>
-            <a:r>
-              <a:rPr lang="zh-CN" altLang="en-US" dirty="0" smtClean="0"/>
-              <a:t>器学习</a:t>
-            </a:r>
-            <a:endParaRPr lang="en-US" dirty="0" smtClean="0"/>
+              <a:t>机器学习</a:t>
+            </a:r>
+            <a:endParaRPr lang="en-US" dirty="0"/>
           </a:p>
         </p:txBody>
       </p:sp>
@@ -14038,18 +14741,14 @@
             <a:pPr algn="l"/>
             <a:r>
               <a:rPr lang="zh-CN" altLang="en-US" dirty="0"/>
-              <a:t>举一</a:t>
-            </a:r>
-            <a:r>
-              <a:rPr lang="zh-CN" altLang="en-US" dirty="0" smtClean="0"/>
-              <a:t>个栗子：</a:t>
-            </a:r>
-            <a:endParaRPr lang="en-US" altLang="zh-CN" dirty="0" smtClean="0"/>
+              <a:t>举一个栗子：</a:t>
+            </a:r>
+            <a:endParaRPr lang="en-US" altLang="zh-CN" dirty="0"/>
           </a:p>
           <a:p>
             <a:pPr algn="l"/>
             <a:r>
-              <a:rPr lang="zh-CN" altLang="en-US" dirty="0" smtClean="0">
+              <a:rPr lang="zh-CN" altLang="en-US" dirty="0">
                 <a:solidFill>
                   <a:schemeClr val="accent2"/>
                 </a:solidFill>
@@ -14057,18 +14756,18 @@
               <a:t>给定</a:t>
             </a:r>
             <a:r>
-              <a:rPr lang="zh-CN" altLang="en-US" dirty="0" smtClean="0"/>
+              <a:rPr lang="zh-CN" altLang="en-US" dirty="0"/>
               <a:t>任务</a:t>
             </a:r>
             <a:r>
-              <a:rPr lang="en-US" altLang="zh-CN" dirty="0" smtClean="0"/>
+              <a:rPr lang="en-US" altLang="zh-CN" dirty="0"/>
               <a:t>T</a:t>
             </a:r>
             <a:r>
-              <a:rPr lang="zh-CN" altLang="en-US" dirty="0" smtClean="0"/>
+              <a:rPr lang="zh-CN" altLang="en-US" dirty="0"/>
               <a:t>：识别猫狗图像</a:t>
             </a:r>
-            <a:endParaRPr lang="en-US" altLang="zh-CN" dirty="0" smtClean="0"/>
+            <a:endParaRPr lang="en-US" altLang="zh-CN" dirty="0"/>
           </a:p>
           <a:p>
             <a:pPr algn="l"/>
@@ -14081,12 +14780,8 @@
               <a:t>学习</a:t>
             </a:r>
             <a:r>
-              <a:rPr lang="zh-CN" altLang="en-US" dirty="0" smtClean="0"/>
-              <a:t>经</a:t>
-            </a:r>
-            <a:r>
               <a:rPr lang="zh-CN" altLang="en-US" dirty="0"/>
-              <a:t>验</a:t>
+              <a:t>经验</a:t>
             </a:r>
             <a:r>
               <a:rPr lang="en-US" altLang="zh-CN" dirty="0"/>
@@ -14101,7 +14796,7 @@
           <a:p>
             <a:pPr algn="l"/>
             <a:r>
-              <a:rPr lang="zh-CN" altLang="en-US" dirty="0" smtClean="0">
+              <a:rPr lang="zh-CN" altLang="en-US" dirty="0">
                 <a:solidFill>
                   <a:schemeClr val="accent2"/>
                 </a:solidFill>
@@ -14109,26 +14804,26 @@
               <a:t>通过</a:t>
             </a:r>
             <a:r>
-              <a:rPr lang="zh-CN" altLang="en-US" dirty="0" smtClean="0"/>
+              <a:rPr lang="zh-CN" altLang="en-US" dirty="0"/>
               <a:t>衡量</a:t>
             </a:r>
             <a:r>
-              <a:rPr lang="en-US" altLang="zh-CN" dirty="0" smtClean="0"/>
+              <a:rPr lang="en-US" altLang="zh-CN" dirty="0"/>
               <a:t>P</a:t>
             </a:r>
             <a:r>
-              <a:rPr lang="zh-CN" altLang="en-US" dirty="0" smtClean="0"/>
+              <a:rPr lang="zh-CN" altLang="en-US" dirty="0"/>
               <a:t>：误判率</a:t>
             </a:r>
-            <a:endParaRPr lang="en-US" altLang="zh-CN" dirty="0" smtClean="0"/>
+            <a:endParaRPr lang="en-US" altLang="zh-CN" dirty="0"/>
           </a:p>
           <a:p>
             <a:pPr algn="l"/>
             <a:r>
-              <a:rPr lang="zh-CN" altLang="en-US" dirty="0" smtClean="0"/>
+              <a:rPr lang="zh-CN" altLang="en-US" dirty="0"/>
               <a:t>来评定学习结果</a:t>
             </a:r>
-            <a:endParaRPr lang="en-US" altLang="zh-CN" dirty="0" smtClean="0"/>
+            <a:endParaRPr lang="en-US" altLang="zh-CN" dirty="0"/>
           </a:p>
         </p:txBody>
       </p:sp>
@@ -14142,13 +14837,6 @@
   <p:clrMapOvr>
     <a:masterClrMapping/>
   </p:clrMapOvr>
-  <p:timing>
-    <p:tnLst>
-      <p:par>
-        <p:cTn id="1" dur="indefinite" restart="never" nodeType="tmRoot"/>
-      </p:par>
-    </p:tnLst>
-  </p:timing>
 </p:sld>
 </file>
 
@@ -14236,10 +14924,9 @@
           <a:p>
             <a:pPr algn="ctr"/>
             <a:r>
-              <a:rPr lang="en-US" dirty="0" smtClean="0"/>
+              <a:rPr lang="en-US" dirty="0"/>
               <a:t>Machine(A)</a:t>
             </a:r>
-            <a:endParaRPr lang="en-US" dirty="0"/>
           </a:p>
         </p:txBody>
       </p:sp>
@@ -14327,17 +15014,16 @@
           <a:p>
             <a:pPr algn="ctr"/>
             <a:r>
-              <a:rPr lang="en-US" sz="1000" dirty="0" smtClean="0"/>
+              <a:rPr lang="en-US" sz="1000" dirty="0"/>
               <a:t>Experience</a:t>
             </a:r>
           </a:p>
           <a:p>
             <a:pPr algn="ctr"/>
             <a:r>
-              <a:rPr lang="en-US" sz="1000" dirty="0" smtClean="0"/>
+              <a:rPr lang="en-US" sz="1000" dirty="0"/>
               <a:t>data</a:t>
             </a:r>
-            <a:endParaRPr lang="en-US" sz="1000" dirty="0"/>
           </a:p>
         </p:txBody>
       </p:sp>
@@ -14431,10 +15117,9 @@
           <a:p>
             <a:pPr algn="ctr"/>
             <a:r>
-              <a:rPr lang="en-US" sz="900" dirty="0" smtClean="0"/>
+              <a:rPr lang="en-US" sz="900" dirty="0"/>
               <a:t>Elon Musk</a:t>
             </a:r>
-            <a:endParaRPr lang="en-US" sz="900" dirty="0"/>
           </a:p>
         </p:txBody>
       </p:sp>
@@ -14461,10 +15146,9 @@
           <a:lstStyle/>
           <a:p>
             <a:r>
-              <a:rPr lang="en-US" dirty="0" smtClean="0"/>
+              <a:rPr lang="en-US" dirty="0"/>
               <a:t>New data</a:t>
             </a:r>
-            <a:endParaRPr lang="en-US" dirty="0"/>
           </a:p>
         </p:txBody>
       </p:sp>
@@ -14536,10 +15220,9 @@
           <a:p>
             <a:pPr algn="ctr"/>
             <a:r>
-              <a:rPr lang="en-US" sz="1000" dirty="0" smtClean="0"/>
+              <a:rPr lang="en-US" sz="1000" dirty="0"/>
               <a:t>Learning</a:t>
             </a:r>
-            <a:endParaRPr lang="en-US" sz="1000" dirty="0"/>
           </a:p>
         </p:txBody>
       </p:sp>
@@ -14580,10 +15263,9 @@
           <a:p>
             <a:pPr algn="ctr"/>
             <a:r>
-              <a:rPr lang="en-US" dirty="0" smtClean="0"/>
+              <a:rPr lang="en-US" dirty="0"/>
               <a:t>Machine(A+)</a:t>
             </a:r>
-            <a:endParaRPr lang="en-US" dirty="0"/>
           </a:p>
         </p:txBody>
       </p:sp>
@@ -14718,10 +15400,9 @@
           <a:p>
             <a:pPr algn="ctr"/>
             <a:r>
-              <a:rPr lang="en-US" sz="1100" dirty="0" smtClean="0"/>
+              <a:rPr lang="en-US" sz="1100" dirty="0"/>
               <a:t>Predict result</a:t>
             </a:r>
-            <a:endParaRPr lang="en-US" sz="1100" dirty="0"/>
           </a:p>
         </p:txBody>
       </p:sp>
@@ -14749,10 +15430,9 @@
           <a:p>
             <a:pPr algn="ctr"/>
             <a:r>
-              <a:rPr lang="en-US" dirty="0" smtClean="0"/>
+              <a:rPr lang="en-US" dirty="0"/>
               <a:t>Labeled data</a:t>
             </a:r>
-            <a:endParaRPr lang="en-US" dirty="0"/>
           </a:p>
         </p:txBody>
       </p:sp>
@@ -14766,13 +15446,6 @@
   <p:clrMapOvr>
     <a:masterClrMapping/>
   </p:clrMapOvr>
-  <p:timing>
-    <p:tnLst>
-      <p:par>
-        <p:cTn id="1" dur="indefinite" restart="never" nodeType="tmRoot"/>
-      </p:par>
-    </p:tnLst>
-  </p:timing>
 </p:sld>
 </file>
 
